--- a/Castle Defend.pptx
+++ b/Castle Defend.pptx
@@ -108,6 +108,11 @@
       </a:defRPr>
     </a:lvl9pPr>
   </p:defaultTextStyle>
+  <p:extLst>
+    <p:ext uri="{EFAFB233-063F-42B5-8137-9DF3F51BA10A}">
+      <p15:sldGuideLst xmlns:p15="http://schemas.microsoft.com/office/powerpoint/2012/main"/>
+    </p:ext>
+  </p:extLst>
 </p:presentation>
 </file>
 
@@ -258,7 +263,7 @@
           <a:p>
             <a:fld id="{385A5F8F-D55E-4F7B-9A37-F8350C851305}" type="datetimeFigureOut">
               <a:rPr lang="en-US" smtClean="0"/>
-              <a:t>9/24/2024</a:t>
+              <a:t>9/25/2024</a:t>
             </a:fld>
             <a:endParaRPr lang="en-US"/>
           </a:p>
@@ -456,7 +461,7 @@
           <a:p>
             <a:fld id="{385A5F8F-D55E-4F7B-9A37-F8350C851305}" type="datetimeFigureOut">
               <a:rPr lang="en-US" smtClean="0"/>
-              <a:t>9/24/2024</a:t>
+              <a:t>9/25/2024</a:t>
             </a:fld>
             <a:endParaRPr lang="en-US"/>
           </a:p>
@@ -664,7 +669,7 @@
           <a:p>
             <a:fld id="{385A5F8F-D55E-4F7B-9A37-F8350C851305}" type="datetimeFigureOut">
               <a:rPr lang="en-US" smtClean="0"/>
-              <a:t>9/24/2024</a:t>
+              <a:t>9/25/2024</a:t>
             </a:fld>
             <a:endParaRPr lang="en-US"/>
           </a:p>
@@ -862,7 +867,7 @@
           <a:p>
             <a:fld id="{385A5F8F-D55E-4F7B-9A37-F8350C851305}" type="datetimeFigureOut">
               <a:rPr lang="en-US" smtClean="0"/>
-              <a:t>9/24/2024</a:t>
+              <a:t>9/25/2024</a:t>
             </a:fld>
             <a:endParaRPr lang="en-US"/>
           </a:p>
@@ -1137,7 +1142,7 @@
           <a:p>
             <a:fld id="{385A5F8F-D55E-4F7B-9A37-F8350C851305}" type="datetimeFigureOut">
               <a:rPr lang="en-US" smtClean="0"/>
-              <a:t>9/24/2024</a:t>
+              <a:t>9/25/2024</a:t>
             </a:fld>
             <a:endParaRPr lang="en-US"/>
           </a:p>
@@ -1402,7 +1407,7 @@
           <a:p>
             <a:fld id="{385A5F8F-D55E-4F7B-9A37-F8350C851305}" type="datetimeFigureOut">
               <a:rPr lang="en-US" smtClean="0"/>
-              <a:t>9/24/2024</a:t>
+              <a:t>9/25/2024</a:t>
             </a:fld>
             <a:endParaRPr lang="en-US"/>
           </a:p>
@@ -1814,7 +1819,7 @@
           <a:p>
             <a:fld id="{385A5F8F-D55E-4F7B-9A37-F8350C851305}" type="datetimeFigureOut">
               <a:rPr lang="en-US" smtClean="0"/>
-              <a:t>9/24/2024</a:t>
+              <a:t>9/25/2024</a:t>
             </a:fld>
             <a:endParaRPr lang="en-US"/>
           </a:p>
@@ -1955,7 +1960,7 @@
           <a:p>
             <a:fld id="{385A5F8F-D55E-4F7B-9A37-F8350C851305}" type="datetimeFigureOut">
               <a:rPr lang="en-US" smtClean="0"/>
-              <a:t>9/24/2024</a:t>
+              <a:t>9/25/2024</a:t>
             </a:fld>
             <a:endParaRPr lang="en-US"/>
           </a:p>
@@ -2068,7 +2073,7 @@
           <a:p>
             <a:fld id="{385A5F8F-D55E-4F7B-9A37-F8350C851305}" type="datetimeFigureOut">
               <a:rPr lang="en-US" smtClean="0"/>
-              <a:t>9/24/2024</a:t>
+              <a:t>9/25/2024</a:t>
             </a:fld>
             <a:endParaRPr lang="en-US"/>
           </a:p>
@@ -2379,7 +2384,7 @@
           <a:p>
             <a:fld id="{385A5F8F-D55E-4F7B-9A37-F8350C851305}" type="datetimeFigureOut">
               <a:rPr lang="en-US" smtClean="0"/>
-              <a:t>9/24/2024</a:t>
+              <a:t>9/25/2024</a:t>
             </a:fld>
             <a:endParaRPr lang="en-US"/>
           </a:p>
@@ -2667,7 +2672,7 @@
           <a:p>
             <a:fld id="{385A5F8F-D55E-4F7B-9A37-F8350C851305}" type="datetimeFigureOut">
               <a:rPr lang="en-US" smtClean="0"/>
-              <a:t>9/24/2024</a:t>
+              <a:t>9/25/2024</a:t>
             </a:fld>
             <a:endParaRPr lang="en-US"/>
           </a:p>
@@ -2908,7 +2913,7 @@
           <a:p>
             <a:fld id="{385A5F8F-D55E-4F7B-9A37-F8350C851305}" type="datetimeFigureOut">
               <a:rPr lang="en-US" smtClean="0"/>
-              <a:t>9/24/2024</a:t>
+              <a:t>9/25/2024</a:t>
             </a:fld>
             <a:endParaRPr lang="en-US"/>
           </a:p>
@@ -6761,7 +6766,7 @@
         </p:blipFill>
         <p:spPr>
           <a:xfrm>
-            <a:off x="11399967" y="4437141"/>
+            <a:off x="787663" y="5796232"/>
             <a:ext cx="505117" cy="631397"/>
           </a:xfrm>
           <a:prstGeom prst="rect">
@@ -6976,7 +6981,7 @@
         </p:nvSpPr>
         <p:spPr>
           <a:xfrm>
-            <a:off x="1758316" y="4121161"/>
+            <a:off x="1819732" y="4606873"/>
             <a:ext cx="10002552" cy="461665"/>
           </a:xfrm>
           <a:prstGeom prst="rect">
@@ -6992,7 +6997,7 @@
           <a:p>
             <a:r>
               <a:rPr lang="en-US" sz="2400"/>
-              <a:t>Gate: Cổng thành là nơi </a:t>
+              <a:t>Gate: Cổng thành</a:t>
             </a:r>
           </a:p>
         </p:txBody>
@@ -7055,7 +7060,7 @@
         </p:blipFill>
         <p:spPr>
           <a:xfrm>
-            <a:off x="11217777" y="6027880"/>
+            <a:off x="650596" y="2487511"/>
             <a:ext cx="779735" cy="804620"/>
           </a:xfrm>
           <a:prstGeom prst="rect">
@@ -7063,171 +7068,6 @@
           </a:prstGeom>
         </p:spPr>
       </p:pic>
-      <p:grpSp>
-        <p:nvGrpSpPr>
-          <p:cNvPr id="38" name="Group 37">
-            <a:extLst>
-              <a:ext uri="{FF2B5EF4-FFF2-40B4-BE49-F238E27FC236}">
-                <a16:creationId xmlns:a16="http://schemas.microsoft.com/office/drawing/2014/main" id="{34EE5117-5D99-2C9F-3591-3AE213044E7E}"/>
-              </a:ext>
-            </a:extLst>
-          </p:cNvPr>
-          <p:cNvGrpSpPr/>
-          <p:nvPr/>
-        </p:nvGrpSpPr>
-        <p:grpSpPr>
-          <a:xfrm>
-            <a:off x="10064099" y="2354685"/>
-            <a:ext cx="1543546" cy="1334742"/>
-            <a:chOff x="6133665" y="2399846"/>
-            <a:chExt cx="1543546" cy="1334742"/>
-          </a:xfrm>
-        </p:grpSpPr>
-        <p:pic>
-          <p:nvPicPr>
-            <p:cNvPr id="39" name="Picture 38" descr="A cartoon of a cube&#10;&#10;Description automatically generated with medium confidence">
-              <a:extLst>
-                <a:ext uri="{FF2B5EF4-FFF2-40B4-BE49-F238E27FC236}">
-                  <a16:creationId xmlns:a16="http://schemas.microsoft.com/office/drawing/2014/main" id="{5C0A8190-F1C5-E86D-4F86-1A3749765297}"/>
-                </a:ext>
-              </a:extLst>
-            </p:cNvPr>
-            <p:cNvPicPr>
-              <a:picLocks noChangeAspect="1"/>
-            </p:cNvPicPr>
-            <p:nvPr/>
-          </p:nvPicPr>
-          <p:blipFill>
-            <a:blip r:embed="rId3">
-              <a:extLst>
-                <a:ext uri="{28A0092B-C50C-407E-A947-70E740481C1C}">
-                  <a14:useLocalDpi xmlns:a14="http://schemas.microsoft.com/office/drawing/2010/main" val="0"/>
-                </a:ext>
-              </a:extLst>
-            </a:blip>
-            <a:stretch>
-              <a:fillRect/>
-            </a:stretch>
-          </p:blipFill>
-          <p:spPr>
-            <a:xfrm>
-              <a:off x="6930391" y="2399846"/>
-              <a:ext cx="746820" cy="889828"/>
-            </a:xfrm>
-            <a:prstGeom prst="rect">
-              <a:avLst/>
-            </a:prstGeom>
-          </p:spPr>
-        </p:pic>
-        <p:pic>
-          <p:nvPicPr>
-            <p:cNvPr id="40" name="Picture 39" descr="A cartoon of a castle&#10;&#10;Description automatically generated">
-              <a:extLst>
-                <a:ext uri="{FF2B5EF4-FFF2-40B4-BE49-F238E27FC236}">
-                  <a16:creationId xmlns:a16="http://schemas.microsoft.com/office/drawing/2014/main" id="{0C37D0A7-281C-719A-12E2-E99D95D90031}"/>
-                </a:ext>
-              </a:extLst>
-            </p:cNvPr>
-            <p:cNvPicPr>
-              <a:picLocks noChangeAspect="1"/>
-            </p:cNvPicPr>
-            <p:nvPr/>
-          </p:nvPicPr>
-          <p:blipFill>
-            <a:blip r:embed="rId4">
-              <a:extLst>
-                <a:ext uri="{28A0092B-C50C-407E-A947-70E740481C1C}">
-                  <a14:useLocalDpi xmlns:a14="http://schemas.microsoft.com/office/drawing/2010/main" val="0"/>
-                </a:ext>
-              </a:extLst>
-            </a:blip>
-            <a:stretch>
-              <a:fillRect/>
-            </a:stretch>
-          </p:blipFill>
-          <p:spPr>
-            <a:xfrm>
-              <a:off x="6551818" y="2586797"/>
-              <a:ext cx="748086" cy="889828"/>
-            </a:xfrm>
-            <a:prstGeom prst="rect">
-              <a:avLst/>
-            </a:prstGeom>
-          </p:spPr>
-        </p:pic>
-        <p:pic>
-          <p:nvPicPr>
-            <p:cNvPr id="41" name="Picture 40" descr="A cartoon of a cube&#10;&#10;Description automatically generated with medium confidence">
-              <a:extLst>
-                <a:ext uri="{FF2B5EF4-FFF2-40B4-BE49-F238E27FC236}">
-                  <a16:creationId xmlns:a16="http://schemas.microsoft.com/office/drawing/2014/main" id="{7BA01527-C83B-DF17-51A6-C044E6C02252}"/>
-                </a:ext>
-              </a:extLst>
-            </p:cNvPr>
-            <p:cNvPicPr>
-              <a:picLocks noChangeAspect="1"/>
-            </p:cNvPicPr>
-            <p:nvPr/>
-          </p:nvPicPr>
-          <p:blipFill>
-            <a:blip r:embed="rId3">
-              <a:extLst>
-                <a:ext uri="{28A0092B-C50C-407E-A947-70E740481C1C}">
-                  <a14:useLocalDpi xmlns:a14="http://schemas.microsoft.com/office/drawing/2010/main" val="0"/>
-                </a:ext>
-              </a:extLst>
-            </a:blip>
-            <a:stretch>
-              <a:fillRect/>
-            </a:stretch>
-          </p:blipFill>
-          <p:spPr>
-            <a:xfrm>
-              <a:off x="6133665" y="2844760"/>
-              <a:ext cx="746820" cy="889828"/>
-            </a:xfrm>
-            <a:prstGeom prst="rect">
-              <a:avLst/>
-            </a:prstGeom>
-          </p:spPr>
-        </p:pic>
-      </p:grpSp>
-      <p:pic>
-        <p:nvPicPr>
-          <p:cNvPr id="1046" name="Picture 1045" descr="A cartoon of a mushroom&#10;&#10;Description automatically generated">
-            <a:extLst>
-              <a:ext uri="{FF2B5EF4-FFF2-40B4-BE49-F238E27FC236}">
-                <a16:creationId xmlns:a16="http://schemas.microsoft.com/office/drawing/2014/main" id="{42CCC7E7-9BEB-858F-B0E7-D6ED724C932B}"/>
-              </a:ext>
-            </a:extLst>
-          </p:cNvPr>
-          <p:cNvPicPr>
-            <a:picLocks noChangeAspect="1"/>
-          </p:cNvPicPr>
-          <p:nvPr/>
-        </p:nvPicPr>
-        <p:blipFill>
-          <a:blip r:embed="rId5">
-            <a:extLst>
-              <a:ext uri="{28A0092B-C50C-407E-A947-70E740481C1C}">
-                <a14:useLocalDpi xmlns:a14="http://schemas.microsoft.com/office/drawing/2010/main" val="0"/>
-              </a:ext>
-            </a:extLst>
-          </a:blip>
-          <a:stretch>
-            <a:fillRect/>
-          </a:stretch>
-        </p:blipFill>
-        <p:spPr>
-          <a:xfrm>
-            <a:off x="11399967" y="4437141"/>
-            <a:ext cx="505117" cy="631397"/>
-          </a:xfrm>
-          <a:prstGeom prst="rect">
-            <a:avLst/>
-          </a:prstGeom>
-        </p:spPr>
-      </p:pic>
       <p:sp>
         <p:nvSpPr>
           <p:cNvPr id="1047" name="Arrow: Right 1046">
@@ -7242,7 +7082,7 @@
         </p:nvSpPr>
         <p:spPr>
           <a:xfrm rot="12674817">
-            <a:off x="11226866" y="1721579"/>
+            <a:off x="700901" y="1406153"/>
             <a:ext cx="646211" cy="374664"/>
           </a:xfrm>
           <a:prstGeom prst="rightArrow">
@@ -7280,42 +7120,6 @@
           </a:p>
         </p:txBody>
       </p:sp>
-      <p:pic>
-        <p:nvPicPr>
-          <p:cNvPr id="1048" name="Picture 1047" descr="A cartoon of a castle&#10;&#10;Description automatically generated">
-            <a:extLst>
-              <a:ext uri="{FF2B5EF4-FFF2-40B4-BE49-F238E27FC236}">
-                <a16:creationId xmlns:a16="http://schemas.microsoft.com/office/drawing/2014/main" id="{62697C45-2EA4-81EF-E1E4-90E2CCF04059}"/>
-              </a:ext>
-            </a:extLst>
-          </p:cNvPr>
-          <p:cNvPicPr>
-            <a:picLocks noChangeAspect="1"/>
-          </p:cNvPicPr>
-          <p:nvPr/>
-        </p:nvPicPr>
-        <p:blipFill>
-          <a:blip r:embed="rId4">
-            <a:extLst>
-              <a:ext uri="{28A0092B-C50C-407E-A947-70E740481C1C}">
-                <a14:useLocalDpi xmlns:a14="http://schemas.microsoft.com/office/drawing/2010/main" val="0"/>
-              </a:ext>
-            </a:extLst>
-          </a:blip>
-          <a:stretch>
-            <a:fillRect/>
-          </a:stretch>
-        </p:blipFill>
-        <p:spPr>
-          <a:xfrm>
-            <a:off x="9730382" y="4437141"/>
-            <a:ext cx="748086" cy="889828"/>
-          </a:xfrm>
-          <a:prstGeom prst="rect">
-            <a:avLst/>
-          </a:prstGeom>
-        </p:spPr>
-      </p:pic>
       <p:sp>
         <p:nvSpPr>
           <p:cNvPr id="3" name="TextBox 2">

--- a/Castle Defend.pptx
+++ b/Castle Defend.pptx
@@ -10,6 +10,8 @@
     <p:sldId id="258" r:id="rId4"/>
     <p:sldId id="259" r:id="rId5"/>
     <p:sldId id="260" r:id="rId6"/>
+    <p:sldId id="261" r:id="rId7"/>
+    <p:sldId id="262" r:id="rId8"/>
   </p:sldIdLst>
   <p:sldSz cx="12192000" cy="6858000"/>
   <p:notesSz cx="6858000" cy="9144000"/>
@@ -263,7 +265,7 @@
           <a:p>
             <a:fld id="{385A5F8F-D55E-4F7B-9A37-F8350C851305}" type="datetimeFigureOut">
               <a:rPr lang="en-US" smtClean="0"/>
-              <a:t>9/25/2024</a:t>
+              <a:t>9/28/2024</a:t>
             </a:fld>
             <a:endParaRPr lang="en-US"/>
           </a:p>
@@ -461,7 +463,7 @@
           <a:p>
             <a:fld id="{385A5F8F-D55E-4F7B-9A37-F8350C851305}" type="datetimeFigureOut">
               <a:rPr lang="en-US" smtClean="0"/>
-              <a:t>9/25/2024</a:t>
+              <a:t>9/28/2024</a:t>
             </a:fld>
             <a:endParaRPr lang="en-US"/>
           </a:p>
@@ -669,7 +671,7 @@
           <a:p>
             <a:fld id="{385A5F8F-D55E-4F7B-9A37-F8350C851305}" type="datetimeFigureOut">
               <a:rPr lang="en-US" smtClean="0"/>
-              <a:t>9/25/2024</a:t>
+              <a:t>9/28/2024</a:t>
             </a:fld>
             <a:endParaRPr lang="en-US"/>
           </a:p>
@@ -867,7 +869,7 @@
           <a:p>
             <a:fld id="{385A5F8F-D55E-4F7B-9A37-F8350C851305}" type="datetimeFigureOut">
               <a:rPr lang="en-US" smtClean="0"/>
-              <a:t>9/25/2024</a:t>
+              <a:t>9/28/2024</a:t>
             </a:fld>
             <a:endParaRPr lang="en-US"/>
           </a:p>
@@ -1142,7 +1144,7 @@
           <a:p>
             <a:fld id="{385A5F8F-D55E-4F7B-9A37-F8350C851305}" type="datetimeFigureOut">
               <a:rPr lang="en-US" smtClean="0"/>
-              <a:t>9/25/2024</a:t>
+              <a:t>9/28/2024</a:t>
             </a:fld>
             <a:endParaRPr lang="en-US"/>
           </a:p>
@@ -1407,7 +1409,7 @@
           <a:p>
             <a:fld id="{385A5F8F-D55E-4F7B-9A37-F8350C851305}" type="datetimeFigureOut">
               <a:rPr lang="en-US" smtClean="0"/>
-              <a:t>9/25/2024</a:t>
+              <a:t>9/28/2024</a:t>
             </a:fld>
             <a:endParaRPr lang="en-US"/>
           </a:p>
@@ -1819,7 +1821,7 @@
           <a:p>
             <a:fld id="{385A5F8F-D55E-4F7B-9A37-F8350C851305}" type="datetimeFigureOut">
               <a:rPr lang="en-US" smtClean="0"/>
-              <a:t>9/25/2024</a:t>
+              <a:t>9/28/2024</a:t>
             </a:fld>
             <a:endParaRPr lang="en-US"/>
           </a:p>
@@ -1960,7 +1962,7 @@
           <a:p>
             <a:fld id="{385A5F8F-D55E-4F7B-9A37-F8350C851305}" type="datetimeFigureOut">
               <a:rPr lang="en-US" smtClean="0"/>
-              <a:t>9/25/2024</a:t>
+              <a:t>9/28/2024</a:t>
             </a:fld>
             <a:endParaRPr lang="en-US"/>
           </a:p>
@@ -2073,7 +2075,7 @@
           <a:p>
             <a:fld id="{385A5F8F-D55E-4F7B-9A37-F8350C851305}" type="datetimeFigureOut">
               <a:rPr lang="en-US" smtClean="0"/>
-              <a:t>9/25/2024</a:t>
+              <a:t>9/28/2024</a:t>
             </a:fld>
             <a:endParaRPr lang="en-US"/>
           </a:p>
@@ -2384,7 +2386,7 @@
           <a:p>
             <a:fld id="{385A5F8F-D55E-4F7B-9A37-F8350C851305}" type="datetimeFigureOut">
               <a:rPr lang="en-US" smtClean="0"/>
-              <a:t>9/25/2024</a:t>
+              <a:t>9/28/2024</a:t>
             </a:fld>
             <a:endParaRPr lang="en-US"/>
           </a:p>
@@ -2672,7 +2674,7 @@
           <a:p>
             <a:fld id="{385A5F8F-D55E-4F7B-9A37-F8350C851305}" type="datetimeFigureOut">
               <a:rPr lang="en-US" smtClean="0"/>
-              <a:t>9/25/2024</a:t>
+              <a:t>9/28/2024</a:t>
             </a:fld>
             <a:endParaRPr lang="en-US"/>
           </a:p>
@@ -2913,7 +2915,7 @@
           <a:p>
             <a:fld id="{385A5F8F-D55E-4F7B-9A37-F8350C851305}" type="datetimeFigureOut">
               <a:rPr lang="en-US" smtClean="0"/>
-              <a:t>9/25/2024</a:t>
+              <a:t>9/28/2024</a:t>
             </a:fld>
             <a:endParaRPr lang="en-US"/>
           </a:p>
@@ -6657,7 +6659,7 @@
           </p:blipFill>
           <p:spPr>
             <a:xfrm>
-              <a:off x="6551818" y="2586797"/>
+              <a:off x="6531395" y="2586797"/>
               <a:ext cx="748086" cy="889828"/>
             </a:xfrm>
             <a:prstGeom prst="rect">
@@ -7194,6 +7196,811 @@
     <p:extLst>
       <p:ext uri="{BB962C8B-B14F-4D97-AF65-F5344CB8AC3E}">
         <p14:creationId xmlns:p14="http://schemas.microsoft.com/office/powerpoint/2010/main" val="922409963"/>
+      </p:ext>
+    </p:extLst>
+  </p:cSld>
+  <p:clrMapOvr>
+    <a:masterClrMapping/>
+  </p:clrMapOvr>
+</p:sld>
+</file>
+
+<file path=ppt/slides/slide6.xml><?xml version="1.0" encoding="utf-8"?>
+<p:sld xmlns:a="http://schemas.openxmlformats.org/drawingml/2006/main" xmlns:r="http://schemas.openxmlformats.org/officeDocument/2006/relationships" xmlns:p="http://schemas.openxmlformats.org/presentationml/2006/main">
+  <p:cSld>
+    <p:spTree>
+      <p:nvGrpSpPr>
+        <p:cNvPr id="1" name=""/>
+        <p:cNvGrpSpPr/>
+        <p:nvPr/>
+      </p:nvGrpSpPr>
+      <p:grpSpPr>
+        <a:xfrm>
+          <a:off x="0" y="0"/>
+          <a:ext cx="0" cy="0"/>
+          <a:chOff x="0" y="0"/>
+          <a:chExt cx="0" cy="0"/>
+        </a:xfrm>
+      </p:grpSpPr>
+      <p:sp>
+        <p:nvSpPr>
+          <p:cNvPr id="3" name="TextBox 2">
+            <a:extLst>
+              <a:ext uri="{FF2B5EF4-FFF2-40B4-BE49-F238E27FC236}">
+                <a16:creationId xmlns:a16="http://schemas.microsoft.com/office/drawing/2014/main" id="{AC9B76EC-4385-9952-52FC-4CC9C4F2822B}"/>
+              </a:ext>
+            </a:extLst>
+          </p:cNvPr>
+          <p:cNvSpPr txBox="1"/>
+          <p:nvPr/>
+        </p:nvSpPr>
+        <p:spPr>
+          <a:xfrm>
+            <a:off x="5001790" y="341412"/>
+            <a:ext cx="3837910" cy="646331"/>
+          </a:xfrm>
+          <a:prstGeom prst="rect">
+            <a:avLst/>
+          </a:prstGeom>
+          <a:noFill/>
+        </p:spPr>
+        <p:txBody>
+          <a:bodyPr wrap="none" rtlCol="0">
+            <a:spAutoFit/>
+          </a:bodyPr>
+          <a:lstStyle/>
+          <a:p>
+            <a:r>
+              <a:rPr lang="en-US" sz="3600" b="1"/>
+              <a:t>Cơ chế hoạt động</a:t>
+            </a:r>
+          </a:p>
+        </p:txBody>
+      </p:sp>
+      <p:grpSp>
+        <p:nvGrpSpPr>
+          <p:cNvPr id="27" name="Group 26">
+            <a:extLst>
+              <a:ext uri="{FF2B5EF4-FFF2-40B4-BE49-F238E27FC236}">
+                <a16:creationId xmlns:a16="http://schemas.microsoft.com/office/drawing/2014/main" id="{B4ACCB65-BEAA-B89F-6A32-18C045F1F1CE}"/>
+              </a:ext>
+            </a:extLst>
+          </p:cNvPr>
+          <p:cNvGrpSpPr/>
+          <p:nvPr/>
+        </p:nvGrpSpPr>
+        <p:grpSpPr>
+          <a:xfrm>
+            <a:off x="837417" y="1863391"/>
+            <a:ext cx="610225" cy="500468"/>
+            <a:chOff x="434804" y="4921158"/>
+            <a:chExt cx="839217" cy="647848"/>
+          </a:xfrm>
+        </p:grpSpPr>
+        <p:pic>
+          <p:nvPicPr>
+            <p:cNvPr id="13" name="Picture 12">
+              <a:extLst>
+                <a:ext uri="{FF2B5EF4-FFF2-40B4-BE49-F238E27FC236}">
+                  <a16:creationId xmlns:a16="http://schemas.microsoft.com/office/drawing/2014/main" id="{7F088229-D3B5-0596-3A7F-25F43526045B}"/>
+                </a:ext>
+              </a:extLst>
+            </p:cNvPr>
+            <p:cNvPicPr>
+              <a:picLocks noChangeAspect="1"/>
+            </p:cNvPicPr>
+            <p:nvPr/>
+          </p:nvPicPr>
+          <p:blipFill>
+            <a:blip r:embed="rId2">
+              <a:extLst>
+                <a:ext uri="{28A0092B-C50C-407E-A947-70E740481C1C}">
+                  <a14:useLocalDpi xmlns:a14="http://schemas.microsoft.com/office/drawing/2010/main" val="0"/>
+                </a:ext>
+              </a:extLst>
+            </a:blip>
+            <a:stretch>
+              <a:fillRect/>
+            </a:stretch>
+          </p:blipFill>
+          <p:spPr>
+            <a:xfrm>
+              <a:off x="791311" y="4921158"/>
+              <a:ext cx="482710" cy="647848"/>
+            </a:xfrm>
+            <a:prstGeom prst="rect">
+              <a:avLst/>
+            </a:prstGeom>
+          </p:spPr>
+        </p:pic>
+        <p:pic>
+          <p:nvPicPr>
+            <p:cNvPr id="25" name="Picture 24">
+              <a:extLst>
+                <a:ext uri="{FF2B5EF4-FFF2-40B4-BE49-F238E27FC236}">
+                  <a16:creationId xmlns:a16="http://schemas.microsoft.com/office/drawing/2014/main" id="{61E92280-580F-942F-07FE-15F91412A987}"/>
+                </a:ext>
+              </a:extLst>
+            </p:cNvPr>
+            <p:cNvPicPr>
+              <a:picLocks noChangeAspect="1"/>
+            </p:cNvPicPr>
+            <p:nvPr/>
+          </p:nvPicPr>
+          <p:blipFill>
+            <a:blip r:embed="rId3">
+              <a:extLst>
+                <a:ext uri="{28A0092B-C50C-407E-A947-70E740481C1C}">
+                  <a14:useLocalDpi xmlns:a14="http://schemas.microsoft.com/office/drawing/2010/main" val="0"/>
+                </a:ext>
+              </a:extLst>
+            </a:blip>
+            <a:stretch>
+              <a:fillRect/>
+            </a:stretch>
+          </p:blipFill>
+          <p:spPr>
+            <a:xfrm>
+              <a:off x="434804" y="4971970"/>
+              <a:ext cx="470007" cy="597036"/>
+            </a:xfrm>
+            <a:prstGeom prst="rect">
+              <a:avLst/>
+            </a:prstGeom>
+          </p:spPr>
+        </p:pic>
+      </p:grpSp>
+      <p:grpSp>
+        <p:nvGrpSpPr>
+          <p:cNvPr id="54" name="Group 53">
+            <a:extLst>
+              <a:ext uri="{FF2B5EF4-FFF2-40B4-BE49-F238E27FC236}">
+                <a16:creationId xmlns:a16="http://schemas.microsoft.com/office/drawing/2014/main" id="{FBACBE66-DE60-1039-A94F-217D63F30B8D}"/>
+              </a:ext>
+            </a:extLst>
+          </p:cNvPr>
+          <p:cNvGrpSpPr/>
+          <p:nvPr/>
+        </p:nvGrpSpPr>
+        <p:grpSpPr>
+          <a:xfrm>
+            <a:off x="881770" y="1195044"/>
+            <a:ext cx="572350" cy="512974"/>
+            <a:chOff x="660416" y="2828396"/>
+            <a:chExt cx="708848" cy="673253"/>
+          </a:xfrm>
+        </p:grpSpPr>
+        <p:pic>
+          <p:nvPicPr>
+            <p:cNvPr id="45" name="Picture 44">
+              <a:extLst>
+                <a:ext uri="{FF2B5EF4-FFF2-40B4-BE49-F238E27FC236}">
+                  <a16:creationId xmlns:a16="http://schemas.microsoft.com/office/drawing/2014/main" id="{7E55C2DE-987A-F957-2390-F2E7803C1F75}"/>
+                </a:ext>
+              </a:extLst>
+            </p:cNvPr>
+            <p:cNvPicPr>
+              <a:picLocks noChangeAspect="1"/>
+            </p:cNvPicPr>
+            <p:nvPr/>
+          </p:nvPicPr>
+          <p:blipFill>
+            <a:blip r:embed="rId2">
+              <a:extLst>
+                <a:ext uri="{28A0092B-C50C-407E-A947-70E740481C1C}">
+                  <a14:useLocalDpi xmlns:a14="http://schemas.microsoft.com/office/drawing/2010/main" val="0"/>
+                </a:ext>
+              </a:extLst>
+            </a:blip>
+            <a:stretch>
+              <a:fillRect/>
+            </a:stretch>
+          </p:blipFill>
+          <p:spPr>
+            <a:xfrm>
+              <a:off x="886554" y="2828690"/>
+              <a:ext cx="482710" cy="647848"/>
+            </a:xfrm>
+            <a:prstGeom prst="rect">
+              <a:avLst/>
+            </a:prstGeom>
+          </p:spPr>
+        </p:pic>
+        <p:pic>
+          <p:nvPicPr>
+            <p:cNvPr id="53" name="Picture 52">
+              <a:extLst>
+                <a:ext uri="{FF2B5EF4-FFF2-40B4-BE49-F238E27FC236}">
+                  <a16:creationId xmlns:a16="http://schemas.microsoft.com/office/drawing/2014/main" id="{5C9EFF58-A6FD-F1A3-D04D-11F4DC113915}"/>
+                </a:ext>
+              </a:extLst>
+            </p:cNvPr>
+            <p:cNvPicPr>
+              <a:picLocks noChangeAspect="1"/>
+            </p:cNvPicPr>
+            <p:nvPr/>
+          </p:nvPicPr>
+          <p:blipFill>
+            <a:blip r:embed="rId4">
+              <a:extLst>
+                <a:ext uri="{28A0092B-C50C-407E-A947-70E740481C1C}">
+                  <a14:useLocalDpi xmlns:a14="http://schemas.microsoft.com/office/drawing/2010/main" val="0"/>
+                </a:ext>
+              </a:extLst>
+            </a:blip>
+            <a:stretch>
+              <a:fillRect/>
+            </a:stretch>
+          </p:blipFill>
+          <p:spPr>
+            <a:xfrm>
+              <a:off x="660416" y="2828396"/>
+              <a:ext cx="330275" cy="673253"/>
+            </a:xfrm>
+            <a:prstGeom prst="rect">
+              <a:avLst/>
+            </a:prstGeom>
+          </p:spPr>
+        </p:pic>
+      </p:grpSp>
+      <p:sp>
+        <p:nvSpPr>
+          <p:cNvPr id="55" name="TextBox 54">
+            <a:extLst>
+              <a:ext uri="{FF2B5EF4-FFF2-40B4-BE49-F238E27FC236}">
+                <a16:creationId xmlns:a16="http://schemas.microsoft.com/office/drawing/2014/main" id="{ED5BB2EC-E03D-6A93-2B6B-189F1033E7DA}"/>
+              </a:ext>
+            </a:extLst>
+          </p:cNvPr>
+          <p:cNvSpPr txBox="1"/>
+          <p:nvPr/>
+        </p:nvSpPr>
+        <p:spPr>
+          <a:xfrm>
+            <a:off x="1760741" y="2701564"/>
+            <a:ext cx="10043014" cy="1200329"/>
+          </a:xfrm>
+          <a:prstGeom prst="rect">
+            <a:avLst/>
+          </a:prstGeom>
+          <a:noFill/>
+        </p:spPr>
+        <p:txBody>
+          <a:bodyPr wrap="square" rtlCol="0">
+            <a:spAutoFit/>
+          </a:bodyPr>
+          <a:lstStyle/>
+          <a:p>
+            <a:r>
+              <a:rPr lang="en-US" sz="2400"/>
+              <a:t>Bullet: Đạn đc tạo, phóng đạn theo hướng chỉ định, nếu đạn trúng mục tiêu thì gây sát thương và hủy Bullet, nếu ko trúng và bay đến hết kvuc cho phép thì hủy Bullet</a:t>
+            </a:r>
+          </a:p>
+        </p:txBody>
+      </p:sp>
+      <p:sp>
+        <p:nvSpPr>
+          <p:cNvPr id="2" name="TextBox 1">
+            <a:extLst>
+              <a:ext uri="{FF2B5EF4-FFF2-40B4-BE49-F238E27FC236}">
+                <a16:creationId xmlns:a16="http://schemas.microsoft.com/office/drawing/2014/main" id="{FBAD4059-6B74-2DCE-2454-6AC4917281F4}"/>
+              </a:ext>
+            </a:extLst>
+          </p:cNvPr>
+          <p:cNvSpPr txBox="1"/>
+          <p:nvPr/>
+        </p:nvSpPr>
+        <p:spPr>
+          <a:xfrm>
+            <a:off x="1713349" y="1183698"/>
+            <a:ext cx="10043014" cy="830997"/>
+          </a:xfrm>
+          <a:prstGeom prst="rect">
+            <a:avLst/>
+          </a:prstGeom>
+          <a:noFill/>
+        </p:spPr>
+        <p:txBody>
+          <a:bodyPr wrap="square" rtlCol="0">
+            <a:spAutoFit/>
+          </a:bodyPr>
+          <a:lstStyle/>
+          <a:p>
+            <a:r>
+              <a:rPr lang="en-US" sz="2400"/>
+              <a:t>Range: Đánh xa, phát hiện kẻ địch trong vùng có thể tấn công, thực hiện tấn công mục tiêu gần nhất</a:t>
+            </a:r>
+          </a:p>
+        </p:txBody>
+      </p:sp>
+      <p:pic>
+        <p:nvPicPr>
+          <p:cNvPr id="4" name="Picture 3" descr="A cartoon character with a sword&#10;&#10;Description automatically generated">
+            <a:extLst>
+              <a:ext uri="{FF2B5EF4-FFF2-40B4-BE49-F238E27FC236}">
+                <a16:creationId xmlns:a16="http://schemas.microsoft.com/office/drawing/2014/main" id="{B36F3962-6D2B-5E22-87FB-C267AE185D59}"/>
+              </a:ext>
+            </a:extLst>
+          </p:cNvPr>
+          <p:cNvPicPr>
+            <a:picLocks noChangeAspect="1"/>
+          </p:cNvPicPr>
+          <p:nvPr/>
+        </p:nvPicPr>
+        <p:blipFill>
+          <a:blip r:embed="rId5">
+            <a:extLst>
+              <a:ext uri="{28A0092B-C50C-407E-A947-70E740481C1C}">
+                <a14:useLocalDpi xmlns:a14="http://schemas.microsoft.com/office/drawing/2010/main" val="0"/>
+              </a:ext>
+            </a:extLst>
+          </a:blip>
+          <a:stretch>
+            <a:fillRect/>
+          </a:stretch>
+        </p:blipFill>
+        <p:spPr>
+          <a:xfrm flipH="1">
+            <a:off x="1026416" y="4494142"/>
+            <a:ext cx="534600" cy="493617"/>
+          </a:xfrm>
+          <a:prstGeom prst="rect">
+            <a:avLst/>
+          </a:prstGeom>
+        </p:spPr>
+      </p:pic>
+      <p:sp>
+        <p:nvSpPr>
+          <p:cNvPr id="6" name="TextBox 5">
+            <a:extLst>
+              <a:ext uri="{FF2B5EF4-FFF2-40B4-BE49-F238E27FC236}">
+                <a16:creationId xmlns:a16="http://schemas.microsoft.com/office/drawing/2014/main" id="{F809D2B4-5DAD-2A5D-2A58-D5B829E90157}"/>
+              </a:ext>
+            </a:extLst>
+          </p:cNvPr>
+          <p:cNvSpPr txBox="1"/>
+          <p:nvPr/>
+        </p:nvSpPr>
+        <p:spPr>
+          <a:xfrm>
+            <a:off x="1760741" y="4173263"/>
+            <a:ext cx="10043014" cy="830997"/>
+          </a:xfrm>
+          <a:prstGeom prst="rect">
+            <a:avLst/>
+          </a:prstGeom>
+          <a:noFill/>
+        </p:spPr>
+        <p:txBody>
+          <a:bodyPr wrap="square" rtlCol="0">
+            <a:spAutoFit/>
+          </a:bodyPr>
+          <a:lstStyle/>
+          <a:p>
+            <a:r>
+              <a:rPr lang="en-US" sz="2400"/>
+              <a:t>Melee: Đánh gần, tìm mục tiêu gần nhất, di chuyển đến bên cạnh mục tiêu, thực hiện tấn công mục tiêu</a:t>
+            </a:r>
+          </a:p>
+        </p:txBody>
+      </p:sp>
+    </p:spTree>
+    <p:extLst>
+      <p:ext uri="{BB962C8B-B14F-4D97-AF65-F5344CB8AC3E}">
+        <p14:creationId xmlns:p14="http://schemas.microsoft.com/office/powerpoint/2010/main" val="1806456877"/>
+      </p:ext>
+    </p:extLst>
+  </p:cSld>
+  <p:clrMapOvr>
+    <a:masterClrMapping/>
+  </p:clrMapOvr>
+</p:sld>
+</file>
+
+<file path=ppt/slides/slide7.xml><?xml version="1.0" encoding="utf-8"?>
+<p:sld xmlns:a="http://schemas.openxmlformats.org/drawingml/2006/main" xmlns:r="http://schemas.openxmlformats.org/officeDocument/2006/relationships" xmlns:p="http://schemas.openxmlformats.org/presentationml/2006/main">
+  <p:cSld>
+    <p:spTree>
+      <p:nvGrpSpPr>
+        <p:cNvPr id="1" name=""/>
+        <p:cNvGrpSpPr/>
+        <p:nvPr/>
+      </p:nvGrpSpPr>
+      <p:grpSpPr>
+        <a:xfrm>
+          <a:off x="0" y="0"/>
+          <a:ext cx="0" cy="0"/>
+          <a:chOff x="0" y="0"/>
+          <a:chExt cx="0" cy="0"/>
+        </a:xfrm>
+      </p:grpSpPr>
+      <p:sp>
+        <p:nvSpPr>
+          <p:cNvPr id="3" name="TextBox 2">
+            <a:extLst>
+              <a:ext uri="{FF2B5EF4-FFF2-40B4-BE49-F238E27FC236}">
+                <a16:creationId xmlns:a16="http://schemas.microsoft.com/office/drawing/2014/main" id="{AC9B76EC-4385-9952-52FC-4CC9C4F2822B}"/>
+              </a:ext>
+            </a:extLst>
+          </p:cNvPr>
+          <p:cNvSpPr txBox="1"/>
+          <p:nvPr/>
+        </p:nvSpPr>
+        <p:spPr>
+          <a:xfrm>
+            <a:off x="4177045" y="0"/>
+            <a:ext cx="3837910" cy="646331"/>
+          </a:xfrm>
+          <a:prstGeom prst="rect">
+            <a:avLst/>
+          </a:prstGeom>
+          <a:noFill/>
+        </p:spPr>
+        <p:txBody>
+          <a:bodyPr wrap="none" rtlCol="0">
+            <a:spAutoFit/>
+          </a:bodyPr>
+          <a:lstStyle/>
+          <a:p>
+            <a:r>
+              <a:rPr lang="en-US" sz="3600" b="1"/>
+              <a:t>Cơ chế hoạt động</a:t>
+            </a:r>
+          </a:p>
+        </p:txBody>
+      </p:sp>
+      <p:grpSp>
+        <p:nvGrpSpPr>
+          <p:cNvPr id="27" name="Group 26">
+            <a:extLst>
+              <a:ext uri="{FF2B5EF4-FFF2-40B4-BE49-F238E27FC236}">
+                <a16:creationId xmlns:a16="http://schemas.microsoft.com/office/drawing/2014/main" id="{B4ACCB65-BEAA-B89F-6A32-18C045F1F1CE}"/>
+              </a:ext>
+            </a:extLst>
+          </p:cNvPr>
+          <p:cNvGrpSpPr/>
+          <p:nvPr/>
+        </p:nvGrpSpPr>
+        <p:grpSpPr>
+          <a:xfrm>
+            <a:off x="832610" y="553762"/>
+            <a:ext cx="610225" cy="500468"/>
+            <a:chOff x="434804" y="4921158"/>
+            <a:chExt cx="839217" cy="647848"/>
+          </a:xfrm>
+        </p:grpSpPr>
+        <p:pic>
+          <p:nvPicPr>
+            <p:cNvPr id="13" name="Picture 12">
+              <a:extLst>
+                <a:ext uri="{FF2B5EF4-FFF2-40B4-BE49-F238E27FC236}">
+                  <a16:creationId xmlns:a16="http://schemas.microsoft.com/office/drawing/2014/main" id="{7F088229-D3B5-0596-3A7F-25F43526045B}"/>
+                </a:ext>
+              </a:extLst>
+            </p:cNvPr>
+            <p:cNvPicPr>
+              <a:picLocks noChangeAspect="1"/>
+            </p:cNvPicPr>
+            <p:nvPr/>
+          </p:nvPicPr>
+          <p:blipFill>
+            <a:blip r:embed="rId2">
+              <a:extLst>
+                <a:ext uri="{28A0092B-C50C-407E-A947-70E740481C1C}">
+                  <a14:useLocalDpi xmlns:a14="http://schemas.microsoft.com/office/drawing/2010/main" val="0"/>
+                </a:ext>
+              </a:extLst>
+            </a:blip>
+            <a:stretch>
+              <a:fillRect/>
+            </a:stretch>
+          </p:blipFill>
+          <p:spPr>
+            <a:xfrm>
+              <a:off x="791311" y="4921158"/>
+              <a:ext cx="482710" cy="647848"/>
+            </a:xfrm>
+            <a:prstGeom prst="rect">
+              <a:avLst/>
+            </a:prstGeom>
+          </p:spPr>
+        </p:pic>
+        <p:pic>
+          <p:nvPicPr>
+            <p:cNvPr id="25" name="Picture 24">
+              <a:extLst>
+                <a:ext uri="{FF2B5EF4-FFF2-40B4-BE49-F238E27FC236}">
+                  <a16:creationId xmlns:a16="http://schemas.microsoft.com/office/drawing/2014/main" id="{61E92280-580F-942F-07FE-15F91412A987}"/>
+                </a:ext>
+              </a:extLst>
+            </p:cNvPr>
+            <p:cNvPicPr>
+              <a:picLocks noChangeAspect="1"/>
+            </p:cNvPicPr>
+            <p:nvPr/>
+          </p:nvPicPr>
+          <p:blipFill>
+            <a:blip r:embed="rId3">
+              <a:extLst>
+                <a:ext uri="{28A0092B-C50C-407E-A947-70E740481C1C}">
+                  <a14:useLocalDpi xmlns:a14="http://schemas.microsoft.com/office/drawing/2010/main" val="0"/>
+                </a:ext>
+              </a:extLst>
+            </a:blip>
+            <a:stretch>
+              <a:fillRect/>
+            </a:stretch>
+          </p:blipFill>
+          <p:spPr>
+            <a:xfrm>
+              <a:off x="434804" y="4971970"/>
+              <a:ext cx="470007" cy="597036"/>
+            </a:xfrm>
+            <a:prstGeom prst="rect">
+              <a:avLst/>
+            </a:prstGeom>
+          </p:spPr>
+        </p:pic>
+      </p:grpSp>
+      <p:grpSp>
+        <p:nvGrpSpPr>
+          <p:cNvPr id="54" name="Group 53">
+            <a:extLst>
+              <a:ext uri="{FF2B5EF4-FFF2-40B4-BE49-F238E27FC236}">
+                <a16:creationId xmlns:a16="http://schemas.microsoft.com/office/drawing/2014/main" id="{FBACBE66-DE60-1039-A94F-217D63F30B8D}"/>
+              </a:ext>
+            </a:extLst>
+          </p:cNvPr>
+          <p:cNvGrpSpPr/>
+          <p:nvPr/>
+        </p:nvGrpSpPr>
+        <p:grpSpPr>
+          <a:xfrm>
+            <a:off x="454219" y="547509"/>
+            <a:ext cx="572350" cy="512974"/>
+            <a:chOff x="660416" y="2828396"/>
+            <a:chExt cx="708848" cy="673253"/>
+          </a:xfrm>
+        </p:grpSpPr>
+        <p:pic>
+          <p:nvPicPr>
+            <p:cNvPr id="45" name="Picture 44">
+              <a:extLst>
+                <a:ext uri="{FF2B5EF4-FFF2-40B4-BE49-F238E27FC236}">
+                  <a16:creationId xmlns:a16="http://schemas.microsoft.com/office/drawing/2014/main" id="{7E55C2DE-987A-F957-2390-F2E7803C1F75}"/>
+                </a:ext>
+              </a:extLst>
+            </p:cNvPr>
+            <p:cNvPicPr>
+              <a:picLocks noChangeAspect="1"/>
+            </p:cNvPicPr>
+            <p:nvPr/>
+          </p:nvPicPr>
+          <p:blipFill>
+            <a:blip r:embed="rId2">
+              <a:extLst>
+                <a:ext uri="{28A0092B-C50C-407E-A947-70E740481C1C}">
+                  <a14:useLocalDpi xmlns:a14="http://schemas.microsoft.com/office/drawing/2010/main" val="0"/>
+                </a:ext>
+              </a:extLst>
+            </a:blip>
+            <a:stretch>
+              <a:fillRect/>
+            </a:stretch>
+          </p:blipFill>
+          <p:spPr>
+            <a:xfrm>
+              <a:off x="886554" y="2828690"/>
+              <a:ext cx="482710" cy="647848"/>
+            </a:xfrm>
+            <a:prstGeom prst="rect">
+              <a:avLst/>
+            </a:prstGeom>
+          </p:spPr>
+        </p:pic>
+        <p:pic>
+          <p:nvPicPr>
+            <p:cNvPr id="53" name="Picture 52">
+              <a:extLst>
+                <a:ext uri="{FF2B5EF4-FFF2-40B4-BE49-F238E27FC236}">
+                  <a16:creationId xmlns:a16="http://schemas.microsoft.com/office/drawing/2014/main" id="{5C9EFF58-A6FD-F1A3-D04D-11F4DC113915}"/>
+                </a:ext>
+              </a:extLst>
+            </p:cNvPr>
+            <p:cNvPicPr>
+              <a:picLocks noChangeAspect="1"/>
+            </p:cNvPicPr>
+            <p:nvPr/>
+          </p:nvPicPr>
+          <p:blipFill>
+            <a:blip r:embed="rId4">
+              <a:extLst>
+                <a:ext uri="{28A0092B-C50C-407E-A947-70E740481C1C}">
+                  <a14:useLocalDpi xmlns:a14="http://schemas.microsoft.com/office/drawing/2010/main" val="0"/>
+                </a:ext>
+              </a:extLst>
+            </a:blip>
+            <a:stretch>
+              <a:fillRect/>
+            </a:stretch>
+          </p:blipFill>
+          <p:spPr>
+            <a:xfrm>
+              <a:off x="660416" y="2828396"/>
+              <a:ext cx="330275" cy="673253"/>
+            </a:xfrm>
+            <a:prstGeom prst="rect">
+              <a:avLst/>
+            </a:prstGeom>
+          </p:spPr>
+        </p:pic>
+      </p:grpSp>
+      <p:sp>
+        <p:nvSpPr>
+          <p:cNvPr id="2" name="TextBox 1">
+            <a:extLst>
+              <a:ext uri="{FF2B5EF4-FFF2-40B4-BE49-F238E27FC236}">
+                <a16:creationId xmlns:a16="http://schemas.microsoft.com/office/drawing/2014/main" id="{FBAD4059-6B74-2DCE-2454-6AC4917281F4}"/>
+              </a:ext>
+            </a:extLst>
+          </p:cNvPr>
+          <p:cNvSpPr txBox="1"/>
+          <p:nvPr/>
+        </p:nvSpPr>
+        <p:spPr>
+          <a:xfrm>
+            <a:off x="1442837" y="621107"/>
+            <a:ext cx="10421405" cy="461665"/>
+          </a:xfrm>
+          <a:prstGeom prst="rect">
+            <a:avLst/>
+          </a:prstGeom>
+          <a:noFill/>
+        </p:spPr>
+        <p:txBody>
+          <a:bodyPr wrap="square" rtlCol="0">
+            <a:spAutoFit/>
+          </a:bodyPr>
+          <a:lstStyle/>
+          <a:p>
+            <a:r>
+              <a:rPr lang="en-US" sz="2400"/>
+              <a:t>Ranger: Đánh xa, đứng trên tháp</a:t>
+            </a:r>
+          </a:p>
+        </p:txBody>
+      </p:sp>
+      <p:sp>
+        <p:nvSpPr>
+          <p:cNvPr id="5" name="TextBox 4">
+            <a:extLst>
+              <a:ext uri="{FF2B5EF4-FFF2-40B4-BE49-F238E27FC236}">
+                <a16:creationId xmlns:a16="http://schemas.microsoft.com/office/drawing/2014/main" id="{0C6AA17D-F095-92E3-5D98-F50A787B7C70}"/>
+              </a:ext>
+            </a:extLst>
+          </p:cNvPr>
+          <p:cNvSpPr txBox="1"/>
+          <p:nvPr/>
+        </p:nvSpPr>
+        <p:spPr>
+          <a:xfrm>
+            <a:off x="227110" y="1041350"/>
+            <a:ext cx="11737780" cy="3693319"/>
+          </a:xfrm>
+          <a:prstGeom prst="rect">
+            <a:avLst/>
+          </a:prstGeom>
+          <a:noFill/>
+        </p:spPr>
+        <p:txBody>
+          <a:bodyPr wrap="square" rtlCol="0">
+            <a:spAutoFit/>
+          </a:bodyPr>
+          <a:lstStyle/>
+          <a:p>
+            <a:r>
+              <a:rPr lang="en-US"/>
+              <a:t>Attributes:  Damage, AttackSpeed, Effect, Range, NumberOfAttacks, Bullet, BulletSpeed</a:t>
+            </a:r>
+          </a:p>
+          <a:p>
+            <a:r>
+              <a:rPr lang="en-US"/>
+              <a:t>Methods: </a:t>
+            </a:r>
+          </a:p>
+          <a:p>
+            <a:pPr marL="800100" lvl="1" indent="-342900">
+              <a:buFont typeface="Arial" panose="020B0604020202020204" pitchFamily="34" charset="0"/>
+              <a:buChar char="•"/>
+            </a:pPr>
+            <a:r>
+              <a:rPr lang="en-US"/>
+              <a:t>Attack</a:t>
+            </a:r>
+          </a:p>
+          <a:p>
+            <a:pPr marL="1257300" lvl="2" indent="-342900">
+              <a:buFont typeface="Courier New" panose="02070309020205020404" pitchFamily="49" charset="0"/>
+              <a:buChar char="o"/>
+            </a:pPr>
+            <a:r>
+              <a:rPr lang="en-US"/>
+              <a:t>SpawnBullet</a:t>
+            </a:r>
+          </a:p>
+          <a:p>
+            <a:pPr marL="1257300" lvl="2" indent="-342900">
+              <a:buFont typeface="Courier New" panose="02070309020205020404" pitchFamily="49" charset="0"/>
+              <a:buChar char="o"/>
+            </a:pPr>
+            <a:r>
+              <a:rPr lang="en-US"/>
+              <a:t>DetectNearestEnemy </a:t>
+            </a:r>
+          </a:p>
+          <a:p>
+            <a:pPr marL="800100" lvl="1" indent="-342900">
+              <a:buFont typeface="Arial" panose="020B0604020202020204" pitchFamily="34" charset="0"/>
+              <a:buChar char="•"/>
+            </a:pPr>
+            <a:r>
+              <a:rPr lang="en-US"/>
+              <a:t>CastSkill</a:t>
+            </a:r>
+          </a:p>
+          <a:p>
+            <a:r>
+              <a:rPr lang="en-US"/>
+              <a:t>Mechanic:</a:t>
+            </a:r>
+          </a:p>
+          <a:p>
+            <a:pPr marL="800100" lvl="1" indent="-342900">
+              <a:buFont typeface="Arial" panose="020B0604020202020204" pitchFamily="34" charset="0"/>
+              <a:buChar char="•"/>
+            </a:pPr>
+            <a:r>
+              <a:rPr lang="en-US"/>
+              <a:t>DetectNearestEnemy: nhận vào danh sách kẻ địch trong pvi Range, tính toán khoảng cách trả về kẻ địch gần nhất</a:t>
+            </a:r>
+          </a:p>
+          <a:p>
+            <a:pPr marL="800100" lvl="1" indent="-342900">
+              <a:buFont typeface="Arial" panose="020B0604020202020204" pitchFamily="34" charset="0"/>
+              <a:buChar char="•"/>
+            </a:pPr>
+            <a:r>
+              <a:rPr lang="en-US"/>
+              <a:t>Attack: nếu trong Range có kẻ địch thì gọi DetectNearestEnemy, lấy ra kẻ địch gần nhất, tính toán hướng đi của Bullet, gọi SpawnBullet, tần suất thực hiện Attack dựa trên AttackSpeed</a:t>
+            </a:r>
+          </a:p>
+          <a:p>
+            <a:pPr marL="800100" lvl="1" indent="-342900">
+              <a:buFont typeface="Arial" panose="020B0604020202020204" pitchFamily="34" charset="0"/>
+              <a:buChar char="•"/>
+            </a:pPr>
+            <a:r>
+              <a:rPr lang="en-US"/>
+              <a:t>SpawnBullet: tạo ra Bullet, truyền vào AttackDirection, Damage, BulletSpeed</a:t>
+            </a:r>
+          </a:p>
+          <a:p>
+            <a:pPr marL="800100" lvl="1" indent="-342900">
+              <a:buFont typeface="Arial" panose="020B0604020202020204" pitchFamily="34" charset="0"/>
+              <a:buChar char="•"/>
+            </a:pPr>
+            <a:r>
+              <a:rPr lang="en-US"/>
+              <a:t>CastSkill: </a:t>
+            </a:r>
+          </a:p>
+        </p:txBody>
+      </p:sp>
+    </p:spTree>
+    <p:extLst>
+      <p:ext uri="{BB962C8B-B14F-4D97-AF65-F5344CB8AC3E}">
+        <p14:creationId xmlns:p14="http://schemas.microsoft.com/office/powerpoint/2010/main" val="3061199635"/>
       </p:ext>
     </p:extLst>
   </p:cSld>

--- a/Castle Defend.pptx
+++ b/Castle Defend.pptx
@@ -12,6 +12,8 @@
     <p:sldId id="260" r:id="rId6"/>
     <p:sldId id="261" r:id="rId7"/>
     <p:sldId id="262" r:id="rId8"/>
+    <p:sldId id="263" r:id="rId9"/>
+    <p:sldId id="264" r:id="rId10"/>
   </p:sldIdLst>
   <p:sldSz cx="12192000" cy="6858000"/>
   <p:notesSz cx="6858000" cy="9144000"/>
@@ -265,7 +267,7 @@
           <a:p>
             <a:fld id="{385A5F8F-D55E-4F7B-9A37-F8350C851305}" type="datetimeFigureOut">
               <a:rPr lang="en-US" smtClean="0"/>
-              <a:t>9/28/2024</a:t>
+              <a:t>10/1/2024</a:t>
             </a:fld>
             <a:endParaRPr lang="en-US"/>
           </a:p>
@@ -463,7 +465,7 @@
           <a:p>
             <a:fld id="{385A5F8F-D55E-4F7B-9A37-F8350C851305}" type="datetimeFigureOut">
               <a:rPr lang="en-US" smtClean="0"/>
-              <a:t>9/28/2024</a:t>
+              <a:t>10/1/2024</a:t>
             </a:fld>
             <a:endParaRPr lang="en-US"/>
           </a:p>
@@ -671,7 +673,7 @@
           <a:p>
             <a:fld id="{385A5F8F-D55E-4F7B-9A37-F8350C851305}" type="datetimeFigureOut">
               <a:rPr lang="en-US" smtClean="0"/>
-              <a:t>9/28/2024</a:t>
+              <a:t>10/1/2024</a:t>
             </a:fld>
             <a:endParaRPr lang="en-US"/>
           </a:p>
@@ -869,7 +871,7 @@
           <a:p>
             <a:fld id="{385A5F8F-D55E-4F7B-9A37-F8350C851305}" type="datetimeFigureOut">
               <a:rPr lang="en-US" smtClean="0"/>
-              <a:t>9/28/2024</a:t>
+              <a:t>10/1/2024</a:t>
             </a:fld>
             <a:endParaRPr lang="en-US"/>
           </a:p>
@@ -1144,7 +1146,7 @@
           <a:p>
             <a:fld id="{385A5F8F-D55E-4F7B-9A37-F8350C851305}" type="datetimeFigureOut">
               <a:rPr lang="en-US" smtClean="0"/>
-              <a:t>9/28/2024</a:t>
+              <a:t>10/1/2024</a:t>
             </a:fld>
             <a:endParaRPr lang="en-US"/>
           </a:p>
@@ -1409,7 +1411,7 @@
           <a:p>
             <a:fld id="{385A5F8F-D55E-4F7B-9A37-F8350C851305}" type="datetimeFigureOut">
               <a:rPr lang="en-US" smtClean="0"/>
-              <a:t>9/28/2024</a:t>
+              <a:t>10/1/2024</a:t>
             </a:fld>
             <a:endParaRPr lang="en-US"/>
           </a:p>
@@ -1821,7 +1823,7 @@
           <a:p>
             <a:fld id="{385A5F8F-D55E-4F7B-9A37-F8350C851305}" type="datetimeFigureOut">
               <a:rPr lang="en-US" smtClean="0"/>
-              <a:t>9/28/2024</a:t>
+              <a:t>10/1/2024</a:t>
             </a:fld>
             <a:endParaRPr lang="en-US"/>
           </a:p>
@@ -1962,7 +1964,7 @@
           <a:p>
             <a:fld id="{385A5F8F-D55E-4F7B-9A37-F8350C851305}" type="datetimeFigureOut">
               <a:rPr lang="en-US" smtClean="0"/>
-              <a:t>9/28/2024</a:t>
+              <a:t>10/1/2024</a:t>
             </a:fld>
             <a:endParaRPr lang="en-US"/>
           </a:p>
@@ -2075,7 +2077,7 @@
           <a:p>
             <a:fld id="{385A5F8F-D55E-4F7B-9A37-F8350C851305}" type="datetimeFigureOut">
               <a:rPr lang="en-US" smtClean="0"/>
-              <a:t>9/28/2024</a:t>
+              <a:t>10/1/2024</a:t>
             </a:fld>
             <a:endParaRPr lang="en-US"/>
           </a:p>
@@ -2386,7 +2388,7 @@
           <a:p>
             <a:fld id="{385A5F8F-D55E-4F7B-9A37-F8350C851305}" type="datetimeFigureOut">
               <a:rPr lang="en-US" smtClean="0"/>
-              <a:t>9/28/2024</a:t>
+              <a:t>10/1/2024</a:t>
             </a:fld>
             <a:endParaRPr lang="en-US"/>
           </a:p>
@@ -2674,7 +2676,7 @@
           <a:p>
             <a:fld id="{385A5F8F-D55E-4F7B-9A37-F8350C851305}" type="datetimeFigureOut">
               <a:rPr lang="en-US" smtClean="0"/>
-              <a:t>9/28/2024</a:t>
+              <a:t>10/1/2024</a:t>
             </a:fld>
             <a:endParaRPr lang="en-US"/>
           </a:p>
@@ -2915,7 +2917,7 @@
           <a:p>
             <a:fld id="{385A5F8F-D55E-4F7B-9A37-F8350C851305}" type="datetimeFigureOut">
               <a:rPr lang="en-US" smtClean="0"/>
-              <a:t>9/28/2024</a:t>
+              <a:t>10/1/2024</a:t>
             </a:fld>
             <a:endParaRPr lang="en-US"/>
           </a:p>
@@ -7899,13 +7901,34 @@
           <a:lstStyle/>
           <a:p>
             <a:r>
-              <a:rPr lang="en-US"/>
-              <a:t>Attributes:  Damage, AttackSpeed, Effect, Range, NumberOfAttacks, Bullet, BulletSpeed</a:t>
-            </a:r>
-          </a:p>
-          <a:p>
-            <a:r>
-              <a:rPr lang="en-US"/>
+              <a:rPr lang="en-US" dirty="0"/>
+              <a:t>Attributes:  Damage, </a:t>
+            </a:r>
+            <a:r>
+              <a:rPr lang="en-US" dirty="0" err="1"/>
+              <a:t>AttackSpeed</a:t>
+            </a:r>
+            <a:r>
+              <a:rPr lang="en-US" dirty="0"/>
+              <a:t>, Effect, Range, </a:t>
+            </a:r>
+            <a:r>
+              <a:rPr lang="en-US" dirty="0" err="1"/>
+              <a:t>NumberOfAttacks</a:t>
+            </a:r>
+            <a:r>
+              <a:rPr lang="en-US" dirty="0"/>
+              <a:t>, Bullet, </a:t>
+            </a:r>
+            <a:r>
+              <a:rPr lang="en-US" dirty="0" err="1"/>
+              <a:t>BulletSpeed</a:t>
+            </a:r>
+            <a:endParaRPr lang="en-US" dirty="0"/>
+          </a:p>
+          <a:p>
+            <a:r>
+              <a:rPr lang="en-US" dirty="0"/>
               <a:t>Methods: </a:t>
             </a:r>
           </a:p>
@@ -7915,7 +7938,7 @@
               <a:buChar char="•"/>
             </a:pPr>
             <a:r>
-              <a:rPr lang="en-US"/>
+              <a:rPr lang="en-US" dirty="0"/>
               <a:t>Attack</a:t>
             </a:r>
           </a:p>
@@ -7925,9 +7948,10 @@
               <a:buChar char="o"/>
             </a:pPr>
             <a:r>
-              <a:rPr lang="en-US"/>
+              <a:rPr lang="en-US" dirty="0" err="1"/>
               <a:t>SpawnBullet</a:t>
             </a:r>
+            <a:endParaRPr lang="en-US" dirty="0"/>
           </a:p>
           <a:p>
             <a:pPr marL="1257300" lvl="2" indent="-342900">
@@ -7935,8 +7959,12 @@
               <a:buChar char="o"/>
             </a:pPr>
             <a:r>
-              <a:rPr lang="en-US"/>
-              <a:t>DetectNearestEnemy </a:t>
+              <a:rPr lang="en-US" dirty="0" err="1"/>
+              <a:t>DetectNearestEnemy</a:t>
+            </a:r>
+            <a:r>
+              <a:rPr lang="en-US" dirty="0"/>
+              <a:t> </a:t>
             </a:r>
           </a:p>
           <a:p>
@@ -7945,13 +7973,14 @@
               <a:buChar char="•"/>
             </a:pPr>
             <a:r>
-              <a:rPr lang="en-US"/>
+              <a:rPr lang="en-US" dirty="0" err="1"/>
               <a:t>CastSkill</a:t>
             </a:r>
-          </a:p>
-          <a:p>
-            <a:r>
-              <a:rPr lang="en-US"/>
+            <a:endParaRPr lang="en-US" dirty="0"/>
+          </a:p>
+          <a:p>
+            <a:r>
+              <a:rPr lang="en-US" dirty="0"/>
               <a:t>Mechanic:</a:t>
             </a:r>
           </a:p>
@@ -7961,9 +7990,154 @@
               <a:buChar char="•"/>
             </a:pPr>
             <a:r>
-              <a:rPr lang="en-US"/>
-              <a:t>DetectNearestEnemy: nhận vào danh sách kẻ địch trong pvi Range, tính toán khoảng cách trả về kẻ địch gần nhất</a:t>
-            </a:r>
+              <a:rPr lang="en-US" dirty="0" err="1"/>
+              <a:t>DetectNearestEnemy</a:t>
+            </a:r>
+            <a:r>
+              <a:rPr lang="en-US" dirty="0"/>
+              <a:t>: </a:t>
+            </a:r>
+            <a:r>
+              <a:rPr lang="en-US" dirty="0" err="1"/>
+              <a:t>nhận</a:t>
+            </a:r>
+            <a:r>
+              <a:rPr lang="en-US" dirty="0"/>
+              <a:t> </a:t>
+            </a:r>
+            <a:r>
+              <a:rPr lang="en-US" dirty="0" err="1"/>
+              <a:t>vào</a:t>
+            </a:r>
+            <a:r>
+              <a:rPr lang="en-US" dirty="0"/>
+              <a:t> </a:t>
+            </a:r>
+            <a:r>
+              <a:rPr lang="en-US" dirty="0" err="1"/>
+              <a:t>danh</a:t>
+            </a:r>
+            <a:r>
+              <a:rPr lang="en-US" dirty="0"/>
+              <a:t> </a:t>
+            </a:r>
+            <a:r>
+              <a:rPr lang="en-US" dirty="0" err="1"/>
+              <a:t>sách</a:t>
+            </a:r>
+            <a:r>
+              <a:rPr lang="en-US" dirty="0"/>
+              <a:t> </a:t>
+            </a:r>
+            <a:r>
+              <a:rPr lang="en-US" dirty="0" err="1"/>
+              <a:t>kẻ</a:t>
+            </a:r>
+            <a:r>
+              <a:rPr lang="en-US" dirty="0"/>
+              <a:t> </a:t>
+            </a:r>
+            <a:r>
+              <a:rPr lang="en-US" dirty="0" err="1"/>
+              <a:t>địch</a:t>
+            </a:r>
+            <a:r>
+              <a:rPr lang="en-US" dirty="0"/>
+              <a:t> </a:t>
+            </a:r>
+            <a:r>
+              <a:rPr lang="en-US" dirty="0" err="1"/>
+              <a:t>trong</a:t>
+            </a:r>
+            <a:r>
+              <a:rPr lang="en-US" dirty="0"/>
+              <a:t> </a:t>
+            </a:r>
+            <a:r>
+              <a:rPr lang="en-US" dirty="0" err="1"/>
+              <a:t>pvi</a:t>
+            </a:r>
+            <a:r>
+              <a:rPr lang="en-US" dirty="0"/>
+              <a:t> Range, </a:t>
+            </a:r>
+            <a:r>
+              <a:rPr lang="en-US" dirty="0" err="1"/>
+              <a:t>tính</a:t>
+            </a:r>
+            <a:r>
+              <a:rPr lang="en-US" dirty="0"/>
+              <a:t> </a:t>
+            </a:r>
+            <a:r>
+              <a:rPr lang="en-US" dirty="0" err="1"/>
+              <a:t>toán</a:t>
+            </a:r>
+            <a:r>
+              <a:rPr lang="en-US" dirty="0"/>
+              <a:t> </a:t>
+            </a:r>
+            <a:r>
+              <a:rPr lang="en-US" dirty="0" err="1"/>
+              <a:t>khoảng</a:t>
+            </a:r>
+            <a:r>
+              <a:rPr lang="en-US" dirty="0"/>
+              <a:t> </a:t>
+            </a:r>
+            <a:r>
+              <a:rPr lang="en-US" dirty="0" err="1"/>
+              <a:t>cách</a:t>
+            </a:r>
+            <a:r>
+              <a:rPr lang="en-US" dirty="0"/>
+              <a:t> </a:t>
+            </a:r>
+            <a:r>
+              <a:rPr lang="en-US" dirty="0" err="1"/>
+              <a:t>trả</a:t>
+            </a:r>
+            <a:r>
+              <a:rPr lang="en-US" dirty="0"/>
+              <a:t> </a:t>
+            </a:r>
+            <a:r>
+              <a:rPr lang="en-US" dirty="0" err="1"/>
+              <a:t>về</a:t>
+            </a:r>
+            <a:r>
+              <a:rPr lang="en-US" dirty="0"/>
+              <a:t> </a:t>
+            </a:r>
+            <a:r>
+              <a:rPr lang="en-US" dirty="0" err="1"/>
+              <a:t>kẻ</a:t>
+            </a:r>
+            <a:r>
+              <a:rPr lang="en-US" dirty="0"/>
+              <a:t> </a:t>
+            </a:r>
+            <a:r>
+              <a:rPr lang="en-US" dirty="0" err="1"/>
+              <a:t>địch</a:t>
+            </a:r>
+            <a:r>
+              <a:rPr lang="en-US" dirty="0"/>
+              <a:t> </a:t>
+            </a:r>
+            <a:r>
+              <a:rPr lang="en-US" dirty="0" err="1"/>
+              <a:t>gần</a:t>
+            </a:r>
+            <a:r>
+              <a:rPr lang="en-US" dirty="0"/>
+              <a:t> </a:t>
+            </a:r>
+            <a:r>
+              <a:rPr lang="en-US" dirty="0" err="1"/>
+              <a:t>nhất</a:t>
+            </a:r>
+            <a:endParaRPr lang="en-US" dirty="0"/>
           </a:p>
           <a:p>
             <a:pPr marL="800100" lvl="1" indent="-342900">
@@ -7971,9 +8145,230 @@
               <a:buChar char="•"/>
             </a:pPr>
             <a:r>
-              <a:rPr lang="en-US"/>
-              <a:t>Attack: nếu trong Range có kẻ địch thì gọi DetectNearestEnemy, lấy ra kẻ địch gần nhất, tính toán hướng đi của Bullet, gọi SpawnBullet, tần suất thực hiện Attack dựa trên AttackSpeed</a:t>
-            </a:r>
+              <a:rPr lang="en-US" dirty="0"/>
+              <a:t>Attack: </a:t>
+            </a:r>
+            <a:r>
+              <a:rPr lang="en-US" dirty="0" err="1"/>
+              <a:t>nếu</a:t>
+            </a:r>
+            <a:r>
+              <a:rPr lang="en-US" dirty="0"/>
+              <a:t> </a:t>
+            </a:r>
+            <a:r>
+              <a:rPr lang="en-US" dirty="0" err="1"/>
+              <a:t>trong</a:t>
+            </a:r>
+            <a:r>
+              <a:rPr lang="en-US" dirty="0"/>
+              <a:t> Range </a:t>
+            </a:r>
+            <a:r>
+              <a:rPr lang="en-US" dirty="0" err="1"/>
+              <a:t>có</a:t>
+            </a:r>
+            <a:r>
+              <a:rPr lang="en-US" dirty="0"/>
+              <a:t> </a:t>
+            </a:r>
+            <a:r>
+              <a:rPr lang="en-US" dirty="0" err="1"/>
+              <a:t>kẻ</a:t>
+            </a:r>
+            <a:r>
+              <a:rPr lang="en-US" dirty="0"/>
+              <a:t> </a:t>
+            </a:r>
+            <a:r>
+              <a:rPr lang="en-US" dirty="0" err="1"/>
+              <a:t>địch</a:t>
+            </a:r>
+            <a:r>
+              <a:rPr lang="en-US" dirty="0"/>
+              <a:t> </a:t>
+            </a:r>
+            <a:r>
+              <a:rPr lang="en-US" dirty="0" err="1"/>
+              <a:t>thì</a:t>
+            </a:r>
+            <a:r>
+              <a:rPr lang="en-US" dirty="0"/>
+              <a:t> </a:t>
+            </a:r>
+            <a:r>
+              <a:rPr lang="en-US" dirty="0" err="1"/>
+              <a:t>gọi</a:t>
+            </a:r>
+            <a:r>
+              <a:rPr lang="en-US" dirty="0"/>
+              <a:t> </a:t>
+            </a:r>
+            <a:r>
+              <a:rPr lang="en-US" dirty="0" err="1"/>
+              <a:t>DetectNearestEnemy</a:t>
+            </a:r>
+            <a:r>
+              <a:rPr lang="en-US" dirty="0"/>
+              <a:t>, </a:t>
+            </a:r>
+            <a:r>
+              <a:rPr lang="en-US" dirty="0" err="1"/>
+              <a:t>lấy</a:t>
+            </a:r>
+            <a:r>
+              <a:rPr lang="en-US" dirty="0"/>
+              <a:t> </a:t>
+            </a:r>
+            <a:r>
+              <a:rPr lang="en-US" dirty="0" err="1"/>
+              <a:t>ra</a:t>
+            </a:r>
+            <a:r>
+              <a:rPr lang="en-US" dirty="0"/>
+              <a:t> </a:t>
+            </a:r>
+            <a:r>
+              <a:rPr lang="en-US" dirty="0" err="1"/>
+              <a:t>kẻ</a:t>
+            </a:r>
+            <a:r>
+              <a:rPr lang="en-US" dirty="0"/>
+              <a:t> </a:t>
+            </a:r>
+            <a:r>
+              <a:rPr lang="en-US" dirty="0" err="1"/>
+              <a:t>địch</a:t>
+            </a:r>
+            <a:r>
+              <a:rPr lang="en-US" dirty="0"/>
+              <a:t> </a:t>
+            </a:r>
+            <a:r>
+              <a:rPr lang="en-US" dirty="0" err="1"/>
+              <a:t>gần</a:t>
+            </a:r>
+            <a:r>
+              <a:rPr lang="en-US" dirty="0"/>
+              <a:t> </a:t>
+            </a:r>
+            <a:r>
+              <a:rPr lang="en-US" dirty="0" err="1"/>
+              <a:t>nhất</a:t>
+            </a:r>
+            <a:r>
+              <a:rPr lang="en-US" dirty="0"/>
+              <a:t>, </a:t>
+            </a:r>
+            <a:r>
+              <a:rPr lang="en-US" dirty="0" err="1"/>
+              <a:t>tính</a:t>
+            </a:r>
+            <a:r>
+              <a:rPr lang="en-US" dirty="0"/>
+              <a:t> </a:t>
+            </a:r>
+            <a:r>
+              <a:rPr lang="en-US" dirty="0" err="1"/>
+              <a:t>toán</a:t>
+            </a:r>
+            <a:r>
+              <a:rPr lang="en-US" dirty="0"/>
+              <a:t> </a:t>
+            </a:r>
+            <a:r>
+              <a:rPr lang="en-US" dirty="0" err="1"/>
+              <a:t>hướng</a:t>
+            </a:r>
+            <a:r>
+              <a:rPr lang="en-US" dirty="0"/>
+              <a:t> </a:t>
+            </a:r>
+            <a:r>
+              <a:rPr lang="en-US" dirty="0" err="1"/>
+              <a:t>đi</a:t>
+            </a:r>
+            <a:r>
+              <a:rPr lang="en-US" dirty="0"/>
+              <a:t> </a:t>
+            </a:r>
+            <a:r>
+              <a:rPr lang="en-US" dirty="0" err="1"/>
+              <a:t>của</a:t>
+            </a:r>
+            <a:r>
+              <a:rPr lang="en-US" dirty="0"/>
+              <a:t> Bullet, </a:t>
+            </a:r>
+            <a:r>
+              <a:rPr lang="en-US" dirty="0" err="1"/>
+              <a:t>gọi</a:t>
+            </a:r>
+            <a:r>
+              <a:rPr lang="en-US" dirty="0"/>
+              <a:t> </a:t>
+            </a:r>
+            <a:r>
+              <a:rPr lang="en-US" dirty="0" err="1"/>
+              <a:t>SpawnBullet</a:t>
+            </a:r>
+            <a:r>
+              <a:rPr lang="en-US" dirty="0"/>
+              <a:t>, </a:t>
+            </a:r>
+            <a:r>
+              <a:rPr lang="en-US" dirty="0" err="1"/>
+              <a:t>tần</a:t>
+            </a:r>
+            <a:r>
+              <a:rPr lang="en-US" dirty="0"/>
+              <a:t> </a:t>
+            </a:r>
+            <a:r>
+              <a:rPr lang="en-US" dirty="0" err="1"/>
+              <a:t>suất</a:t>
+            </a:r>
+            <a:r>
+              <a:rPr lang="en-US" dirty="0"/>
+              <a:t> </a:t>
+            </a:r>
+            <a:r>
+              <a:rPr lang="en-US" dirty="0" err="1"/>
+              <a:t>thực</a:t>
+            </a:r>
+            <a:r>
+              <a:rPr lang="en-US" dirty="0"/>
+              <a:t> </a:t>
+            </a:r>
+            <a:r>
+              <a:rPr lang="en-US" dirty="0" err="1"/>
+              <a:t>hiện</a:t>
+            </a:r>
+            <a:r>
+              <a:rPr lang="en-US" dirty="0"/>
+              <a:t> Attack </a:t>
+            </a:r>
+            <a:r>
+              <a:rPr lang="en-US" dirty="0" err="1"/>
+              <a:t>dựa</a:t>
+            </a:r>
+            <a:r>
+              <a:rPr lang="en-US" dirty="0"/>
+              <a:t> </a:t>
+            </a:r>
+            <a:r>
+              <a:rPr lang="en-US" dirty="0" err="1"/>
+              <a:t>trên</a:t>
+            </a:r>
+            <a:r>
+              <a:rPr lang="en-US" dirty="0"/>
+              <a:t> </a:t>
+            </a:r>
+            <a:r>
+              <a:rPr lang="en-US" dirty="0" err="1"/>
+              <a:t>AttackSpeed</a:t>
+            </a:r>
+            <a:endParaRPr lang="en-US" dirty="0"/>
           </a:p>
           <a:p>
             <a:pPr marL="800100" lvl="1" indent="-342900">
@@ -7981,9 +8376,58 @@
               <a:buChar char="•"/>
             </a:pPr>
             <a:r>
-              <a:rPr lang="en-US"/>
-              <a:t>SpawnBullet: tạo ra Bullet, truyền vào AttackDirection, Damage, BulletSpeed</a:t>
-            </a:r>
+              <a:rPr lang="en-US" dirty="0" err="1"/>
+              <a:t>SpawnBullet</a:t>
+            </a:r>
+            <a:r>
+              <a:rPr lang="en-US" dirty="0"/>
+              <a:t>: </a:t>
+            </a:r>
+            <a:r>
+              <a:rPr lang="en-US" dirty="0" err="1"/>
+              <a:t>tạo</a:t>
+            </a:r>
+            <a:r>
+              <a:rPr lang="en-US" dirty="0"/>
+              <a:t> </a:t>
+            </a:r>
+            <a:r>
+              <a:rPr lang="en-US" dirty="0" err="1"/>
+              <a:t>ra</a:t>
+            </a:r>
+            <a:r>
+              <a:rPr lang="en-US" dirty="0"/>
+              <a:t> Bullet, </a:t>
+            </a:r>
+            <a:r>
+              <a:rPr lang="en-US" dirty="0" err="1"/>
+              <a:t>truyền</a:t>
+            </a:r>
+            <a:r>
+              <a:rPr lang="en-US" dirty="0"/>
+              <a:t> </a:t>
+            </a:r>
+            <a:r>
+              <a:rPr lang="en-US" dirty="0" err="1"/>
+              <a:t>vào</a:t>
+            </a:r>
+            <a:r>
+              <a:rPr lang="en-US" dirty="0"/>
+              <a:t> </a:t>
+            </a:r>
+            <a:r>
+              <a:rPr lang="en-US" dirty="0" err="1"/>
+              <a:t>AttackDirection</a:t>
+            </a:r>
+            <a:r>
+              <a:rPr lang="en-US" dirty="0"/>
+              <a:t>, Damage, </a:t>
+            </a:r>
+            <a:r>
+              <a:rPr lang="en-US" dirty="0" err="1"/>
+              <a:t>BulletSpeed</a:t>
+            </a:r>
+            <a:endParaRPr lang="en-US" dirty="0"/>
           </a:p>
           <a:p>
             <a:pPr marL="800100" lvl="1" indent="-342900">
@@ -7991,8 +8435,12 @@
               <a:buChar char="•"/>
             </a:pPr>
             <a:r>
-              <a:rPr lang="en-US"/>
-              <a:t>CastSkill: </a:t>
+              <a:rPr lang="en-US" dirty="0" err="1"/>
+              <a:t>CastSkill</a:t>
+            </a:r>
+            <a:r>
+              <a:rPr lang="en-US" dirty="0"/>
+              <a:t>: </a:t>
             </a:r>
           </a:p>
         </p:txBody>
@@ -8001,6 +8449,517 @@
     <p:extLst>
       <p:ext uri="{BB962C8B-B14F-4D97-AF65-F5344CB8AC3E}">
         <p14:creationId xmlns:p14="http://schemas.microsoft.com/office/powerpoint/2010/main" val="3061199635"/>
+      </p:ext>
+    </p:extLst>
+  </p:cSld>
+  <p:clrMapOvr>
+    <a:masterClrMapping/>
+  </p:clrMapOvr>
+</p:sld>
+</file>
+
+<file path=ppt/slides/slide8.xml><?xml version="1.0" encoding="utf-8"?>
+<p:sld xmlns:a="http://schemas.openxmlformats.org/drawingml/2006/main" xmlns:r="http://schemas.openxmlformats.org/officeDocument/2006/relationships" xmlns:p="http://schemas.openxmlformats.org/presentationml/2006/main">
+  <p:cSld>
+    <p:spTree>
+      <p:nvGrpSpPr>
+        <p:cNvPr id="1" name=""/>
+        <p:cNvGrpSpPr/>
+        <p:nvPr/>
+      </p:nvGrpSpPr>
+      <p:grpSpPr>
+        <a:xfrm>
+          <a:off x="0" y="0"/>
+          <a:ext cx="0" cy="0"/>
+          <a:chOff x="0" y="0"/>
+          <a:chExt cx="0" cy="0"/>
+        </a:xfrm>
+      </p:grpSpPr>
+      <p:sp>
+        <p:nvSpPr>
+          <p:cNvPr id="3" name="TextBox 2">
+            <a:extLst>
+              <a:ext uri="{FF2B5EF4-FFF2-40B4-BE49-F238E27FC236}">
+                <a16:creationId xmlns:a16="http://schemas.microsoft.com/office/drawing/2014/main" id="{AC9B76EC-4385-9952-52FC-4CC9C4F2822B}"/>
+              </a:ext>
+            </a:extLst>
+          </p:cNvPr>
+          <p:cNvSpPr txBox="1"/>
+          <p:nvPr/>
+        </p:nvSpPr>
+        <p:spPr>
+          <a:xfrm>
+            <a:off x="4177045" y="0"/>
+            <a:ext cx="3837910" cy="646331"/>
+          </a:xfrm>
+          <a:prstGeom prst="rect">
+            <a:avLst/>
+          </a:prstGeom>
+          <a:noFill/>
+        </p:spPr>
+        <p:txBody>
+          <a:bodyPr wrap="none" rtlCol="0">
+            <a:spAutoFit/>
+          </a:bodyPr>
+          <a:lstStyle/>
+          <a:p>
+            <a:r>
+              <a:rPr lang="en-US" sz="3600" b="1" dirty="0" err="1"/>
+              <a:t>Cơ</a:t>
+            </a:r>
+            <a:r>
+              <a:rPr lang="en-US" sz="3600" b="1" dirty="0"/>
+              <a:t> </a:t>
+            </a:r>
+            <a:r>
+              <a:rPr lang="en-US" sz="3600" b="1" dirty="0" err="1"/>
+              <a:t>chế</a:t>
+            </a:r>
+            <a:r>
+              <a:rPr lang="en-US" sz="3600" b="1" dirty="0"/>
+              <a:t> </a:t>
+            </a:r>
+            <a:r>
+              <a:rPr lang="en-US" sz="3600" b="1" dirty="0" err="1"/>
+              <a:t>hoạt</a:t>
+            </a:r>
+            <a:r>
+              <a:rPr lang="en-US" sz="3600" b="1" dirty="0"/>
+              <a:t> </a:t>
+            </a:r>
+            <a:r>
+              <a:rPr lang="en-US" sz="3600" b="1" dirty="0" err="1"/>
+              <a:t>động</a:t>
+            </a:r>
+            <a:endParaRPr lang="en-US" sz="3600" b="1" dirty="0"/>
+          </a:p>
+        </p:txBody>
+      </p:sp>
+      <p:sp>
+        <p:nvSpPr>
+          <p:cNvPr id="2" name="TextBox 1">
+            <a:extLst>
+              <a:ext uri="{FF2B5EF4-FFF2-40B4-BE49-F238E27FC236}">
+                <a16:creationId xmlns:a16="http://schemas.microsoft.com/office/drawing/2014/main" id="{FBAD4059-6B74-2DCE-2454-6AC4917281F4}"/>
+              </a:ext>
+            </a:extLst>
+          </p:cNvPr>
+          <p:cNvSpPr txBox="1"/>
+          <p:nvPr/>
+        </p:nvSpPr>
+        <p:spPr>
+          <a:xfrm>
+            <a:off x="1442837" y="621107"/>
+            <a:ext cx="10421405" cy="461665"/>
+          </a:xfrm>
+          <a:prstGeom prst="rect">
+            <a:avLst/>
+          </a:prstGeom>
+          <a:noFill/>
+        </p:spPr>
+        <p:txBody>
+          <a:bodyPr wrap="square" rtlCol="0">
+            <a:spAutoFit/>
+          </a:bodyPr>
+          <a:lstStyle/>
+          <a:p>
+            <a:r>
+              <a:rPr lang="en-US" sz="2400" dirty="0"/>
+              <a:t>Object: </a:t>
+            </a:r>
+            <a:r>
+              <a:rPr lang="en-US" sz="2400" dirty="0" err="1"/>
+              <a:t>vật</a:t>
+            </a:r>
+            <a:r>
+              <a:rPr lang="en-US" sz="2400" dirty="0"/>
+              <a:t> </a:t>
+            </a:r>
+            <a:r>
+              <a:rPr lang="en-US" sz="2400" dirty="0" err="1"/>
+              <a:t>thể</a:t>
+            </a:r>
+            <a:endParaRPr lang="en-US" sz="2400" dirty="0"/>
+          </a:p>
+        </p:txBody>
+      </p:sp>
+      <p:sp>
+        <p:nvSpPr>
+          <p:cNvPr id="4" name="TextBox 3">
+            <a:extLst>
+              <a:ext uri="{FF2B5EF4-FFF2-40B4-BE49-F238E27FC236}">
+                <a16:creationId xmlns:a16="http://schemas.microsoft.com/office/drawing/2014/main" id="{F98DE96E-3A00-F9BF-6E57-E01DA2C1A951}"/>
+              </a:ext>
+            </a:extLst>
+          </p:cNvPr>
+          <p:cNvSpPr txBox="1"/>
+          <p:nvPr/>
+        </p:nvSpPr>
+        <p:spPr>
+          <a:xfrm>
+            <a:off x="125665" y="1082772"/>
+            <a:ext cx="11924821" cy="461665"/>
+          </a:xfrm>
+          <a:prstGeom prst="rect">
+            <a:avLst/>
+          </a:prstGeom>
+          <a:noFill/>
+        </p:spPr>
+        <p:txBody>
+          <a:bodyPr wrap="square" rtlCol="0">
+            <a:spAutoFit/>
+          </a:bodyPr>
+          <a:lstStyle/>
+          <a:p>
+            <a:r>
+              <a:rPr lang="en-US" sz="2400" dirty="0"/>
+              <a:t>Object: </a:t>
+            </a:r>
+            <a:r>
+              <a:rPr lang="en-US" sz="2400" dirty="0" err="1"/>
+              <a:t>vật</a:t>
+            </a:r>
+            <a:r>
+              <a:rPr lang="en-US" sz="2400" dirty="0"/>
+              <a:t> </a:t>
+            </a:r>
+            <a:r>
+              <a:rPr lang="en-US" sz="2400" dirty="0" err="1"/>
+              <a:t>thể</a:t>
+            </a:r>
+            <a:endParaRPr lang="en-US" sz="2400" dirty="0"/>
+          </a:p>
+        </p:txBody>
+      </p:sp>
+    </p:spTree>
+    <p:extLst>
+      <p:ext uri="{BB962C8B-B14F-4D97-AF65-F5344CB8AC3E}">
+        <p14:creationId xmlns:p14="http://schemas.microsoft.com/office/powerpoint/2010/main" val="134889761"/>
+      </p:ext>
+    </p:extLst>
+  </p:cSld>
+  <p:clrMapOvr>
+    <a:masterClrMapping/>
+  </p:clrMapOvr>
+</p:sld>
+</file>
+
+<file path=ppt/slides/slide9.xml><?xml version="1.0" encoding="utf-8"?>
+<p:sld xmlns:a="http://schemas.openxmlformats.org/drawingml/2006/main" xmlns:r="http://schemas.openxmlformats.org/officeDocument/2006/relationships" xmlns:p="http://schemas.openxmlformats.org/presentationml/2006/main">
+  <p:cSld>
+    <p:spTree>
+      <p:nvGrpSpPr>
+        <p:cNvPr id="1" name=""/>
+        <p:cNvGrpSpPr/>
+        <p:nvPr/>
+      </p:nvGrpSpPr>
+      <p:grpSpPr>
+        <a:xfrm>
+          <a:off x="0" y="0"/>
+          <a:ext cx="0" cy="0"/>
+          <a:chOff x="0" y="0"/>
+          <a:chExt cx="0" cy="0"/>
+        </a:xfrm>
+      </p:grpSpPr>
+      <p:sp>
+        <p:nvSpPr>
+          <p:cNvPr id="3" name="TextBox 2">
+            <a:extLst>
+              <a:ext uri="{FF2B5EF4-FFF2-40B4-BE49-F238E27FC236}">
+                <a16:creationId xmlns:a16="http://schemas.microsoft.com/office/drawing/2014/main" id="{AC9B76EC-4385-9952-52FC-4CC9C4F2822B}"/>
+              </a:ext>
+            </a:extLst>
+          </p:cNvPr>
+          <p:cNvSpPr txBox="1"/>
+          <p:nvPr/>
+        </p:nvSpPr>
+        <p:spPr>
+          <a:xfrm>
+            <a:off x="4177045" y="0"/>
+            <a:ext cx="3837910" cy="646331"/>
+          </a:xfrm>
+          <a:prstGeom prst="rect">
+            <a:avLst/>
+          </a:prstGeom>
+          <a:noFill/>
+        </p:spPr>
+        <p:txBody>
+          <a:bodyPr wrap="none" rtlCol="0">
+            <a:spAutoFit/>
+          </a:bodyPr>
+          <a:lstStyle/>
+          <a:p>
+            <a:r>
+              <a:rPr lang="en-US" sz="3600" b="1" dirty="0" err="1"/>
+              <a:t>Cơ</a:t>
+            </a:r>
+            <a:r>
+              <a:rPr lang="en-US" sz="3600" b="1" dirty="0"/>
+              <a:t> </a:t>
+            </a:r>
+            <a:r>
+              <a:rPr lang="en-US" sz="3600" b="1" dirty="0" err="1"/>
+              <a:t>chế</a:t>
+            </a:r>
+            <a:r>
+              <a:rPr lang="en-US" sz="3600" b="1" dirty="0"/>
+              <a:t> </a:t>
+            </a:r>
+            <a:r>
+              <a:rPr lang="en-US" sz="3600" b="1" dirty="0" err="1"/>
+              <a:t>hoạt</a:t>
+            </a:r>
+            <a:r>
+              <a:rPr lang="en-US" sz="3600" b="1" dirty="0"/>
+              <a:t> </a:t>
+            </a:r>
+            <a:r>
+              <a:rPr lang="en-US" sz="3600" b="1" dirty="0" err="1"/>
+              <a:t>động</a:t>
+            </a:r>
+            <a:endParaRPr lang="en-US" sz="3600" b="1" dirty="0"/>
+          </a:p>
+        </p:txBody>
+      </p:sp>
+      <p:sp>
+        <p:nvSpPr>
+          <p:cNvPr id="2" name="TextBox 1">
+            <a:extLst>
+              <a:ext uri="{FF2B5EF4-FFF2-40B4-BE49-F238E27FC236}">
+                <a16:creationId xmlns:a16="http://schemas.microsoft.com/office/drawing/2014/main" id="{FBAD4059-6B74-2DCE-2454-6AC4917281F4}"/>
+              </a:ext>
+            </a:extLst>
+          </p:cNvPr>
+          <p:cNvSpPr txBox="1"/>
+          <p:nvPr/>
+        </p:nvSpPr>
+        <p:spPr>
+          <a:xfrm>
+            <a:off x="1442837" y="621107"/>
+            <a:ext cx="10421405" cy="461665"/>
+          </a:xfrm>
+          <a:prstGeom prst="rect">
+            <a:avLst/>
+          </a:prstGeom>
+          <a:noFill/>
+        </p:spPr>
+        <p:txBody>
+          <a:bodyPr wrap="square" rtlCol="0">
+            <a:spAutoFit/>
+          </a:bodyPr>
+          <a:lstStyle/>
+          <a:p>
+            <a:r>
+              <a:rPr lang="en-US" sz="2400" dirty="0"/>
+              <a:t>Fighter: </a:t>
+            </a:r>
+            <a:r>
+              <a:rPr lang="en-US" sz="2400" dirty="0" err="1"/>
+              <a:t>đánh</a:t>
+            </a:r>
+            <a:r>
+              <a:rPr lang="en-US" sz="2400" dirty="0"/>
+              <a:t> </a:t>
+            </a:r>
+            <a:r>
+              <a:rPr lang="en-US" sz="2400" dirty="0" err="1"/>
+              <a:t>gần</a:t>
+            </a:r>
+            <a:r>
+              <a:rPr lang="en-US" sz="2400" dirty="0"/>
+              <a:t>, </a:t>
+            </a:r>
+            <a:r>
+              <a:rPr lang="en-US" sz="2400" dirty="0" err="1"/>
+              <a:t>dưới</a:t>
+            </a:r>
+            <a:r>
+              <a:rPr lang="en-US" sz="2400" dirty="0"/>
+              <a:t> </a:t>
+            </a:r>
+            <a:r>
+              <a:rPr lang="en-US" sz="2400" dirty="0" err="1"/>
+              <a:t>đất</a:t>
+            </a:r>
+            <a:endParaRPr lang="en-US" sz="2400" dirty="0"/>
+          </a:p>
+        </p:txBody>
+      </p:sp>
+      <p:sp>
+        <p:nvSpPr>
+          <p:cNvPr id="4" name="TextBox 3">
+            <a:extLst>
+              <a:ext uri="{FF2B5EF4-FFF2-40B4-BE49-F238E27FC236}">
+                <a16:creationId xmlns:a16="http://schemas.microsoft.com/office/drawing/2014/main" id="{F98DE96E-3A00-F9BF-6E57-E01DA2C1A951}"/>
+              </a:ext>
+            </a:extLst>
+          </p:cNvPr>
+          <p:cNvSpPr txBox="1"/>
+          <p:nvPr/>
+        </p:nvSpPr>
+        <p:spPr>
+          <a:xfrm>
+            <a:off x="133589" y="1082772"/>
+            <a:ext cx="11924821" cy="2308324"/>
+          </a:xfrm>
+          <a:prstGeom prst="rect">
+            <a:avLst/>
+          </a:prstGeom>
+          <a:noFill/>
+        </p:spPr>
+        <p:txBody>
+          <a:bodyPr wrap="square" rtlCol="0">
+            <a:spAutoFit/>
+          </a:bodyPr>
+          <a:lstStyle/>
+          <a:p>
+            <a:r>
+              <a:rPr lang="en-US" sz="2400" dirty="0"/>
+              <a:t>Attributes: Damage, </a:t>
+            </a:r>
+            <a:r>
+              <a:rPr lang="en-US" sz="2400" dirty="0" err="1"/>
+              <a:t>AttackSpeed</a:t>
+            </a:r>
+            <a:endParaRPr lang="en-US" sz="2400" dirty="0"/>
+          </a:p>
+          <a:p>
+            <a:r>
+              <a:rPr lang="en-US" sz="2400" dirty="0"/>
+              <a:t>Methods:   </a:t>
+            </a:r>
+          </a:p>
+          <a:p>
+            <a:pPr marL="342900" indent="-342900">
+              <a:buFont typeface="Arial" panose="020B0604020202020204" pitchFamily="34" charset="0"/>
+              <a:buChar char="•"/>
+            </a:pPr>
+            <a:r>
+              <a:rPr lang="en-US" sz="2400" dirty="0"/>
+              <a:t>Attack</a:t>
+            </a:r>
+          </a:p>
+          <a:p>
+            <a:pPr marL="342900" indent="-342900">
+              <a:buFont typeface="Arial" panose="020B0604020202020204" pitchFamily="34" charset="0"/>
+              <a:buChar char="•"/>
+            </a:pPr>
+            <a:r>
+              <a:rPr lang="en-US" sz="2400" dirty="0" err="1"/>
+              <a:t>CastSkill</a:t>
+            </a:r>
+            <a:endParaRPr lang="en-US" sz="2400" dirty="0"/>
+          </a:p>
+          <a:p>
+            <a:r>
+              <a:rPr lang="en-US" sz="2400" dirty="0"/>
+              <a:t>Mechanic:</a:t>
+            </a:r>
+          </a:p>
+          <a:p>
+            <a:pPr marL="342900" indent="-342900">
+              <a:buFont typeface="Arial" panose="020B0604020202020204" pitchFamily="34" charset="0"/>
+              <a:buChar char="•"/>
+            </a:pPr>
+            <a:r>
+              <a:rPr lang="en-US" sz="2400" dirty="0"/>
+              <a:t>Attack: </a:t>
+            </a:r>
+            <a:r>
+              <a:rPr lang="en-US" sz="2400" dirty="0" err="1"/>
+              <a:t>nếu</a:t>
+            </a:r>
+            <a:r>
+              <a:rPr lang="en-US" sz="2400" dirty="0"/>
+              <a:t> </a:t>
+            </a:r>
+            <a:r>
+              <a:rPr lang="en-US" sz="2400" dirty="0" err="1"/>
+              <a:t>va</a:t>
+            </a:r>
+            <a:r>
+              <a:rPr lang="en-US" sz="2400" dirty="0"/>
+              <a:t> </a:t>
+            </a:r>
+            <a:r>
+              <a:rPr lang="en-US" sz="2400" dirty="0" err="1"/>
+              <a:t>chạm</a:t>
+            </a:r>
+            <a:r>
+              <a:rPr lang="en-US" sz="2400" dirty="0"/>
+              <a:t> </a:t>
+            </a:r>
+            <a:r>
+              <a:rPr lang="en-US" sz="2400" dirty="0" err="1"/>
+              <a:t>với</a:t>
+            </a:r>
+            <a:r>
+              <a:rPr lang="en-US" sz="2400" dirty="0"/>
+              <a:t> </a:t>
+            </a:r>
+            <a:r>
+              <a:rPr lang="en-US" sz="2400" dirty="0" err="1"/>
+              <a:t>kẻ</a:t>
+            </a:r>
+            <a:r>
+              <a:rPr lang="en-US" sz="2400" dirty="0"/>
+              <a:t> </a:t>
+            </a:r>
+            <a:r>
+              <a:rPr lang="en-US" sz="2400" dirty="0" err="1"/>
+              <a:t>địch</a:t>
+            </a:r>
+            <a:r>
+              <a:rPr lang="en-US" sz="2400" dirty="0"/>
+              <a:t> </a:t>
+            </a:r>
+            <a:r>
+              <a:rPr lang="en-US" sz="2400" dirty="0" err="1"/>
+              <a:t>thì</a:t>
+            </a:r>
+            <a:r>
+              <a:rPr lang="en-US" sz="2400" dirty="0"/>
+              <a:t> </a:t>
+            </a:r>
+            <a:r>
+              <a:rPr lang="en-US" sz="2400" dirty="0" err="1"/>
+              <a:t>thực</a:t>
+            </a:r>
+            <a:r>
+              <a:rPr lang="en-US" sz="2400" dirty="0"/>
+              <a:t> </a:t>
+            </a:r>
+            <a:r>
+              <a:rPr lang="en-US" sz="2400" dirty="0" err="1"/>
+              <a:t>hiện</a:t>
+            </a:r>
+            <a:r>
+              <a:rPr lang="en-US" sz="2400" dirty="0"/>
+              <a:t> </a:t>
+            </a:r>
+            <a:r>
+              <a:rPr lang="en-US" sz="2400" dirty="0" err="1"/>
+              <a:t>tấn</a:t>
+            </a:r>
+            <a:r>
+              <a:rPr lang="en-US" sz="2400" dirty="0"/>
+              <a:t> </a:t>
+            </a:r>
+            <a:r>
+              <a:rPr lang="en-US" sz="2400" dirty="0" err="1"/>
+              <a:t>công</a:t>
+            </a:r>
+            <a:r>
+              <a:rPr lang="en-US" sz="2400" dirty="0"/>
+              <a:t> </a:t>
+            </a:r>
+          </a:p>
+        </p:txBody>
+      </p:sp>
+    </p:spTree>
+    <p:extLst>
+      <p:ext uri="{BB962C8B-B14F-4D97-AF65-F5344CB8AC3E}">
+        <p14:creationId xmlns:p14="http://schemas.microsoft.com/office/powerpoint/2010/main" val="3133844920"/>
       </p:ext>
     </p:extLst>
   </p:cSld>

--- a/Castle Defend.pptx
+++ b/Castle Defend.pptx
@@ -14,6 +14,9 @@
     <p:sldId id="262" r:id="rId8"/>
     <p:sldId id="263" r:id="rId9"/>
     <p:sldId id="264" r:id="rId10"/>
+    <p:sldId id="266" r:id="rId11"/>
+    <p:sldId id="267" r:id="rId12"/>
+    <p:sldId id="265" r:id="rId13"/>
   </p:sldIdLst>
   <p:sldSz cx="12192000" cy="6858000"/>
   <p:notesSz cx="6858000" cy="9144000"/>
@@ -267,7 +270,7 @@
           <a:p>
             <a:fld id="{385A5F8F-D55E-4F7B-9A37-F8350C851305}" type="datetimeFigureOut">
               <a:rPr lang="en-US" smtClean="0"/>
-              <a:t>10/1/2024</a:t>
+              <a:t>10/9/2024</a:t>
             </a:fld>
             <a:endParaRPr lang="en-US"/>
           </a:p>
@@ -465,7 +468,7 @@
           <a:p>
             <a:fld id="{385A5F8F-D55E-4F7B-9A37-F8350C851305}" type="datetimeFigureOut">
               <a:rPr lang="en-US" smtClean="0"/>
-              <a:t>10/1/2024</a:t>
+              <a:t>10/9/2024</a:t>
             </a:fld>
             <a:endParaRPr lang="en-US"/>
           </a:p>
@@ -673,7 +676,7 @@
           <a:p>
             <a:fld id="{385A5F8F-D55E-4F7B-9A37-F8350C851305}" type="datetimeFigureOut">
               <a:rPr lang="en-US" smtClean="0"/>
-              <a:t>10/1/2024</a:t>
+              <a:t>10/9/2024</a:t>
             </a:fld>
             <a:endParaRPr lang="en-US"/>
           </a:p>
@@ -871,7 +874,7 @@
           <a:p>
             <a:fld id="{385A5F8F-D55E-4F7B-9A37-F8350C851305}" type="datetimeFigureOut">
               <a:rPr lang="en-US" smtClean="0"/>
-              <a:t>10/1/2024</a:t>
+              <a:t>10/9/2024</a:t>
             </a:fld>
             <a:endParaRPr lang="en-US"/>
           </a:p>
@@ -1146,7 +1149,7 @@
           <a:p>
             <a:fld id="{385A5F8F-D55E-4F7B-9A37-F8350C851305}" type="datetimeFigureOut">
               <a:rPr lang="en-US" smtClean="0"/>
-              <a:t>10/1/2024</a:t>
+              <a:t>10/9/2024</a:t>
             </a:fld>
             <a:endParaRPr lang="en-US"/>
           </a:p>
@@ -1411,7 +1414,7 @@
           <a:p>
             <a:fld id="{385A5F8F-D55E-4F7B-9A37-F8350C851305}" type="datetimeFigureOut">
               <a:rPr lang="en-US" smtClean="0"/>
-              <a:t>10/1/2024</a:t>
+              <a:t>10/9/2024</a:t>
             </a:fld>
             <a:endParaRPr lang="en-US"/>
           </a:p>
@@ -1823,7 +1826,7 @@
           <a:p>
             <a:fld id="{385A5F8F-D55E-4F7B-9A37-F8350C851305}" type="datetimeFigureOut">
               <a:rPr lang="en-US" smtClean="0"/>
-              <a:t>10/1/2024</a:t>
+              <a:t>10/9/2024</a:t>
             </a:fld>
             <a:endParaRPr lang="en-US"/>
           </a:p>
@@ -1964,7 +1967,7 @@
           <a:p>
             <a:fld id="{385A5F8F-D55E-4F7B-9A37-F8350C851305}" type="datetimeFigureOut">
               <a:rPr lang="en-US" smtClean="0"/>
-              <a:t>10/1/2024</a:t>
+              <a:t>10/9/2024</a:t>
             </a:fld>
             <a:endParaRPr lang="en-US"/>
           </a:p>
@@ -2077,7 +2080,7 @@
           <a:p>
             <a:fld id="{385A5F8F-D55E-4F7B-9A37-F8350C851305}" type="datetimeFigureOut">
               <a:rPr lang="en-US" smtClean="0"/>
-              <a:t>10/1/2024</a:t>
+              <a:t>10/9/2024</a:t>
             </a:fld>
             <a:endParaRPr lang="en-US"/>
           </a:p>
@@ -2388,7 +2391,7 @@
           <a:p>
             <a:fld id="{385A5F8F-D55E-4F7B-9A37-F8350C851305}" type="datetimeFigureOut">
               <a:rPr lang="en-US" smtClean="0"/>
-              <a:t>10/1/2024</a:t>
+              <a:t>10/9/2024</a:t>
             </a:fld>
             <a:endParaRPr lang="en-US"/>
           </a:p>
@@ -2676,7 +2679,7 @@
           <a:p>
             <a:fld id="{385A5F8F-D55E-4F7B-9A37-F8350C851305}" type="datetimeFigureOut">
               <a:rPr lang="en-US" smtClean="0"/>
-              <a:t>10/1/2024</a:t>
+              <a:t>10/9/2024</a:t>
             </a:fld>
             <a:endParaRPr lang="en-US"/>
           </a:p>
@@ -2917,7 +2920,7 @@
           <a:p>
             <a:fld id="{385A5F8F-D55E-4F7B-9A37-F8350C851305}" type="datetimeFigureOut">
               <a:rPr lang="en-US" smtClean="0"/>
-              <a:t>10/1/2024</a:t>
+              <a:t>10/9/2024</a:t>
             </a:fld>
             <a:endParaRPr lang="en-US"/>
           </a:p>
@@ -3796,6 +3799,2716 @@
     <p:extLst>
       <p:ext uri="{BB962C8B-B14F-4D97-AF65-F5344CB8AC3E}">
         <p14:creationId xmlns:p14="http://schemas.microsoft.com/office/powerpoint/2010/main" val="1972261395"/>
+      </p:ext>
+    </p:extLst>
+  </p:cSld>
+  <p:clrMapOvr>
+    <a:masterClrMapping/>
+  </p:clrMapOvr>
+</p:sld>
+</file>
+
+<file path=ppt/slides/slide10.xml><?xml version="1.0" encoding="utf-8"?>
+<p:sld xmlns:a="http://schemas.openxmlformats.org/drawingml/2006/main" xmlns:r="http://schemas.openxmlformats.org/officeDocument/2006/relationships" xmlns:p="http://schemas.openxmlformats.org/presentationml/2006/main">
+  <p:cSld>
+    <p:spTree>
+      <p:nvGrpSpPr>
+        <p:cNvPr id="1" name=""/>
+        <p:cNvGrpSpPr/>
+        <p:nvPr/>
+      </p:nvGrpSpPr>
+      <p:grpSpPr>
+        <a:xfrm>
+          <a:off x="0" y="0"/>
+          <a:ext cx="0" cy="0"/>
+          <a:chOff x="0" y="0"/>
+          <a:chExt cx="0" cy="0"/>
+        </a:xfrm>
+      </p:grpSpPr>
+      <p:sp>
+        <p:nvSpPr>
+          <p:cNvPr id="5" name="Rectangle 4">
+            <a:extLst>
+              <a:ext uri="{FF2B5EF4-FFF2-40B4-BE49-F238E27FC236}">
+                <a16:creationId xmlns:a16="http://schemas.microsoft.com/office/drawing/2014/main" id="{470A67A0-B837-3462-FA88-EBC38B71C0C1}"/>
+              </a:ext>
+            </a:extLst>
+          </p:cNvPr>
+          <p:cNvSpPr>
+            <a:spLocks noGrp="1" noRot="1" noMove="1" noResize="1" noEditPoints="1" noAdjustHandles="1" noChangeArrowheads="1" noChangeShapeType="1"/>
+          </p:cNvSpPr>
+          <p:nvPr/>
+        </p:nvSpPr>
+        <p:spPr>
+          <a:xfrm>
+            <a:off x="433754" y="855785"/>
+            <a:ext cx="11312769" cy="5591907"/>
+          </a:xfrm>
+          <a:prstGeom prst="rect">
+            <a:avLst/>
+          </a:prstGeom>
+          <a:solidFill>
+            <a:schemeClr val="accent1">
+              <a:lumMod val="20000"/>
+              <a:lumOff val="80000"/>
+            </a:schemeClr>
+          </a:solidFill>
+        </p:spPr>
+        <p:style>
+          <a:lnRef idx="2">
+            <a:schemeClr val="accent1">
+              <a:shade val="15000"/>
+            </a:schemeClr>
+          </a:lnRef>
+          <a:fillRef idx="1">
+            <a:schemeClr val="accent1"/>
+          </a:fillRef>
+          <a:effectRef idx="0">
+            <a:schemeClr val="accent1"/>
+          </a:effectRef>
+          <a:fontRef idx="minor">
+            <a:schemeClr val="lt1"/>
+          </a:fontRef>
+        </p:style>
+        <p:txBody>
+          <a:bodyPr rtlCol="0" anchor="ctr"/>
+          <a:lstStyle/>
+          <a:p>
+            <a:pPr algn="ctr"/>
+            <a:endParaRPr lang="en-US"/>
+          </a:p>
+        </p:txBody>
+      </p:sp>
+      <p:sp>
+        <p:nvSpPr>
+          <p:cNvPr id="3" name="TextBox 2">
+            <a:extLst>
+              <a:ext uri="{FF2B5EF4-FFF2-40B4-BE49-F238E27FC236}">
+                <a16:creationId xmlns:a16="http://schemas.microsoft.com/office/drawing/2014/main" id="{AC9B76EC-4385-9952-52FC-4CC9C4F2822B}"/>
+              </a:ext>
+            </a:extLst>
+          </p:cNvPr>
+          <p:cNvSpPr txBox="1"/>
+          <p:nvPr/>
+        </p:nvSpPr>
+        <p:spPr>
+          <a:xfrm>
+            <a:off x="4257745" y="0"/>
+            <a:ext cx="3664786" cy="646331"/>
+          </a:xfrm>
+          <a:prstGeom prst="rect">
+            <a:avLst/>
+          </a:prstGeom>
+          <a:noFill/>
+        </p:spPr>
+        <p:txBody>
+          <a:bodyPr wrap="none" rtlCol="0">
+            <a:spAutoFit/>
+          </a:bodyPr>
+          <a:lstStyle/>
+          <a:p>
+            <a:r>
+              <a:rPr lang="en-US" sz="3600" b="1"/>
+              <a:t>GUI – Main Menu</a:t>
+            </a:r>
+            <a:endParaRPr lang="en-US" sz="3600" b="1" dirty="0"/>
+          </a:p>
+        </p:txBody>
+      </p:sp>
+      <p:sp>
+        <p:nvSpPr>
+          <p:cNvPr id="6" name="Octagon 5">
+            <a:extLst>
+              <a:ext uri="{FF2B5EF4-FFF2-40B4-BE49-F238E27FC236}">
+                <a16:creationId xmlns:a16="http://schemas.microsoft.com/office/drawing/2014/main" id="{21EA747B-6B4B-C7CA-CA2D-B5D8E975392A}"/>
+              </a:ext>
+            </a:extLst>
+          </p:cNvPr>
+          <p:cNvSpPr/>
+          <p:nvPr/>
+        </p:nvSpPr>
+        <p:spPr>
+          <a:xfrm>
+            <a:off x="11120307" y="959728"/>
+            <a:ext cx="473817" cy="527538"/>
+          </a:xfrm>
+          <a:prstGeom prst="octagon">
+            <a:avLst/>
+          </a:prstGeom>
+          <a:solidFill>
+            <a:schemeClr val="bg2">
+              <a:lumMod val="75000"/>
+            </a:schemeClr>
+          </a:solidFill>
+          <a:ln w="57150"/>
+        </p:spPr>
+        <p:style>
+          <a:lnRef idx="2">
+            <a:schemeClr val="accent1">
+              <a:shade val="15000"/>
+            </a:schemeClr>
+          </a:lnRef>
+          <a:fillRef idx="1">
+            <a:schemeClr val="accent1"/>
+          </a:fillRef>
+          <a:effectRef idx="0">
+            <a:schemeClr val="accent1"/>
+          </a:effectRef>
+          <a:fontRef idx="minor">
+            <a:schemeClr val="lt1"/>
+          </a:fontRef>
+        </p:style>
+        <p:txBody>
+          <a:bodyPr rtlCol="0" anchor="ctr"/>
+          <a:lstStyle/>
+          <a:p>
+            <a:pPr algn="ctr"/>
+            <a:endParaRPr lang="en-US"/>
+          </a:p>
+        </p:txBody>
+      </p:sp>
+      <p:sp>
+        <p:nvSpPr>
+          <p:cNvPr id="11" name="Rectangle: Rounded Corners 10">
+            <a:extLst>
+              <a:ext uri="{FF2B5EF4-FFF2-40B4-BE49-F238E27FC236}">
+                <a16:creationId xmlns:a16="http://schemas.microsoft.com/office/drawing/2014/main" id="{B19CD7D5-5F73-90CD-D463-139D3B123A96}"/>
+              </a:ext>
+            </a:extLst>
+          </p:cNvPr>
+          <p:cNvSpPr/>
+          <p:nvPr/>
+        </p:nvSpPr>
+        <p:spPr>
+          <a:xfrm>
+            <a:off x="562708" y="5029201"/>
+            <a:ext cx="1383323" cy="1301261"/>
+          </a:xfrm>
+          <a:prstGeom prst="roundRect">
+            <a:avLst/>
+          </a:prstGeom>
+          <a:solidFill>
+            <a:schemeClr val="accent2">
+              <a:lumMod val="75000"/>
+            </a:schemeClr>
+          </a:solidFill>
+        </p:spPr>
+        <p:style>
+          <a:lnRef idx="2">
+            <a:schemeClr val="accent1">
+              <a:shade val="15000"/>
+            </a:schemeClr>
+          </a:lnRef>
+          <a:fillRef idx="1">
+            <a:schemeClr val="accent1"/>
+          </a:fillRef>
+          <a:effectRef idx="0">
+            <a:schemeClr val="accent1"/>
+          </a:effectRef>
+          <a:fontRef idx="minor">
+            <a:schemeClr val="lt1"/>
+          </a:fontRef>
+        </p:style>
+        <p:txBody>
+          <a:bodyPr rtlCol="0" anchor="ctr"/>
+          <a:lstStyle/>
+          <a:p>
+            <a:pPr algn="ctr"/>
+            <a:endParaRPr lang="en-US"/>
+          </a:p>
+        </p:txBody>
+      </p:sp>
+      <p:sp>
+        <p:nvSpPr>
+          <p:cNvPr id="12" name="Oval 11">
+            <a:extLst>
+              <a:ext uri="{FF2B5EF4-FFF2-40B4-BE49-F238E27FC236}">
+                <a16:creationId xmlns:a16="http://schemas.microsoft.com/office/drawing/2014/main" id="{87C66B34-7B32-4EAE-0DC0-D945578EBA27}"/>
+              </a:ext>
+            </a:extLst>
+          </p:cNvPr>
+          <p:cNvSpPr/>
+          <p:nvPr/>
+        </p:nvSpPr>
+        <p:spPr>
+          <a:xfrm>
+            <a:off x="10087708" y="4923692"/>
+            <a:ext cx="1406769" cy="1359877"/>
+          </a:xfrm>
+          <a:prstGeom prst="ellipse">
+            <a:avLst/>
+          </a:prstGeom>
+          <a:solidFill>
+            <a:schemeClr val="accent3">
+              <a:lumMod val="40000"/>
+              <a:lumOff val="60000"/>
+            </a:schemeClr>
+          </a:solidFill>
+        </p:spPr>
+        <p:style>
+          <a:lnRef idx="2">
+            <a:schemeClr val="accent1">
+              <a:shade val="15000"/>
+            </a:schemeClr>
+          </a:lnRef>
+          <a:fillRef idx="1">
+            <a:schemeClr val="accent1"/>
+          </a:fillRef>
+          <a:effectRef idx="0">
+            <a:schemeClr val="accent1"/>
+          </a:effectRef>
+          <a:fontRef idx="minor">
+            <a:schemeClr val="lt1"/>
+          </a:fontRef>
+        </p:style>
+        <p:txBody>
+          <a:bodyPr rtlCol="0" anchor="ctr"/>
+          <a:lstStyle/>
+          <a:p>
+            <a:pPr algn="ctr"/>
+            <a:endParaRPr lang="en-US"/>
+          </a:p>
+        </p:txBody>
+      </p:sp>
+      <p:sp>
+        <p:nvSpPr>
+          <p:cNvPr id="24" name="Oval 23">
+            <a:extLst>
+              <a:ext uri="{FF2B5EF4-FFF2-40B4-BE49-F238E27FC236}">
+                <a16:creationId xmlns:a16="http://schemas.microsoft.com/office/drawing/2014/main" id="{DBCC438F-EBB2-812C-1FD1-9BB7195A3AF4}"/>
+              </a:ext>
+            </a:extLst>
+          </p:cNvPr>
+          <p:cNvSpPr/>
+          <p:nvPr/>
+        </p:nvSpPr>
+        <p:spPr>
+          <a:xfrm>
+            <a:off x="8921263" y="5322277"/>
+            <a:ext cx="996461" cy="1008185"/>
+          </a:xfrm>
+          <a:prstGeom prst="ellipse">
+            <a:avLst/>
+          </a:prstGeom>
+          <a:solidFill>
+            <a:schemeClr val="accent4">
+              <a:lumMod val="60000"/>
+              <a:lumOff val="40000"/>
+            </a:schemeClr>
+          </a:solidFill>
+        </p:spPr>
+        <p:style>
+          <a:lnRef idx="2">
+            <a:schemeClr val="accent1">
+              <a:shade val="15000"/>
+            </a:schemeClr>
+          </a:lnRef>
+          <a:fillRef idx="1">
+            <a:schemeClr val="accent1"/>
+          </a:fillRef>
+          <a:effectRef idx="0">
+            <a:schemeClr val="accent1"/>
+          </a:effectRef>
+          <a:fontRef idx="minor">
+            <a:schemeClr val="lt1"/>
+          </a:fontRef>
+        </p:style>
+        <p:txBody>
+          <a:bodyPr rtlCol="0" anchor="ctr"/>
+          <a:lstStyle/>
+          <a:p>
+            <a:pPr algn="ctr"/>
+            <a:endParaRPr lang="en-US"/>
+          </a:p>
+        </p:txBody>
+      </p:sp>
+      <p:sp>
+        <p:nvSpPr>
+          <p:cNvPr id="25" name="TextBox 24">
+            <a:extLst>
+              <a:ext uri="{FF2B5EF4-FFF2-40B4-BE49-F238E27FC236}">
+                <a16:creationId xmlns:a16="http://schemas.microsoft.com/office/drawing/2014/main" id="{D58E9E9C-7D50-330C-9073-D9E069FA03CE}"/>
+              </a:ext>
+            </a:extLst>
+          </p:cNvPr>
+          <p:cNvSpPr txBox="1"/>
+          <p:nvPr/>
+        </p:nvSpPr>
+        <p:spPr>
+          <a:xfrm>
+            <a:off x="808892" y="5486400"/>
+            <a:ext cx="855786" cy="369332"/>
+          </a:xfrm>
+          <a:prstGeom prst="rect">
+            <a:avLst/>
+          </a:prstGeom>
+          <a:noFill/>
+        </p:spPr>
+        <p:txBody>
+          <a:bodyPr wrap="square" rtlCol="0">
+            <a:spAutoFit/>
+          </a:bodyPr>
+          <a:lstStyle/>
+          <a:p>
+            <a:r>
+              <a:rPr lang="en-US"/>
+              <a:t>SHOP</a:t>
+            </a:r>
+          </a:p>
+        </p:txBody>
+      </p:sp>
+      <p:sp>
+        <p:nvSpPr>
+          <p:cNvPr id="26" name="TextBox 25">
+            <a:extLst>
+              <a:ext uri="{FF2B5EF4-FFF2-40B4-BE49-F238E27FC236}">
+                <a16:creationId xmlns:a16="http://schemas.microsoft.com/office/drawing/2014/main" id="{7D9FA49F-DBAF-E391-CAC6-1BDE28A4E7BE}"/>
+              </a:ext>
+            </a:extLst>
+          </p:cNvPr>
+          <p:cNvSpPr txBox="1"/>
+          <p:nvPr/>
+        </p:nvSpPr>
+        <p:spPr>
+          <a:xfrm>
+            <a:off x="10462846" y="5495165"/>
+            <a:ext cx="855786" cy="369332"/>
+          </a:xfrm>
+          <a:prstGeom prst="rect">
+            <a:avLst/>
+          </a:prstGeom>
+          <a:noFill/>
+        </p:spPr>
+        <p:txBody>
+          <a:bodyPr wrap="square" rtlCol="0">
+            <a:spAutoFit/>
+          </a:bodyPr>
+          <a:lstStyle/>
+          <a:p>
+            <a:r>
+              <a:rPr lang="en-US"/>
+              <a:t>PLAY</a:t>
+            </a:r>
+          </a:p>
+        </p:txBody>
+      </p:sp>
+      <p:sp>
+        <p:nvSpPr>
+          <p:cNvPr id="27" name="TextBox 26">
+            <a:extLst>
+              <a:ext uri="{FF2B5EF4-FFF2-40B4-BE49-F238E27FC236}">
+                <a16:creationId xmlns:a16="http://schemas.microsoft.com/office/drawing/2014/main" id="{BE3643C2-B6A2-1756-A707-4F1825F0581C}"/>
+              </a:ext>
+            </a:extLst>
+          </p:cNvPr>
+          <p:cNvSpPr txBox="1"/>
+          <p:nvPr/>
+        </p:nvSpPr>
+        <p:spPr>
+          <a:xfrm>
+            <a:off x="8971085" y="5641703"/>
+            <a:ext cx="1031631" cy="369332"/>
+          </a:xfrm>
+          <a:prstGeom prst="rect">
+            <a:avLst/>
+          </a:prstGeom>
+          <a:noFill/>
+        </p:spPr>
+        <p:txBody>
+          <a:bodyPr wrap="square" rtlCol="0">
+            <a:spAutoFit/>
+          </a:bodyPr>
+          <a:lstStyle/>
+          <a:p>
+            <a:r>
+              <a:rPr lang="en-US"/>
+              <a:t>REPLAY</a:t>
+            </a:r>
+          </a:p>
+        </p:txBody>
+      </p:sp>
+      <p:sp>
+        <p:nvSpPr>
+          <p:cNvPr id="29" name="Rectangle: Rounded Corners 28">
+            <a:extLst>
+              <a:ext uri="{FF2B5EF4-FFF2-40B4-BE49-F238E27FC236}">
+                <a16:creationId xmlns:a16="http://schemas.microsoft.com/office/drawing/2014/main" id="{B28374A8-1C40-43FA-9910-2B6A8243FCBE}"/>
+              </a:ext>
+            </a:extLst>
+          </p:cNvPr>
+          <p:cNvSpPr/>
+          <p:nvPr/>
+        </p:nvSpPr>
+        <p:spPr>
+          <a:xfrm>
+            <a:off x="3637296" y="5851380"/>
+            <a:ext cx="1914277" cy="504471"/>
+          </a:xfrm>
+          <a:prstGeom prst="roundRect">
+            <a:avLst/>
+          </a:prstGeom>
+          <a:solidFill>
+            <a:srgbClr val="FFC000"/>
+          </a:solidFill>
+        </p:spPr>
+        <p:style>
+          <a:lnRef idx="2">
+            <a:schemeClr val="accent1">
+              <a:shade val="15000"/>
+            </a:schemeClr>
+          </a:lnRef>
+          <a:fillRef idx="1">
+            <a:schemeClr val="accent1"/>
+          </a:fillRef>
+          <a:effectRef idx="0">
+            <a:schemeClr val="accent1"/>
+          </a:effectRef>
+          <a:fontRef idx="minor">
+            <a:schemeClr val="lt1"/>
+          </a:fontRef>
+        </p:style>
+        <p:txBody>
+          <a:bodyPr rtlCol="0" anchor="ctr"/>
+          <a:lstStyle/>
+          <a:p>
+            <a:pPr algn="ctr"/>
+            <a:endParaRPr lang="en-US"/>
+          </a:p>
+        </p:txBody>
+      </p:sp>
+      <p:sp>
+        <p:nvSpPr>
+          <p:cNvPr id="30" name="Rectangle: Rounded Corners 29">
+            <a:extLst>
+              <a:ext uri="{FF2B5EF4-FFF2-40B4-BE49-F238E27FC236}">
+                <a16:creationId xmlns:a16="http://schemas.microsoft.com/office/drawing/2014/main" id="{1DE8A90F-FFE8-9D99-5C13-CA42170C82FA}"/>
+              </a:ext>
+            </a:extLst>
+          </p:cNvPr>
+          <p:cNvSpPr/>
+          <p:nvPr/>
+        </p:nvSpPr>
+        <p:spPr>
+          <a:xfrm>
+            <a:off x="6573717" y="5851380"/>
+            <a:ext cx="1914277" cy="504471"/>
+          </a:xfrm>
+          <a:prstGeom prst="roundRect">
+            <a:avLst/>
+          </a:prstGeom>
+          <a:solidFill>
+            <a:schemeClr val="bg1">
+              <a:lumMod val="65000"/>
+            </a:schemeClr>
+          </a:solidFill>
+        </p:spPr>
+        <p:style>
+          <a:lnRef idx="2">
+            <a:schemeClr val="accent1">
+              <a:shade val="15000"/>
+            </a:schemeClr>
+          </a:lnRef>
+          <a:fillRef idx="1">
+            <a:schemeClr val="accent1"/>
+          </a:fillRef>
+          <a:effectRef idx="0">
+            <a:schemeClr val="accent1"/>
+          </a:effectRef>
+          <a:fontRef idx="minor">
+            <a:schemeClr val="lt1"/>
+          </a:fontRef>
+        </p:style>
+        <p:txBody>
+          <a:bodyPr rtlCol="0" anchor="ctr"/>
+          <a:lstStyle/>
+          <a:p>
+            <a:pPr algn="ctr"/>
+            <a:endParaRPr lang="en-US"/>
+          </a:p>
+        </p:txBody>
+      </p:sp>
+      <p:sp>
+        <p:nvSpPr>
+          <p:cNvPr id="31" name="Octagon 30">
+            <a:extLst>
+              <a:ext uri="{FF2B5EF4-FFF2-40B4-BE49-F238E27FC236}">
+                <a16:creationId xmlns:a16="http://schemas.microsoft.com/office/drawing/2014/main" id="{24D69298-4B20-7BBA-FE59-70F02CF061FB}"/>
+              </a:ext>
+            </a:extLst>
+          </p:cNvPr>
+          <p:cNvSpPr/>
+          <p:nvPr/>
+        </p:nvSpPr>
+        <p:spPr>
+          <a:xfrm>
+            <a:off x="2977929" y="5824578"/>
+            <a:ext cx="580019" cy="565665"/>
+          </a:xfrm>
+          <a:prstGeom prst="octagon">
+            <a:avLst/>
+          </a:prstGeom>
+          <a:solidFill>
+            <a:srgbClr val="FFC000"/>
+          </a:solidFill>
+        </p:spPr>
+        <p:style>
+          <a:lnRef idx="2">
+            <a:schemeClr val="accent1">
+              <a:shade val="15000"/>
+            </a:schemeClr>
+          </a:lnRef>
+          <a:fillRef idx="1">
+            <a:schemeClr val="accent1"/>
+          </a:fillRef>
+          <a:effectRef idx="0">
+            <a:schemeClr val="accent1"/>
+          </a:effectRef>
+          <a:fontRef idx="minor">
+            <a:schemeClr val="lt1"/>
+          </a:fontRef>
+        </p:style>
+        <p:txBody>
+          <a:bodyPr rtlCol="0" anchor="ctr"/>
+          <a:lstStyle/>
+          <a:p>
+            <a:pPr algn="ctr"/>
+            <a:endParaRPr lang="en-US"/>
+          </a:p>
+        </p:txBody>
+      </p:sp>
+      <p:sp>
+        <p:nvSpPr>
+          <p:cNvPr id="32" name="Rectangle: Rounded Corners 31">
+            <a:extLst>
+              <a:ext uri="{FF2B5EF4-FFF2-40B4-BE49-F238E27FC236}">
+                <a16:creationId xmlns:a16="http://schemas.microsoft.com/office/drawing/2014/main" id="{7DAD422C-B00F-E95F-A0D8-32658B0B5FAA}"/>
+              </a:ext>
+            </a:extLst>
+          </p:cNvPr>
+          <p:cNvSpPr/>
+          <p:nvPr/>
+        </p:nvSpPr>
+        <p:spPr>
+          <a:xfrm>
+            <a:off x="5845906" y="5811712"/>
+            <a:ext cx="642819" cy="603574"/>
+          </a:xfrm>
+          <a:prstGeom prst="roundRect">
+            <a:avLst/>
+          </a:prstGeom>
+          <a:solidFill>
+            <a:schemeClr val="bg1">
+              <a:lumMod val="50000"/>
+            </a:schemeClr>
+          </a:solidFill>
+        </p:spPr>
+        <p:style>
+          <a:lnRef idx="2">
+            <a:schemeClr val="accent1">
+              <a:shade val="15000"/>
+            </a:schemeClr>
+          </a:lnRef>
+          <a:fillRef idx="1">
+            <a:schemeClr val="accent1"/>
+          </a:fillRef>
+          <a:effectRef idx="0">
+            <a:schemeClr val="accent1"/>
+          </a:effectRef>
+          <a:fontRef idx="minor">
+            <a:schemeClr val="lt1"/>
+          </a:fontRef>
+        </p:style>
+        <p:txBody>
+          <a:bodyPr rtlCol="0" anchor="ctr"/>
+          <a:lstStyle/>
+          <a:p>
+            <a:pPr algn="ctr"/>
+            <a:endParaRPr lang="en-US"/>
+          </a:p>
+        </p:txBody>
+      </p:sp>
+    </p:spTree>
+    <p:extLst>
+      <p:ext uri="{BB962C8B-B14F-4D97-AF65-F5344CB8AC3E}">
+        <p14:creationId xmlns:p14="http://schemas.microsoft.com/office/powerpoint/2010/main" val="3615890444"/>
+      </p:ext>
+    </p:extLst>
+  </p:cSld>
+  <p:clrMapOvr>
+    <a:masterClrMapping/>
+  </p:clrMapOvr>
+</p:sld>
+</file>
+
+<file path=ppt/slides/slide11.xml><?xml version="1.0" encoding="utf-8"?>
+<p:sld xmlns:a="http://schemas.openxmlformats.org/drawingml/2006/main" xmlns:r="http://schemas.openxmlformats.org/officeDocument/2006/relationships" xmlns:p="http://schemas.openxmlformats.org/presentationml/2006/main">
+  <p:cSld>
+    <p:spTree>
+      <p:nvGrpSpPr>
+        <p:cNvPr id="1" name=""/>
+        <p:cNvGrpSpPr/>
+        <p:nvPr/>
+      </p:nvGrpSpPr>
+      <p:grpSpPr>
+        <a:xfrm>
+          <a:off x="0" y="0"/>
+          <a:ext cx="0" cy="0"/>
+          <a:chOff x="0" y="0"/>
+          <a:chExt cx="0" cy="0"/>
+        </a:xfrm>
+      </p:grpSpPr>
+      <p:sp>
+        <p:nvSpPr>
+          <p:cNvPr id="5" name="Rectangle 4">
+            <a:extLst>
+              <a:ext uri="{FF2B5EF4-FFF2-40B4-BE49-F238E27FC236}">
+                <a16:creationId xmlns:a16="http://schemas.microsoft.com/office/drawing/2014/main" id="{470A67A0-B837-3462-FA88-EBC38B71C0C1}"/>
+              </a:ext>
+            </a:extLst>
+          </p:cNvPr>
+          <p:cNvSpPr>
+            <a:spLocks noGrp="1" noRot="1" noMove="1" noResize="1" noEditPoints="1" noAdjustHandles="1" noChangeArrowheads="1" noChangeShapeType="1"/>
+          </p:cNvSpPr>
+          <p:nvPr/>
+        </p:nvSpPr>
+        <p:spPr>
+          <a:xfrm>
+            <a:off x="433754" y="855785"/>
+            <a:ext cx="11312769" cy="5591907"/>
+          </a:xfrm>
+          <a:prstGeom prst="rect">
+            <a:avLst/>
+          </a:prstGeom>
+          <a:solidFill>
+            <a:schemeClr val="accent1">
+              <a:lumMod val="20000"/>
+              <a:lumOff val="80000"/>
+            </a:schemeClr>
+          </a:solidFill>
+        </p:spPr>
+        <p:style>
+          <a:lnRef idx="2">
+            <a:schemeClr val="accent1">
+              <a:shade val="15000"/>
+            </a:schemeClr>
+          </a:lnRef>
+          <a:fillRef idx="1">
+            <a:schemeClr val="accent1"/>
+          </a:fillRef>
+          <a:effectRef idx="0">
+            <a:schemeClr val="accent1"/>
+          </a:effectRef>
+          <a:fontRef idx="minor">
+            <a:schemeClr val="lt1"/>
+          </a:fontRef>
+        </p:style>
+        <p:txBody>
+          <a:bodyPr rtlCol="0" anchor="ctr"/>
+          <a:lstStyle/>
+          <a:p>
+            <a:pPr algn="ctr"/>
+            <a:endParaRPr lang="en-US"/>
+          </a:p>
+        </p:txBody>
+      </p:sp>
+      <p:sp>
+        <p:nvSpPr>
+          <p:cNvPr id="3" name="TextBox 2">
+            <a:extLst>
+              <a:ext uri="{FF2B5EF4-FFF2-40B4-BE49-F238E27FC236}">
+                <a16:creationId xmlns:a16="http://schemas.microsoft.com/office/drawing/2014/main" id="{AC9B76EC-4385-9952-52FC-4CC9C4F2822B}"/>
+              </a:ext>
+            </a:extLst>
+          </p:cNvPr>
+          <p:cNvSpPr txBox="1"/>
+          <p:nvPr/>
+        </p:nvSpPr>
+        <p:spPr>
+          <a:xfrm>
+            <a:off x="4257745" y="0"/>
+            <a:ext cx="5089855" cy="646331"/>
+          </a:xfrm>
+          <a:prstGeom prst="rect">
+            <a:avLst/>
+          </a:prstGeom>
+          <a:noFill/>
+        </p:spPr>
+        <p:txBody>
+          <a:bodyPr wrap="none" rtlCol="0">
+            <a:spAutoFit/>
+          </a:bodyPr>
+          <a:lstStyle/>
+          <a:p>
+            <a:r>
+              <a:rPr lang="en-US" sz="3600" b="1"/>
+              <a:t>GUI – Main Menu - Shop</a:t>
+            </a:r>
+            <a:endParaRPr lang="en-US" sz="3600" b="1" dirty="0"/>
+          </a:p>
+        </p:txBody>
+      </p:sp>
+      <p:sp>
+        <p:nvSpPr>
+          <p:cNvPr id="6" name="Octagon 5">
+            <a:extLst>
+              <a:ext uri="{FF2B5EF4-FFF2-40B4-BE49-F238E27FC236}">
+                <a16:creationId xmlns:a16="http://schemas.microsoft.com/office/drawing/2014/main" id="{21EA747B-6B4B-C7CA-CA2D-B5D8E975392A}"/>
+              </a:ext>
+            </a:extLst>
+          </p:cNvPr>
+          <p:cNvSpPr/>
+          <p:nvPr/>
+        </p:nvSpPr>
+        <p:spPr>
+          <a:xfrm>
+            <a:off x="11120307" y="959728"/>
+            <a:ext cx="473817" cy="527538"/>
+          </a:xfrm>
+          <a:prstGeom prst="octagon">
+            <a:avLst/>
+          </a:prstGeom>
+          <a:solidFill>
+            <a:schemeClr val="bg2">
+              <a:lumMod val="75000"/>
+            </a:schemeClr>
+          </a:solidFill>
+          <a:ln w="57150"/>
+        </p:spPr>
+        <p:style>
+          <a:lnRef idx="2">
+            <a:schemeClr val="accent1">
+              <a:shade val="15000"/>
+            </a:schemeClr>
+          </a:lnRef>
+          <a:fillRef idx="1">
+            <a:schemeClr val="accent1"/>
+          </a:fillRef>
+          <a:effectRef idx="0">
+            <a:schemeClr val="accent1"/>
+          </a:effectRef>
+          <a:fontRef idx="minor">
+            <a:schemeClr val="lt1"/>
+          </a:fontRef>
+        </p:style>
+        <p:txBody>
+          <a:bodyPr rtlCol="0" anchor="ctr"/>
+          <a:lstStyle/>
+          <a:p>
+            <a:pPr algn="ctr"/>
+            <a:endParaRPr lang="en-US"/>
+          </a:p>
+        </p:txBody>
+      </p:sp>
+      <p:sp>
+        <p:nvSpPr>
+          <p:cNvPr id="11" name="Rectangle: Rounded Corners 10">
+            <a:extLst>
+              <a:ext uri="{FF2B5EF4-FFF2-40B4-BE49-F238E27FC236}">
+                <a16:creationId xmlns:a16="http://schemas.microsoft.com/office/drawing/2014/main" id="{B19CD7D5-5F73-90CD-D463-139D3B123A96}"/>
+              </a:ext>
+            </a:extLst>
+          </p:cNvPr>
+          <p:cNvSpPr/>
+          <p:nvPr/>
+        </p:nvSpPr>
+        <p:spPr>
+          <a:xfrm>
+            <a:off x="562708" y="5029201"/>
+            <a:ext cx="1383323" cy="1301261"/>
+          </a:xfrm>
+          <a:prstGeom prst="roundRect">
+            <a:avLst/>
+          </a:prstGeom>
+          <a:solidFill>
+            <a:schemeClr val="accent2">
+              <a:lumMod val="75000"/>
+            </a:schemeClr>
+          </a:solidFill>
+        </p:spPr>
+        <p:style>
+          <a:lnRef idx="2">
+            <a:schemeClr val="accent1">
+              <a:shade val="15000"/>
+            </a:schemeClr>
+          </a:lnRef>
+          <a:fillRef idx="1">
+            <a:schemeClr val="accent1"/>
+          </a:fillRef>
+          <a:effectRef idx="0">
+            <a:schemeClr val="accent1"/>
+          </a:effectRef>
+          <a:fontRef idx="minor">
+            <a:schemeClr val="lt1"/>
+          </a:fontRef>
+        </p:style>
+        <p:txBody>
+          <a:bodyPr rtlCol="0" anchor="ctr"/>
+          <a:lstStyle/>
+          <a:p>
+            <a:pPr algn="ctr"/>
+            <a:endParaRPr lang="en-US"/>
+          </a:p>
+        </p:txBody>
+      </p:sp>
+      <p:sp>
+        <p:nvSpPr>
+          <p:cNvPr id="12" name="Oval 11">
+            <a:extLst>
+              <a:ext uri="{FF2B5EF4-FFF2-40B4-BE49-F238E27FC236}">
+                <a16:creationId xmlns:a16="http://schemas.microsoft.com/office/drawing/2014/main" id="{87C66B34-7B32-4EAE-0DC0-D945578EBA27}"/>
+              </a:ext>
+            </a:extLst>
+          </p:cNvPr>
+          <p:cNvSpPr/>
+          <p:nvPr/>
+        </p:nvSpPr>
+        <p:spPr>
+          <a:xfrm>
+            <a:off x="10087708" y="4923692"/>
+            <a:ext cx="1406769" cy="1359877"/>
+          </a:xfrm>
+          <a:prstGeom prst="ellipse">
+            <a:avLst/>
+          </a:prstGeom>
+          <a:solidFill>
+            <a:schemeClr val="accent3">
+              <a:lumMod val="40000"/>
+              <a:lumOff val="60000"/>
+            </a:schemeClr>
+          </a:solidFill>
+        </p:spPr>
+        <p:style>
+          <a:lnRef idx="2">
+            <a:schemeClr val="accent1">
+              <a:shade val="15000"/>
+            </a:schemeClr>
+          </a:lnRef>
+          <a:fillRef idx="1">
+            <a:schemeClr val="accent1"/>
+          </a:fillRef>
+          <a:effectRef idx="0">
+            <a:schemeClr val="accent1"/>
+          </a:effectRef>
+          <a:fontRef idx="minor">
+            <a:schemeClr val="lt1"/>
+          </a:fontRef>
+        </p:style>
+        <p:txBody>
+          <a:bodyPr rtlCol="0" anchor="ctr"/>
+          <a:lstStyle/>
+          <a:p>
+            <a:pPr algn="ctr"/>
+            <a:endParaRPr lang="en-US"/>
+          </a:p>
+        </p:txBody>
+      </p:sp>
+      <p:sp>
+        <p:nvSpPr>
+          <p:cNvPr id="24" name="Oval 23">
+            <a:extLst>
+              <a:ext uri="{FF2B5EF4-FFF2-40B4-BE49-F238E27FC236}">
+                <a16:creationId xmlns:a16="http://schemas.microsoft.com/office/drawing/2014/main" id="{DBCC438F-EBB2-812C-1FD1-9BB7195A3AF4}"/>
+              </a:ext>
+            </a:extLst>
+          </p:cNvPr>
+          <p:cNvSpPr/>
+          <p:nvPr/>
+        </p:nvSpPr>
+        <p:spPr>
+          <a:xfrm>
+            <a:off x="8921263" y="5322277"/>
+            <a:ext cx="996461" cy="1008185"/>
+          </a:xfrm>
+          <a:prstGeom prst="ellipse">
+            <a:avLst/>
+          </a:prstGeom>
+          <a:solidFill>
+            <a:schemeClr val="accent4">
+              <a:lumMod val="60000"/>
+              <a:lumOff val="40000"/>
+            </a:schemeClr>
+          </a:solidFill>
+        </p:spPr>
+        <p:style>
+          <a:lnRef idx="2">
+            <a:schemeClr val="accent1">
+              <a:shade val="15000"/>
+            </a:schemeClr>
+          </a:lnRef>
+          <a:fillRef idx="1">
+            <a:schemeClr val="accent1"/>
+          </a:fillRef>
+          <a:effectRef idx="0">
+            <a:schemeClr val="accent1"/>
+          </a:effectRef>
+          <a:fontRef idx="minor">
+            <a:schemeClr val="lt1"/>
+          </a:fontRef>
+        </p:style>
+        <p:txBody>
+          <a:bodyPr rtlCol="0" anchor="ctr"/>
+          <a:lstStyle/>
+          <a:p>
+            <a:pPr algn="ctr"/>
+            <a:endParaRPr lang="en-US"/>
+          </a:p>
+        </p:txBody>
+      </p:sp>
+      <p:sp>
+        <p:nvSpPr>
+          <p:cNvPr id="25" name="TextBox 24">
+            <a:extLst>
+              <a:ext uri="{FF2B5EF4-FFF2-40B4-BE49-F238E27FC236}">
+                <a16:creationId xmlns:a16="http://schemas.microsoft.com/office/drawing/2014/main" id="{D58E9E9C-7D50-330C-9073-D9E069FA03CE}"/>
+              </a:ext>
+            </a:extLst>
+          </p:cNvPr>
+          <p:cNvSpPr txBox="1"/>
+          <p:nvPr/>
+        </p:nvSpPr>
+        <p:spPr>
+          <a:xfrm>
+            <a:off x="808892" y="5486400"/>
+            <a:ext cx="855786" cy="369332"/>
+          </a:xfrm>
+          <a:prstGeom prst="rect">
+            <a:avLst/>
+          </a:prstGeom>
+          <a:noFill/>
+        </p:spPr>
+        <p:txBody>
+          <a:bodyPr wrap="square" rtlCol="0">
+            <a:spAutoFit/>
+          </a:bodyPr>
+          <a:lstStyle/>
+          <a:p>
+            <a:r>
+              <a:rPr lang="en-US"/>
+              <a:t>SHOP</a:t>
+            </a:r>
+          </a:p>
+        </p:txBody>
+      </p:sp>
+      <p:sp>
+        <p:nvSpPr>
+          <p:cNvPr id="26" name="TextBox 25">
+            <a:extLst>
+              <a:ext uri="{FF2B5EF4-FFF2-40B4-BE49-F238E27FC236}">
+                <a16:creationId xmlns:a16="http://schemas.microsoft.com/office/drawing/2014/main" id="{7D9FA49F-DBAF-E391-CAC6-1BDE28A4E7BE}"/>
+              </a:ext>
+            </a:extLst>
+          </p:cNvPr>
+          <p:cNvSpPr txBox="1"/>
+          <p:nvPr/>
+        </p:nvSpPr>
+        <p:spPr>
+          <a:xfrm>
+            <a:off x="10462846" y="5495165"/>
+            <a:ext cx="855786" cy="369332"/>
+          </a:xfrm>
+          <a:prstGeom prst="rect">
+            <a:avLst/>
+          </a:prstGeom>
+          <a:noFill/>
+        </p:spPr>
+        <p:txBody>
+          <a:bodyPr wrap="square" rtlCol="0">
+            <a:spAutoFit/>
+          </a:bodyPr>
+          <a:lstStyle/>
+          <a:p>
+            <a:r>
+              <a:rPr lang="en-US"/>
+              <a:t>PLAY</a:t>
+            </a:r>
+          </a:p>
+        </p:txBody>
+      </p:sp>
+      <p:sp>
+        <p:nvSpPr>
+          <p:cNvPr id="27" name="TextBox 26">
+            <a:extLst>
+              <a:ext uri="{FF2B5EF4-FFF2-40B4-BE49-F238E27FC236}">
+                <a16:creationId xmlns:a16="http://schemas.microsoft.com/office/drawing/2014/main" id="{BE3643C2-B6A2-1756-A707-4F1825F0581C}"/>
+              </a:ext>
+            </a:extLst>
+          </p:cNvPr>
+          <p:cNvSpPr txBox="1"/>
+          <p:nvPr/>
+        </p:nvSpPr>
+        <p:spPr>
+          <a:xfrm>
+            <a:off x="8971085" y="5641703"/>
+            <a:ext cx="1031631" cy="369332"/>
+          </a:xfrm>
+          <a:prstGeom prst="rect">
+            <a:avLst/>
+          </a:prstGeom>
+          <a:noFill/>
+        </p:spPr>
+        <p:txBody>
+          <a:bodyPr wrap="square" rtlCol="0">
+            <a:spAutoFit/>
+          </a:bodyPr>
+          <a:lstStyle/>
+          <a:p>
+            <a:r>
+              <a:rPr lang="en-US"/>
+              <a:t>REPLAY</a:t>
+            </a:r>
+          </a:p>
+        </p:txBody>
+      </p:sp>
+      <p:sp>
+        <p:nvSpPr>
+          <p:cNvPr id="7" name="Rectangle 6">
+            <a:extLst>
+              <a:ext uri="{FF2B5EF4-FFF2-40B4-BE49-F238E27FC236}">
+                <a16:creationId xmlns:a16="http://schemas.microsoft.com/office/drawing/2014/main" id="{E3F41EAF-4F03-0824-4201-1069A23AD969}"/>
+              </a:ext>
+            </a:extLst>
+          </p:cNvPr>
+          <p:cNvSpPr/>
+          <p:nvPr/>
+        </p:nvSpPr>
+        <p:spPr>
+          <a:xfrm>
+            <a:off x="3057277" y="981609"/>
+            <a:ext cx="5439508" cy="4797697"/>
+          </a:xfrm>
+          <a:prstGeom prst="rect">
+            <a:avLst/>
+          </a:prstGeom>
+        </p:spPr>
+        <p:style>
+          <a:lnRef idx="2">
+            <a:schemeClr val="accent1">
+              <a:shade val="15000"/>
+            </a:schemeClr>
+          </a:lnRef>
+          <a:fillRef idx="1">
+            <a:schemeClr val="accent1"/>
+          </a:fillRef>
+          <a:effectRef idx="0">
+            <a:schemeClr val="accent1"/>
+          </a:effectRef>
+          <a:fontRef idx="minor">
+            <a:schemeClr val="lt1"/>
+          </a:fontRef>
+        </p:style>
+        <p:txBody>
+          <a:bodyPr rtlCol="0" anchor="ctr"/>
+          <a:lstStyle/>
+          <a:p>
+            <a:pPr algn="ctr"/>
+            <a:endParaRPr lang="en-US"/>
+          </a:p>
+        </p:txBody>
+      </p:sp>
+      <p:sp>
+        <p:nvSpPr>
+          <p:cNvPr id="4" name="Rectangle: Rounded Corners 3">
+            <a:extLst>
+              <a:ext uri="{FF2B5EF4-FFF2-40B4-BE49-F238E27FC236}">
+                <a16:creationId xmlns:a16="http://schemas.microsoft.com/office/drawing/2014/main" id="{5A51223C-DF62-2ED8-89E0-18285EC20515}"/>
+              </a:ext>
+            </a:extLst>
+          </p:cNvPr>
+          <p:cNvSpPr/>
+          <p:nvPr/>
+        </p:nvSpPr>
+        <p:spPr>
+          <a:xfrm>
+            <a:off x="3244846" y="1874121"/>
+            <a:ext cx="5122985" cy="870411"/>
+          </a:xfrm>
+          <a:prstGeom prst="roundRect">
+            <a:avLst/>
+          </a:prstGeom>
+          <a:solidFill>
+            <a:schemeClr val="tx2">
+              <a:lumMod val="25000"/>
+              <a:lumOff val="75000"/>
+            </a:schemeClr>
+          </a:solidFill>
+        </p:spPr>
+        <p:style>
+          <a:lnRef idx="2">
+            <a:schemeClr val="accent1">
+              <a:shade val="15000"/>
+            </a:schemeClr>
+          </a:lnRef>
+          <a:fillRef idx="1">
+            <a:schemeClr val="accent1"/>
+          </a:fillRef>
+          <a:effectRef idx="0">
+            <a:schemeClr val="accent1"/>
+          </a:effectRef>
+          <a:fontRef idx="minor">
+            <a:schemeClr val="lt1"/>
+          </a:fontRef>
+        </p:style>
+        <p:txBody>
+          <a:bodyPr rtlCol="0" anchor="ctr"/>
+          <a:lstStyle/>
+          <a:p>
+            <a:pPr algn="ctr"/>
+            <a:endParaRPr lang="en-US"/>
+          </a:p>
+        </p:txBody>
+      </p:sp>
+      <p:sp>
+        <p:nvSpPr>
+          <p:cNvPr id="8" name="Rectangle: Rounded Corners 7">
+            <a:extLst>
+              <a:ext uri="{FF2B5EF4-FFF2-40B4-BE49-F238E27FC236}">
+                <a16:creationId xmlns:a16="http://schemas.microsoft.com/office/drawing/2014/main" id="{3D3D56AD-0C98-5CD0-385A-81FA2581DD19}"/>
+              </a:ext>
+            </a:extLst>
+          </p:cNvPr>
+          <p:cNvSpPr/>
+          <p:nvPr/>
+        </p:nvSpPr>
+        <p:spPr>
+          <a:xfrm>
+            <a:off x="3244845" y="2852943"/>
+            <a:ext cx="5122985" cy="870411"/>
+          </a:xfrm>
+          <a:prstGeom prst="roundRect">
+            <a:avLst/>
+          </a:prstGeom>
+          <a:solidFill>
+            <a:schemeClr val="tx2">
+              <a:lumMod val="25000"/>
+              <a:lumOff val="75000"/>
+            </a:schemeClr>
+          </a:solidFill>
+        </p:spPr>
+        <p:style>
+          <a:lnRef idx="2">
+            <a:schemeClr val="accent1">
+              <a:shade val="15000"/>
+            </a:schemeClr>
+          </a:lnRef>
+          <a:fillRef idx="1">
+            <a:schemeClr val="accent1"/>
+          </a:fillRef>
+          <a:effectRef idx="0">
+            <a:schemeClr val="accent1"/>
+          </a:effectRef>
+          <a:fontRef idx="minor">
+            <a:schemeClr val="lt1"/>
+          </a:fontRef>
+        </p:style>
+        <p:txBody>
+          <a:bodyPr rtlCol="0" anchor="ctr"/>
+          <a:lstStyle/>
+          <a:p>
+            <a:pPr algn="ctr"/>
+            <a:endParaRPr lang="en-US"/>
+          </a:p>
+        </p:txBody>
+      </p:sp>
+      <p:sp>
+        <p:nvSpPr>
+          <p:cNvPr id="9" name="Rectangle: Rounded Corners 8">
+            <a:extLst>
+              <a:ext uri="{FF2B5EF4-FFF2-40B4-BE49-F238E27FC236}">
+                <a16:creationId xmlns:a16="http://schemas.microsoft.com/office/drawing/2014/main" id="{32D17790-9DFC-0C0F-3976-8B2AA9F4A950}"/>
+              </a:ext>
+            </a:extLst>
+          </p:cNvPr>
+          <p:cNvSpPr/>
+          <p:nvPr/>
+        </p:nvSpPr>
+        <p:spPr>
+          <a:xfrm>
+            <a:off x="3244844" y="3831765"/>
+            <a:ext cx="5122985" cy="870411"/>
+          </a:xfrm>
+          <a:prstGeom prst="roundRect">
+            <a:avLst/>
+          </a:prstGeom>
+          <a:solidFill>
+            <a:schemeClr val="tx2">
+              <a:lumMod val="25000"/>
+              <a:lumOff val="75000"/>
+            </a:schemeClr>
+          </a:solidFill>
+        </p:spPr>
+        <p:style>
+          <a:lnRef idx="2">
+            <a:schemeClr val="accent1">
+              <a:shade val="15000"/>
+            </a:schemeClr>
+          </a:lnRef>
+          <a:fillRef idx="1">
+            <a:schemeClr val="accent1"/>
+          </a:fillRef>
+          <a:effectRef idx="0">
+            <a:schemeClr val="accent1"/>
+          </a:effectRef>
+          <a:fontRef idx="minor">
+            <a:schemeClr val="lt1"/>
+          </a:fontRef>
+        </p:style>
+        <p:txBody>
+          <a:bodyPr rtlCol="0" anchor="ctr"/>
+          <a:lstStyle/>
+          <a:p>
+            <a:pPr algn="ctr"/>
+            <a:endParaRPr lang="en-US"/>
+          </a:p>
+        </p:txBody>
+      </p:sp>
+      <p:sp>
+        <p:nvSpPr>
+          <p:cNvPr id="10" name="Rectangle: Rounded Corners 9">
+            <a:extLst>
+              <a:ext uri="{FF2B5EF4-FFF2-40B4-BE49-F238E27FC236}">
+                <a16:creationId xmlns:a16="http://schemas.microsoft.com/office/drawing/2014/main" id="{84DEFFCE-539E-9A8C-CA35-C7B81A45D5BD}"/>
+              </a:ext>
+            </a:extLst>
+          </p:cNvPr>
+          <p:cNvSpPr/>
+          <p:nvPr/>
+        </p:nvSpPr>
+        <p:spPr>
+          <a:xfrm>
+            <a:off x="3244843" y="4810587"/>
+            <a:ext cx="5122985" cy="870411"/>
+          </a:xfrm>
+          <a:prstGeom prst="roundRect">
+            <a:avLst/>
+          </a:prstGeom>
+          <a:solidFill>
+            <a:schemeClr val="tx2">
+              <a:lumMod val="25000"/>
+              <a:lumOff val="75000"/>
+            </a:schemeClr>
+          </a:solidFill>
+        </p:spPr>
+        <p:style>
+          <a:lnRef idx="2">
+            <a:schemeClr val="accent1">
+              <a:shade val="15000"/>
+            </a:schemeClr>
+          </a:lnRef>
+          <a:fillRef idx="1">
+            <a:schemeClr val="accent1"/>
+          </a:fillRef>
+          <a:effectRef idx="0">
+            <a:schemeClr val="accent1"/>
+          </a:effectRef>
+          <a:fontRef idx="minor">
+            <a:schemeClr val="lt1"/>
+          </a:fontRef>
+        </p:style>
+        <p:txBody>
+          <a:bodyPr rtlCol="0" anchor="ctr"/>
+          <a:lstStyle/>
+          <a:p>
+            <a:pPr algn="ctr"/>
+            <a:endParaRPr lang="en-US"/>
+          </a:p>
+        </p:txBody>
+      </p:sp>
+      <p:sp>
+        <p:nvSpPr>
+          <p:cNvPr id="13" name="Rectangle: Rounded Corners 12">
+            <a:extLst>
+              <a:ext uri="{FF2B5EF4-FFF2-40B4-BE49-F238E27FC236}">
+                <a16:creationId xmlns:a16="http://schemas.microsoft.com/office/drawing/2014/main" id="{D3948680-EA7F-0B6F-DA65-D1660A16DD18}"/>
+              </a:ext>
+            </a:extLst>
+          </p:cNvPr>
+          <p:cNvSpPr/>
+          <p:nvPr/>
+        </p:nvSpPr>
+        <p:spPr>
+          <a:xfrm>
+            <a:off x="3393789" y="1006620"/>
+            <a:ext cx="773727" cy="834508"/>
+          </a:xfrm>
+          <a:prstGeom prst="roundRect">
+            <a:avLst/>
+          </a:prstGeom>
+          <a:solidFill>
+            <a:schemeClr val="tx2">
+              <a:lumMod val="50000"/>
+              <a:lumOff val="50000"/>
+            </a:schemeClr>
+          </a:solidFill>
+        </p:spPr>
+        <p:style>
+          <a:lnRef idx="2">
+            <a:schemeClr val="accent1">
+              <a:shade val="15000"/>
+            </a:schemeClr>
+          </a:lnRef>
+          <a:fillRef idx="1">
+            <a:schemeClr val="accent1"/>
+          </a:fillRef>
+          <a:effectRef idx="0">
+            <a:schemeClr val="accent1"/>
+          </a:effectRef>
+          <a:fontRef idx="minor">
+            <a:schemeClr val="lt1"/>
+          </a:fontRef>
+        </p:style>
+        <p:txBody>
+          <a:bodyPr rtlCol="0" anchor="ctr"/>
+          <a:lstStyle/>
+          <a:p>
+            <a:pPr algn="ctr"/>
+            <a:endParaRPr lang="en-US"/>
+          </a:p>
+        </p:txBody>
+      </p:sp>
+      <p:sp>
+        <p:nvSpPr>
+          <p:cNvPr id="14" name="Rectangle: Rounded Corners 13">
+            <a:extLst>
+              <a:ext uri="{FF2B5EF4-FFF2-40B4-BE49-F238E27FC236}">
+                <a16:creationId xmlns:a16="http://schemas.microsoft.com/office/drawing/2014/main" id="{29C752B8-7051-60B1-2243-E77D87F58A3B}"/>
+              </a:ext>
+            </a:extLst>
+          </p:cNvPr>
+          <p:cNvSpPr/>
+          <p:nvPr/>
+        </p:nvSpPr>
+        <p:spPr>
+          <a:xfrm>
+            <a:off x="4207572" y="1006620"/>
+            <a:ext cx="773727" cy="834508"/>
+          </a:xfrm>
+          <a:prstGeom prst="roundRect">
+            <a:avLst/>
+          </a:prstGeom>
+          <a:solidFill>
+            <a:schemeClr val="tx2">
+              <a:lumMod val="50000"/>
+              <a:lumOff val="50000"/>
+            </a:schemeClr>
+          </a:solidFill>
+        </p:spPr>
+        <p:style>
+          <a:lnRef idx="2">
+            <a:schemeClr val="accent1">
+              <a:shade val="15000"/>
+            </a:schemeClr>
+          </a:lnRef>
+          <a:fillRef idx="1">
+            <a:schemeClr val="accent1"/>
+          </a:fillRef>
+          <a:effectRef idx="0">
+            <a:schemeClr val="accent1"/>
+          </a:effectRef>
+          <a:fontRef idx="minor">
+            <a:schemeClr val="lt1"/>
+          </a:fontRef>
+        </p:style>
+        <p:txBody>
+          <a:bodyPr rtlCol="0" anchor="ctr"/>
+          <a:lstStyle/>
+          <a:p>
+            <a:pPr algn="ctr"/>
+            <a:endParaRPr lang="en-US"/>
+          </a:p>
+        </p:txBody>
+      </p:sp>
+      <p:sp>
+        <p:nvSpPr>
+          <p:cNvPr id="15" name="Rectangle: Rounded Corners 14">
+            <a:extLst>
+              <a:ext uri="{FF2B5EF4-FFF2-40B4-BE49-F238E27FC236}">
+                <a16:creationId xmlns:a16="http://schemas.microsoft.com/office/drawing/2014/main" id="{705DCB69-6E9A-61B6-D249-D4182953D3AB}"/>
+              </a:ext>
+            </a:extLst>
+          </p:cNvPr>
+          <p:cNvSpPr/>
+          <p:nvPr/>
+        </p:nvSpPr>
+        <p:spPr>
+          <a:xfrm>
+            <a:off x="5021355" y="1006620"/>
+            <a:ext cx="773727" cy="834508"/>
+          </a:xfrm>
+          <a:prstGeom prst="roundRect">
+            <a:avLst/>
+          </a:prstGeom>
+          <a:solidFill>
+            <a:schemeClr val="tx2">
+              <a:lumMod val="50000"/>
+              <a:lumOff val="50000"/>
+            </a:schemeClr>
+          </a:solidFill>
+        </p:spPr>
+        <p:style>
+          <a:lnRef idx="2">
+            <a:schemeClr val="accent1">
+              <a:shade val="15000"/>
+            </a:schemeClr>
+          </a:lnRef>
+          <a:fillRef idx="1">
+            <a:schemeClr val="accent1"/>
+          </a:fillRef>
+          <a:effectRef idx="0">
+            <a:schemeClr val="accent1"/>
+          </a:effectRef>
+          <a:fontRef idx="minor">
+            <a:schemeClr val="lt1"/>
+          </a:fontRef>
+        </p:style>
+        <p:txBody>
+          <a:bodyPr rtlCol="0" anchor="ctr"/>
+          <a:lstStyle/>
+          <a:p>
+            <a:pPr algn="ctr"/>
+            <a:endParaRPr lang="en-US"/>
+          </a:p>
+        </p:txBody>
+      </p:sp>
+      <p:sp>
+        <p:nvSpPr>
+          <p:cNvPr id="16" name="Rectangle: Rounded Corners 15">
+            <a:extLst>
+              <a:ext uri="{FF2B5EF4-FFF2-40B4-BE49-F238E27FC236}">
+                <a16:creationId xmlns:a16="http://schemas.microsoft.com/office/drawing/2014/main" id="{640AACA6-CA21-2B23-399E-9DE37AA264DF}"/>
+              </a:ext>
+            </a:extLst>
+          </p:cNvPr>
+          <p:cNvSpPr/>
+          <p:nvPr/>
+        </p:nvSpPr>
+        <p:spPr>
+          <a:xfrm>
+            <a:off x="5835138" y="1006620"/>
+            <a:ext cx="773727" cy="834508"/>
+          </a:xfrm>
+          <a:prstGeom prst="roundRect">
+            <a:avLst/>
+          </a:prstGeom>
+          <a:solidFill>
+            <a:schemeClr val="tx2">
+              <a:lumMod val="50000"/>
+              <a:lumOff val="50000"/>
+            </a:schemeClr>
+          </a:solidFill>
+        </p:spPr>
+        <p:style>
+          <a:lnRef idx="2">
+            <a:schemeClr val="accent1">
+              <a:shade val="15000"/>
+            </a:schemeClr>
+          </a:lnRef>
+          <a:fillRef idx="1">
+            <a:schemeClr val="accent1"/>
+          </a:fillRef>
+          <a:effectRef idx="0">
+            <a:schemeClr val="accent1"/>
+          </a:effectRef>
+          <a:fontRef idx="minor">
+            <a:schemeClr val="lt1"/>
+          </a:fontRef>
+        </p:style>
+        <p:txBody>
+          <a:bodyPr rtlCol="0" anchor="ctr"/>
+          <a:lstStyle/>
+          <a:p>
+            <a:pPr algn="ctr"/>
+            <a:endParaRPr lang="en-US"/>
+          </a:p>
+        </p:txBody>
+      </p:sp>
+      <p:sp>
+        <p:nvSpPr>
+          <p:cNvPr id="17" name="Rectangle: Rounded Corners 16">
+            <a:extLst>
+              <a:ext uri="{FF2B5EF4-FFF2-40B4-BE49-F238E27FC236}">
+                <a16:creationId xmlns:a16="http://schemas.microsoft.com/office/drawing/2014/main" id="{DEBC0D0C-DB76-1F4D-7BC9-C1BD79C96BAD}"/>
+              </a:ext>
+            </a:extLst>
+          </p:cNvPr>
+          <p:cNvSpPr/>
+          <p:nvPr/>
+        </p:nvSpPr>
+        <p:spPr>
+          <a:xfrm>
+            <a:off x="6648921" y="1006620"/>
+            <a:ext cx="773727" cy="834508"/>
+          </a:xfrm>
+          <a:prstGeom prst="roundRect">
+            <a:avLst/>
+          </a:prstGeom>
+          <a:solidFill>
+            <a:schemeClr val="tx2">
+              <a:lumMod val="50000"/>
+              <a:lumOff val="50000"/>
+            </a:schemeClr>
+          </a:solidFill>
+        </p:spPr>
+        <p:style>
+          <a:lnRef idx="2">
+            <a:schemeClr val="accent1">
+              <a:shade val="15000"/>
+            </a:schemeClr>
+          </a:lnRef>
+          <a:fillRef idx="1">
+            <a:schemeClr val="accent1"/>
+          </a:fillRef>
+          <a:effectRef idx="0">
+            <a:schemeClr val="accent1"/>
+          </a:effectRef>
+          <a:fontRef idx="minor">
+            <a:schemeClr val="lt1"/>
+          </a:fontRef>
+        </p:style>
+        <p:txBody>
+          <a:bodyPr rtlCol="0" anchor="ctr"/>
+          <a:lstStyle/>
+          <a:p>
+            <a:pPr algn="ctr"/>
+            <a:endParaRPr lang="en-US"/>
+          </a:p>
+        </p:txBody>
+      </p:sp>
+      <p:sp>
+        <p:nvSpPr>
+          <p:cNvPr id="18" name="Rectangle: Rounded Corners 17">
+            <a:extLst>
+              <a:ext uri="{FF2B5EF4-FFF2-40B4-BE49-F238E27FC236}">
+                <a16:creationId xmlns:a16="http://schemas.microsoft.com/office/drawing/2014/main" id="{1C75826F-7251-CCE3-0EE9-EE0932EA022E}"/>
+              </a:ext>
+            </a:extLst>
+          </p:cNvPr>
+          <p:cNvSpPr/>
+          <p:nvPr/>
+        </p:nvSpPr>
+        <p:spPr>
+          <a:xfrm>
+            <a:off x="7462704" y="1006620"/>
+            <a:ext cx="773727" cy="834508"/>
+          </a:xfrm>
+          <a:prstGeom prst="roundRect">
+            <a:avLst/>
+          </a:prstGeom>
+          <a:solidFill>
+            <a:schemeClr val="tx2">
+              <a:lumMod val="50000"/>
+              <a:lumOff val="50000"/>
+            </a:schemeClr>
+          </a:solidFill>
+        </p:spPr>
+        <p:style>
+          <a:lnRef idx="2">
+            <a:schemeClr val="accent1">
+              <a:shade val="15000"/>
+            </a:schemeClr>
+          </a:lnRef>
+          <a:fillRef idx="1">
+            <a:schemeClr val="accent1"/>
+          </a:fillRef>
+          <a:effectRef idx="0">
+            <a:schemeClr val="accent1"/>
+          </a:effectRef>
+          <a:fontRef idx="minor">
+            <a:schemeClr val="lt1"/>
+          </a:fontRef>
+        </p:style>
+        <p:txBody>
+          <a:bodyPr rtlCol="0" anchor="ctr"/>
+          <a:lstStyle/>
+          <a:p>
+            <a:pPr algn="ctr"/>
+            <a:endParaRPr lang="en-US"/>
+          </a:p>
+        </p:txBody>
+      </p:sp>
+      <p:sp>
+        <p:nvSpPr>
+          <p:cNvPr id="28" name="Rectangle: Rounded Corners 27">
+            <a:extLst>
+              <a:ext uri="{FF2B5EF4-FFF2-40B4-BE49-F238E27FC236}">
+                <a16:creationId xmlns:a16="http://schemas.microsoft.com/office/drawing/2014/main" id="{A1498B40-800C-4385-B87F-43B718B9F1C9}"/>
+              </a:ext>
+            </a:extLst>
+          </p:cNvPr>
+          <p:cNvSpPr/>
+          <p:nvPr/>
+        </p:nvSpPr>
+        <p:spPr>
+          <a:xfrm>
+            <a:off x="3637296" y="5851380"/>
+            <a:ext cx="1914277" cy="504471"/>
+          </a:xfrm>
+          <a:prstGeom prst="roundRect">
+            <a:avLst/>
+          </a:prstGeom>
+          <a:solidFill>
+            <a:srgbClr val="FFC000"/>
+          </a:solidFill>
+        </p:spPr>
+        <p:style>
+          <a:lnRef idx="2">
+            <a:schemeClr val="accent1">
+              <a:shade val="15000"/>
+            </a:schemeClr>
+          </a:lnRef>
+          <a:fillRef idx="1">
+            <a:schemeClr val="accent1"/>
+          </a:fillRef>
+          <a:effectRef idx="0">
+            <a:schemeClr val="accent1"/>
+          </a:effectRef>
+          <a:fontRef idx="minor">
+            <a:schemeClr val="lt1"/>
+          </a:fontRef>
+        </p:style>
+        <p:txBody>
+          <a:bodyPr rtlCol="0" anchor="ctr"/>
+          <a:lstStyle/>
+          <a:p>
+            <a:pPr algn="ctr"/>
+            <a:endParaRPr lang="en-US"/>
+          </a:p>
+        </p:txBody>
+      </p:sp>
+      <p:sp>
+        <p:nvSpPr>
+          <p:cNvPr id="29" name="Rectangle: Rounded Corners 28">
+            <a:extLst>
+              <a:ext uri="{FF2B5EF4-FFF2-40B4-BE49-F238E27FC236}">
+                <a16:creationId xmlns:a16="http://schemas.microsoft.com/office/drawing/2014/main" id="{22F1751F-0A79-27A1-A7B5-1A3CA071405C}"/>
+              </a:ext>
+            </a:extLst>
+          </p:cNvPr>
+          <p:cNvSpPr/>
+          <p:nvPr/>
+        </p:nvSpPr>
+        <p:spPr>
+          <a:xfrm>
+            <a:off x="6573717" y="5851380"/>
+            <a:ext cx="1914277" cy="504471"/>
+          </a:xfrm>
+          <a:prstGeom prst="roundRect">
+            <a:avLst/>
+          </a:prstGeom>
+          <a:solidFill>
+            <a:schemeClr val="bg1">
+              <a:lumMod val="65000"/>
+            </a:schemeClr>
+          </a:solidFill>
+        </p:spPr>
+        <p:style>
+          <a:lnRef idx="2">
+            <a:schemeClr val="accent1">
+              <a:shade val="15000"/>
+            </a:schemeClr>
+          </a:lnRef>
+          <a:fillRef idx="1">
+            <a:schemeClr val="accent1"/>
+          </a:fillRef>
+          <a:effectRef idx="0">
+            <a:schemeClr val="accent1"/>
+          </a:effectRef>
+          <a:fontRef idx="minor">
+            <a:schemeClr val="lt1"/>
+          </a:fontRef>
+        </p:style>
+        <p:txBody>
+          <a:bodyPr rtlCol="0" anchor="ctr"/>
+          <a:lstStyle/>
+          <a:p>
+            <a:pPr algn="ctr"/>
+            <a:endParaRPr lang="en-US"/>
+          </a:p>
+        </p:txBody>
+      </p:sp>
+      <p:sp>
+        <p:nvSpPr>
+          <p:cNvPr id="30" name="Octagon 29">
+            <a:extLst>
+              <a:ext uri="{FF2B5EF4-FFF2-40B4-BE49-F238E27FC236}">
+                <a16:creationId xmlns:a16="http://schemas.microsoft.com/office/drawing/2014/main" id="{AAFCB055-0E58-C875-64B3-E42F0D210C73}"/>
+              </a:ext>
+            </a:extLst>
+          </p:cNvPr>
+          <p:cNvSpPr/>
+          <p:nvPr/>
+        </p:nvSpPr>
+        <p:spPr>
+          <a:xfrm>
+            <a:off x="2977929" y="5824578"/>
+            <a:ext cx="580019" cy="565665"/>
+          </a:xfrm>
+          <a:prstGeom prst="octagon">
+            <a:avLst/>
+          </a:prstGeom>
+          <a:solidFill>
+            <a:srgbClr val="FFC000"/>
+          </a:solidFill>
+        </p:spPr>
+        <p:style>
+          <a:lnRef idx="2">
+            <a:schemeClr val="accent1">
+              <a:shade val="15000"/>
+            </a:schemeClr>
+          </a:lnRef>
+          <a:fillRef idx="1">
+            <a:schemeClr val="accent1"/>
+          </a:fillRef>
+          <a:effectRef idx="0">
+            <a:schemeClr val="accent1"/>
+          </a:effectRef>
+          <a:fontRef idx="minor">
+            <a:schemeClr val="lt1"/>
+          </a:fontRef>
+        </p:style>
+        <p:txBody>
+          <a:bodyPr rtlCol="0" anchor="ctr"/>
+          <a:lstStyle/>
+          <a:p>
+            <a:pPr algn="ctr"/>
+            <a:endParaRPr lang="en-US"/>
+          </a:p>
+        </p:txBody>
+      </p:sp>
+      <p:sp>
+        <p:nvSpPr>
+          <p:cNvPr id="31" name="Rectangle: Rounded Corners 30">
+            <a:extLst>
+              <a:ext uri="{FF2B5EF4-FFF2-40B4-BE49-F238E27FC236}">
+                <a16:creationId xmlns:a16="http://schemas.microsoft.com/office/drawing/2014/main" id="{0B541012-1BD6-B96E-27A6-3EBC61F0AE7D}"/>
+              </a:ext>
+            </a:extLst>
+          </p:cNvPr>
+          <p:cNvSpPr/>
+          <p:nvPr/>
+        </p:nvSpPr>
+        <p:spPr>
+          <a:xfrm>
+            <a:off x="5845906" y="5811712"/>
+            <a:ext cx="642819" cy="603574"/>
+          </a:xfrm>
+          <a:prstGeom prst="roundRect">
+            <a:avLst/>
+          </a:prstGeom>
+          <a:solidFill>
+            <a:schemeClr val="bg1">
+              <a:lumMod val="50000"/>
+            </a:schemeClr>
+          </a:solidFill>
+        </p:spPr>
+        <p:style>
+          <a:lnRef idx="2">
+            <a:schemeClr val="accent1">
+              <a:shade val="15000"/>
+            </a:schemeClr>
+          </a:lnRef>
+          <a:fillRef idx="1">
+            <a:schemeClr val="accent1"/>
+          </a:fillRef>
+          <a:effectRef idx="0">
+            <a:schemeClr val="accent1"/>
+          </a:effectRef>
+          <a:fontRef idx="minor">
+            <a:schemeClr val="lt1"/>
+          </a:fontRef>
+        </p:style>
+        <p:txBody>
+          <a:bodyPr rtlCol="0" anchor="ctr"/>
+          <a:lstStyle/>
+          <a:p>
+            <a:pPr algn="ctr"/>
+            <a:endParaRPr lang="en-US"/>
+          </a:p>
+        </p:txBody>
+      </p:sp>
+    </p:spTree>
+    <p:extLst>
+      <p:ext uri="{BB962C8B-B14F-4D97-AF65-F5344CB8AC3E}">
+        <p14:creationId xmlns:p14="http://schemas.microsoft.com/office/powerpoint/2010/main" val="1620193081"/>
+      </p:ext>
+    </p:extLst>
+  </p:cSld>
+  <p:clrMapOvr>
+    <a:masterClrMapping/>
+  </p:clrMapOvr>
+</p:sld>
+</file>
+
+<file path=ppt/slides/slide12.xml><?xml version="1.0" encoding="utf-8"?>
+<p:sld xmlns:a="http://schemas.openxmlformats.org/drawingml/2006/main" xmlns:r="http://schemas.openxmlformats.org/officeDocument/2006/relationships" xmlns:p="http://schemas.openxmlformats.org/presentationml/2006/main">
+  <p:cSld>
+    <p:spTree>
+      <p:nvGrpSpPr>
+        <p:cNvPr id="1" name=""/>
+        <p:cNvGrpSpPr/>
+        <p:nvPr/>
+      </p:nvGrpSpPr>
+      <p:grpSpPr>
+        <a:xfrm>
+          <a:off x="0" y="0"/>
+          <a:ext cx="0" cy="0"/>
+          <a:chOff x="0" y="0"/>
+          <a:chExt cx="0" cy="0"/>
+        </a:xfrm>
+      </p:grpSpPr>
+      <p:sp>
+        <p:nvSpPr>
+          <p:cNvPr id="3" name="TextBox 2">
+            <a:extLst>
+              <a:ext uri="{FF2B5EF4-FFF2-40B4-BE49-F238E27FC236}">
+                <a16:creationId xmlns:a16="http://schemas.microsoft.com/office/drawing/2014/main" id="{AC9B76EC-4385-9952-52FC-4CC9C4F2822B}"/>
+              </a:ext>
+            </a:extLst>
+          </p:cNvPr>
+          <p:cNvSpPr txBox="1"/>
+          <p:nvPr/>
+        </p:nvSpPr>
+        <p:spPr>
+          <a:xfrm>
+            <a:off x="4651699" y="0"/>
+            <a:ext cx="2876878" cy="646331"/>
+          </a:xfrm>
+          <a:prstGeom prst="rect">
+            <a:avLst/>
+          </a:prstGeom>
+          <a:noFill/>
+        </p:spPr>
+        <p:txBody>
+          <a:bodyPr wrap="none" rtlCol="0">
+            <a:spAutoFit/>
+          </a:bodyPr>
+          <a:lstStyle/>
+          <a:p>
+            <a:r>
+              <a:rPr lang="en-US" sz="3600" b="1"/>
+              <a:t>GUI - Ingame</a:t>
+            </a:r>
+            <a:endParaRPr lang="en-US" sz="3600" b="1" dirty="0"/>
+          </a:p>
+        </p:txBody>
+      </p:sp>
+      <p:sp>
+        <p:nvSpPr>
+          <p:cNvPr id="5" name="Rectangle 4">
+            <a:extLst>
+              <a:ext uri="{FF2B5EF4-FFF2-40B4-BE49-F238E27FC236}">
+                <a16:creationId xmlns:a16="http://schemas.microsoft.com/office/drawing/2014/main" id="{470A67A0-B837-3462-FA88-EBC38B71C0C1}"/>
+              </a:ext>
+            </a:extLst>
+          </p:cNvPr>
+          <p:cNvSpPr/>
+          <p:nvPr/>
+        </p:nvSpPr>
+        <p:spPr>
+          <a:xfrm>
+            <a:off x="433754" y="855785"/>
+            <a:ext cx="11312769" cy="5591907"/>
+          </a:xfrm>
+          <a:prstGeom prst="rect">
+            <a:avLst/>
+          </a:prstGeom>
+          <a:solidFill>
+            <a:schemeClr val="accent1">
+              <a:lumMod val="20000"/>
+              <a:lumOff val="80000"/>
+            </a:schemeClr>
+          </a:solidFill>
+        </p:spPr>
+        <p:style>
+          <a:lnRef idx="2">
+            <a:schemeClr val="accent1">
+              <a:shade val="15000"/>
+            </a:schemeClr>
+          </a:lnRef>
+          <a:fillRef idx="1">
+            <a:schemeClr val="accent1"/>
+          </a:fillRef>
+          <a:effectRef idx="0">
+            <a:schemeClr val="accent1"/>
+          </a:effectRef>
+          <a:fontRef idx="minor">
+            <a:schemeClr val="lt1"/>
+          </a:fontRef>
+        </p:style>
+        <p:txBody>
+          <a:bodyPr rtlCol="0" anchor="ctr"/>
+          <a:lstStyle/>
+          <a:p>
+            <a:pPr algn="ctr"/>
+            <a:endParaRPr lang="en-US"/>
+          </a:p>
+        </p:txBody>
+      </p:sp>
+      <p:sp>
+        <p:nvSpPr>
+          <p:cNvPr id="7" name="Rectangle: Rounded Corners 6">
+            <a:extLst>
+              <a:ext uri="{FF2B5EF4-FFF2-40B4-BE49-F238E27FC236}">
+                <a16:creationId xmlns:a16="http://schemas.microsoft.com/office/drawing/2014/main" id="{2E0BABAA-6358-C28E-2043-13C8E0E6C3B1}"/>
+              </a:ext>
+            </a:extLst>
+          </p:cNvPr>
+          <p:cNvSpPr/>
+          <p:nvPr/>
+        </p:nvSpPr>
+        <p:spPr>
+          <a:xfrm>
+            <a:off x="996462" y="959728"/>
+            <a:ext cx="2731476" cy="313006"/>
+          </a:xfrm>
+          <a:prstGeom prst="roundRect">
+            <a:avLst/>
+          </a:prstGeom>
+          <a:solidFill>
+            <a:srgbClr val="FF0000"/>
+          </a:solidFill>
+        </p:spPr>
+        <p:style>
+          <a:lnRef idx="2">
+            <a:schemeClr val="accent1">
+              <a:shade val="15000"/>
+            </a:schemeClr>
+          </a:lnRef>
+          <a:fillRef idx="1">
+            <a:schemeClr val="accent1"/>
+          </a:fillRef>
+          <a:effectRef idx="0">
+            <a:schemeClr val="accent1"/>
+          </a:effectRef>
+          <a:fontRef idx="minor">
+            <a:schemeClr val="lt1"/>
+          </a:fontRef>
+        </p:style>
+        <p:txBody>
+          <a:bodyPr rtlCol="0" anchor="ctr"/>
+          <a:lstStyle/>
+          <a:p>
+            <a:pPr algn="ctr"/>
+            <a:endParaRPr lang="en-US"/>
+          </a:p>
+        </p:txBody>
+      </p:sp>
+      <p:sp>
+        <p:nvSpPr>
+          <p:cNvPr id="8" name="Heart 7">
+            <a:extLst>
+              <a:ext uri="{FF2B5EF4-FFF2-40B4-BE49-F238E27FC236}">
+                <a16:creationId xmlns:a16="http://schemas.microsoft.com/office/drawing/2014/main" id="{DEEC6EB3-CA02-96BC-DC9B-6C4AA5ABE699}"/>
+              </a:ext>
+            </a:extLst>
+          </p:cNvPr>
+          <p:cNvSpPr/>
+          <p:nvPr/>
+        </p:nvSpPr>
+        <p:spPr>
+          <a:xfrm>
+            <a:off x="498231" y="960510"/>
+            <a:ext cx="433754" cy="388423"/>
+          </a:xfrm>
+          <a:prstGeom prst="heart">
+            <a:avLst/>
+          </a:prstGeom>
+          <a:solidFill>
+            <a:srgbClr val="FF0000"/>
+          </a:solidFill>
+        </p:spPr>
+        <p:style>
+          <a:lnRef idx="2">
+            <a:schemeClr val="accent1">
+              <a:shade val="15000"/>
+            </a:schemeClr>
+          </a:lnRef>
+          <a:fillRef idx="1">
+            <a:schemeClr val="accent1"/>
+          </a:fillRef>
+          <a:effectRef idx="0">
+            <a:schemeClr val="accent1"/>
+          </a:effectRef>
+          <a:fontRef idx="minor">
+            <a:schemeClr val="lt1"/>
+          </a:fontRef>
+        </p:style>
+        <p:txBody>
+          <a:bodyPr rtlCol="0" anchor="ctr"/>
+          <a:lstStyle/>
+          <a:p>
+            <a:pPr algn="ctr"/>
+            <a:endParaRPr lang="en-US"/>
+          </a:p>
+        </p:txBody>
+      </p:sp>
+      <p:sp>
+        <p:nvSpPr>
+          <p:cNvPr id="9" name="Rectangle: Rounded Corners 8">
+            <a:extLst>
+              <a:ext uri="{FF2B5EF4-FFF2-40B4-BE49-F238E27FC236}">
+                <a16:creationId xmlns:a16="http://schemas.microsoft.com/office/drawing/2014/main" id="{01C44EA4-67D8-E543-FD49-79EA7D6C6522}"/>
+              </a:ext>
+            </a:extLst>
+          </p:cNvPr>
+          <p:cNvSpPr/>
+          <p:nvPr/>
+        </p:nvSpPr>
+        <p:spPr>
+          <a:xfrm>
+            <a:off x="4633291" y="959728"/>
+            <a:ext cx="2846032" cy="313006"/>
+          </a:xfrm>
+          <a:prstGeom prst="roundRect">
+            <a:avLst/>
+          </a:prstGeom>
+          <a:solidFill>
+            <a:schemeClr val="accent1">
+              <a:lumMod val="60000"/>
+              <a:lumOff val="40000"/>
+            </a:schemeClr>
+          </a:solidFill>
+        </p:spPr>
+        <p:style>
+          <a:lnRef idx="2">
+            <a:schemeClr val="accent1">
+              <a:shade val="15000"/>
+            </a:schemeClr>
+          </a:lnRef>
+          <a:fillRef idx="1">
+            <a:schemeClr val="accent1"/>
+          </a:fillRef>
+          <a:effectRef idx="0">
+            <a:schemeClr val="accent1"/>
+          </a:effectRef>
+          <a:fontRef idx="minor">
+            <a:schemeClr val="lt1"/>
+          </a:fontRef>
+        </p:style>
+        <p:txBody>
+          <a:bodyPr rtlCol="0" anchor="ctr"/>
+          <a:lstStyle/>
+          <a:p>
+            <a:pPr algn="ctr"/>
+            <a:endParaRPr lang="en-US"/>
+          </a:p>
+        </p:txBody>
+      </p:sp>
+      <p:sp>
+        <p:nvSpPr>
+          <p:cNvPr id="10" name="Lightning Bolt 9">
+            <a:extLst>
+              <a:ext uri="{FF2B5EF4-FFF2-40B4-BE49-F238E27FC236}">
+                <a16:creationId xmlns:a16="http://schemas.microsoft.com/office/drawing/2014/main" id="{9B9B0593-30DB-B3DB-A6F0-062B60D4B688}"/>
+              </a:ext>
+            </a:extLst>
+          </p:cNvPr>
+          <p:cNvSpPr/>
+          <p:nvPr/>
+        </p:nvSpPr>
+        <p:spPr>
+          <a:xfrm>
+            <a:off x="4059828" y="890952"/>
+            <a:ext cx="609560" cy="527538"/>
+          </a:xfrm>
+          <a:prstGeom prst="lightningBolt">
+            <a:avLst/>
+          </a:prstGeom>
+        </p:spPr>
+        <p:style>
+          <a:lnRef idx="2">
+            <a:schemeClr val="accent1">
+              <a:shade val="15000"/>
+            </a:schemeClr>
+          </a:lnRef>
+          <a:fillRef idx="1">
+            <a:schemeClr val="accent1"/>
+          </a:fillRef>
+          <a:effectRef idx="0">
+            <a:schemeClr val="accent1"/>
+          </a:effectRef>
+          <a:fontRef idx="minor">
+            <a:schemeClr val="lt1"/>
+          </a:fontRef>
+        </p:style>
+        <p:txBody>
+          <a:bodyPr rtlCol="0" anchor="ctr"/>
+          <a:lstStyle/>
+          <a:p>
+            <a:pPr algn="ctr"/>
+            <a:endParaRPr lang="en-US"/>
+          </a:p>
+        </p:txBody>
+      </p:sp>
+      <p:sp>
+        <p:nvSpPr>
+          <p:cNvPr id="13" name="Octagon 12">
+            <a:extLst>
+              <a:ext uri="{FF2B5EF4-FFF2-40B4-BE49-F238E27FC236}">
+                <a16:creationId xmlns:a16="http://schemas.microsoft.com/office/drawing/2014/main" id="{BCC8328A-120D-3C37-8C2B-BAA04E991A8F}"/>
+              </a:ext>
+            </a:extLst>
+          </p:cNvPr>
+          <p:cNvSpPr/>
+          <p:nvPr/>
+        </p:nvSpPr>
+        <p:spPr>
+          <a:xfrm>
+            <a:off x="11120307" y="959728"/>
+            <a:ext cx="473817" cy="527538"/>
+          </a:xfrm>
+          <a:prstGeom prst="octagon">
+            <a:avLst/>
+          </a:prstGeom>
+          <a:solidFill>
+            <a:schemeClr val="bg2">
+              <a:lumMod val="75000"/>
+            </a:schemeClr>
+          </a:solidFill>
+          <a:ln w="57150"/>
+        </p:spPr>
+        <p:style>
+          <a:lnRef idx="2">
+            <a:schemeClr val="accent1">
+              <a:shade val="15000"/>
+            </a:schemeClr>
+          </a:lnRef>
+          <a:fillRef idx="1">
+            <a:schemeClr val="accent1"/>
+          </a:fillRef>
+          <a:effectRef idx="0">
+            <a:schemeClr val="accent1"/>
+          </a:effectRef>
+          <a:fontRef idx="minor">
+            <a:schemeClr val="lt1"/>
+          </a:fontRef>
+        </p:style>
+        <p:txBody>
+          <a:bodyPr rtlCol="0" anchor="ctr"/>
+          <a:lstStyle/>
+          <a:p>
+            <a:pPr algn="ctr"/>
+            <a:endParaRPr lang="en-US"/>
+          </a:p>
+        </p:txBody>
+      </p:sp>
+      <p:sp>
+        <p:nvSpPr>
+          <p:cNvPr id="14" name="Rectangle 13">
+            <a:extLst>
+              <a:ext uri="{FF2B5EF4-FFF2-40B4-BE49-F238E27FC236}">
+                <a16:creationId xmlns:a16="http://schemas.microsoft.com/office/drawing/2014/main" id="{B2B92C05-7ECE-C61D-E7BA-05D0243274BC}"/>
+              </a:ext>
+            </a:extLst>
+          </p:cNvPr>
+          <p:cNvSpPr/>
+          <p:nvPr/>
+        </p:nvSpPr>
+        <p:spPr>
+          <a:xfrm>
+            <a:off x="3411415" y="5580184"/>
+            <a:ext cx="4994028" cy="867507"/>
+          </a:xfrm>
+          <a:prstGeom prst="rect">
+            <a:avLst/>
+          </a:prstGeom>
+          <a:solidFill>
+            <a:schemeClr val="accent2">
+              <a:lumMod val="60000"/>
+              <a:lumOff val="40000"/>
+            </a:schemeClr>
+          </a:solidFill>
+        </p:spPr>
+        <p:style>
+          <a:lnRef idx="2">
+            <a:schemeClr val="accent1">
+              <a:shade val="15000"/>
+            </a:schemeClr>
+          </a:lnRef>
+          <a:fillRef idx="1">
+            <a:schemeClr val="accent1"/>
+          </a:fillRef>
+          <a:effectRef idx="0">
+            <a:schemeClr val="accent1"/>
+          </a:effectRef>
+          <a:fontRef idx="minor">
+            <a:schemeClr val="lt1"/>
+          </a:fontRef>
+        </p:style>
+        <p:txBody>
+          <a:bodyPr rtlCol="0" anchor="ctr"/>
+          <a:lstStyle/>
+          <a:p>
+            <a:pPr algn="ctr"/>
+            <a:endParaRPr lang="en-US"/>
+          </a:p>
+        </p:txBody>
+      </p:sp>
+      <p:sp>
+        <p:nvSpPr>
+          <p:cNvPr id="15" name="Rectangle: Rounded Corners 14">
+            <a:extLst>
+              <a:ext uri="{FF2B5EF4-FFF2-40B4-BE49-F238E27FC236}">
+                <a16:creationId xmlns:a16="http://schemas.microsoft.com/office/drawing/2014/main" id="{248D7BF5-65E5-7E58-6258-7D7203B84833}"/>
+              </a:ext>
+            </a:extLst>
+          </p:cNvPr>
+          <p:cNvSpPr/>
+          <p:nvPr/>
+        </p:nvSpPr>
+        <p:spPr>
+          <a:xfrm>
+            <a:off x="3428034" y="5650521"/>
+            <a:ext cx="832338" cy="797170"/>
+          </a:xfrm>
+          <a:prstGeom prst="roundRect">
+            <a:avLst/>
+          </a:prstGeom>
+          <a:solidFill>
+            <a:schemeClr val="accent2">
+              <a:lumMod val="75000"/>
+            </a:schemeClr>
+          </a:solidFill>
+        </p:spPr>
+        <p:style>
+          <a:lnRef idx="2">
+            <a:schemeClr val="accent1">
+              <a:shade val="15000"/>
+            </a:schemeClr>
+          </a:lnRef>
+          <a:fillRef idx="1">
+            <a:schemeClr val="accent1"/>
+          </a:fillRef>
+          <a:effectRef idx="0">
+            <a:schemeClr val="accent1"/>
+          </a:effectRef>
+          <a:fontRef idx="minor">
+            <a:schemeClr val="lt1"/>
+          </a:fontRef>
+        </p:style>
+        <p:txBody>
+          <a:bodyPr rtlCol="0" anchor="ctr"/>
+          <a:lstStyle/>
+          <a:p>
+            <a:pPr algn="ctr"/>
+            <a:endParaRPr lang="en-US"/>
+          </a:p>
+        </p:txBody>
+      </p:sp>
+      <p:sp>
+        <p:nvSpPr>
+          <p:cNvPr id="16" name="Rectangle: Rounded Corners 15">
+            <a:extLst>
+              <a:ext uri="{FF2B5EF4-FFF2-40B4-BE49-F238E27FC236}">
+                <a16:creationId xmlns:a16="http://schemas.microsoft.com/office/drawing/2014/main" id="{E8AD2C18-700C-0AA8-8F6C-D86E79A29D91}"/>
+              </a:ext>
+            </a:extLst>
+          </p:cNvPr>
+          <p:cNvSpPr/>
+          <p:nvPr/>
+        </p:nvSpPr>
+        <p:spPr>
+          <a:xfrm>
+            <a:off x="4260372" y="5650521"/>
+            <a:ext cx="832338" cy="797170"/>
+          </a:xfrm>
+          <a:prstGeom prst="roundRect">
+            <a:avLst/>
+          </a:prstGeom>
+          <a:solidFill>
+            <a:schemeClr val="accent2">
+              <a:lumMod val="75000"/>
+            </a:schemeClr>
+          </a:solidFill>
+        </p:spPr>
+        <p:style>
+          <a:lnRef idx="2">
+            <a:schemeClr val="accent1">
+              <a:shade val="15000"/>
+            </a:schemeClr>
+          </a:lnRef>
+          <a:fillRef idx="1">
+            <a:schemeClr val="accent1"/>
+          </a:fillRef>
+          <a:effectRef idx="0">
+            <a:schemeClr val="accent1"/>
+          </a:effectRef>
+          <a:fontRef idx="minor">
+            <a:schemeClr val="lt1"/>
+          </a:fontRef>
+        </p:style>
+        <p:txBody>
+          <a:bodyPr rtlCol="0" anchor="ctr"/>
+          <a:lstStyle/>
+          <a:p>
+            <a:pPr algn="ctr"/>
+            <a:endParaRPr lang="en-US"/>
+          </a:p>
+        </p:txBody>
+      </p:sp>
+      <p:sp>
+        <p:nvSpPr>
+          <p:cNvPr id="17" name="Rectangle: Rounded Corners 16">
+            <a:extLst>
+              <a:ext uri="{FF2B5EF4-FFF2-40B4-BE49-F238E27FC236}">
+                <a16:creationId xmlns:a16="http://schemas.microsoft.com/office/drawing/2014/main" id="{D09E61D5-364E-0B1B-586E-1D5DFC257C45}"/>
+              </a:ext>
+            </a:extLst>
+          </p:cNvPr>
+          <p:cNvSpPr/>
+          <p:nvPr/>
+        </p:nvSpPr>
+        <p:spPr>
+          <a:xfrm>
+            <a:off x="5092710" y="5650521"/>
+            <a:ext cx="832338" cy="797170"/>
+          </a:xfrm>
+          <a:prstGeom prst="roundRect">
+            <a:avLst/>
+          </a:prstGeom>
+          <a:solidFill>
+            <a:schemeClr val="accent2">
+              <a:lumMod val="75000"/>
+            </a:schemeClr>
+          </a:solidFill>
+        </p:spPr>
+        <p:style>
+          <a:lnRef idx="2">
+            <a:schemeClr val="accent1">
+              <a:shade val="15000"/>
+            </a:schemeClr>
+          </a:lnRef>
+          <a:fillRef idx="1">
+            <a:schemeClr val="accent1"/>
+          </a:fillRef>
+          <a:effectRef idx="0">
+            <a:schemeClr val="accent1"/>
+          </a:effectRef>
+          <a:fontRef idx="minor">
+            <a:schemeClr val="lt1"/>
+          </a:fontRef>
+        </p:style>
+        <p:txBody>
+          <a:bodyPr rtlCol="0" anchor="ctr"/>
+          <a:lstStyle/>
+          <a:p>
+            <a:pPr algn="ctr"/>
+            <a:endParaRPr lang="en-US"/>
+          </a:p>
+        </p:txBody>
+      </p:sp>
+      <p:sp>
+        <p:nvSpPr>
+          <p:cNvPr id="18" name="Rectangle: Rounded Corners 17">
+            <a:extLst>
+              <a:ext uri="{FF2B5EF4-FFF2-40B4-BE49-F238E27FC236}">
+                <a16:creationId xmlns:a16="http://schemas.microsoft.com/office/drawing/2014/main" id="{3F333420-58E2-246D-7782-507F4FCDADD4}"/>
+              </a:ext>
+            </a:extLst>
+          </p:cNvPr>
+          <p:cNvSpPr/>
+          <p:nvPr/>
+        </p:nvSpPr>
+        <p:spPr>
+          <a:xfrm>
+            <a:off x="5925048" y="5650521"/>
+            <a:ext cx="832338" cy="797170"/>
+          </a:xfrm>
+          <a:prstGeom prst="roundRect">
+            <a:avLst/>
+          </a:prstGeom>
+          <a:solidFill>
+            <a:schemeClr val="accent2">
+              <a:lumMod val="75000"/>
+            </a:schemeClr>
+          </a:solidFill>
+        </p:spPr>
+        <p:style>
+          <a:lnRef idx="2">
+            <a:schemeClr val="accent1">
+              <a:shade val="15000"/>
+            </a:schemeClr>
+          </a:lnRef>
+          <a:fillRef idx="1">
+            <a:schemeClr val="accent1"/>
+          </a:fillRef>
+          <a:effectRef idx="0">
+            <a:schemeClr val="accent1"/>
+          </a:effectRef>
+          <a:fontRef idx="minor">
+            <a:schemeClr val="lt1"/>
+          </a:fontRef>
+        </p:style>
+        <p:txBody>
+          <a:bodyPr rtlCol="0" anchor="ctr"/>
+          <a:lstStyle/>
+          <a:p>
+            <a:pPr algn="ctr"/>
+            <a:endParaRPr lang="en-US"/>
+          </a:p>
+        </p:txBody>
+      </p:sp>
+      <p:sp>
+        <p:nvSpPr>
+          <p:cNvPr id="19" name="Rectangle: Rounded Corners 18">
+            <a:extLst>
+              <a:ext uri="{FF2B5EF4-FFF2-40B4-BE49-F238E27FC236}">
+                <a16:creationId xmlns:a16="http://schemas.microsoft.com/office/drawing/2014/main" id="{03F5146C-BE7E-8E23-C267-A5F4883AA477}"/>
+              </a:ext>
+            </a:extLst>
+          </p:cNvPr>
+          <p:cNvSpPr/>
+          <p:nvPr/>
+        </p:nvSpPr>
+        <p:spPr>
+          <a:xfrm>
+            <a:off x="6757386" y="5650521"/>
+            <a:ext cx="832338" cy="797170"/>
+          </a:xfrm>
+          <a:prstGeom prst="roundRect">
+            <a:avLst/>
+          </a:prstGeom>
+          <a:solidFill>
+            <a:schemeClr val="accent2">
+              <a:lumMod val="75000"/>
+            </a:schemeClr>
+          </a:solidFill>
+        </p:spPr>
+        <p:style>
+          <a:lnRef idx="2">
+            <a:schemeClr val="accent1">
+              <a:shade val="15000"/>
+            </a:schemeClr>
+          </a:lnRef>
+          <a:fillRef idx="1">
+            <a:schemeClr val="accent1"/>
+          </a:fillRef>
+          <a:effectRef idx="0">
+            <a:schemeClr val="accent1"/>
+          </a:effectRef>
+          <a:fontRef idx="minor">
+            <a:schemeClr val="lt1"/>
+          </a:fontRef>
+        </p:style>
+        <p:txBody>
+          <a:bodyPr rtlCol="0" anchor="ctr"/>
+          <a:lstStyle/>
+          <a:p>
+            <a:pPr algn="ctr"/>
+            <a:endParaRPr lang="en-US"/>
+          </a:p>
+        </p:txBody>
+      </p:sp>
+      <p:sp>
+        <p:nvSpPr>
+          <p:cNvPr id="20" name="Rectangle: Rounded Corners 19">
+            <a:extLst>
+              <a:ext uri="{FF2B5EF4-FFF2-40B4-BE49-F238E27FC236}">
+                <a16:creationId xmlns:a16="http://schemas.microsoft.com/office/drawing/2014/main" id="{1C815DAF-F1D6-78CD-6543-4257175FDE5A}"/>
+              </a:ext>
+            </a:extLst>
+          </p:cNvPr>
+          <p:cNvSpPr/>
+          <p:nvPr/>
+        </p:nvSpPr>
+        <p:spPr>
+          <a:xfrm>
+            <a:off x="7589724" y="5650521"/>
+            <a:ext cx="832338" cy="797170"/>
+          </a:xfrm>
+          <a:prstGeom prst="roundRect">
+            <a:avLst/>
+          </a:prstGeom>
+          <a:solidFill>
+            <a:schemeClr val="accent2">
+              <a:lumMod val="75000"/>
+            </a:schemeClr>
+          </a:solidFill>
+        </p:spPr>
+        <p:style>
+          <a:lnRef idx="2">
+            <a:schemeClr val="accent1">
+              <a:shade val="15000"/>
+            </a:schemeClr>
+          </a:lnRef>
+          <a:fillRef idx="1">
+            <a:schemeClr val="accent1"/>
+          </a:fillRef>
+          <a:effectRef idx="0">
+            <a:schemeClr val="accent1"/>
+          </a:effectRef>
+          <a:fontRef idx="minor">
+            <a:schemeClr val="lt1"/>
+          </a:fontRef>
+        </p:style>
+        <p:txBody>
+          <a:bodyPr rtlCol="0" anchor="ctr"/>
+          <a:lstStyle/>
+          <a:p>
+            <a:pPr algn="ctr"/>
+            <a:endParaRPr lang="en-US"/>
+          </a:p>
+        </p:txBody>
+      </p:sp>
+      <p:sp>
+        <p:nvSpPr>
+          <p:cNvPr id="21" name="Smiley Face 20">
+            <a:extLst>
+              <a:ext uri="{FF2B5EF4-FFF2-40B4-BE49-F238E27FC236}">
+                <a16:creationId xmlns:a16="http://schemas.microsoft.com/office/drawing/2014/main" id="{573F533C-2A0E-2FE9-C40D-1C1553B2B2C3}"/>
+              </a:ext>
+            </a:extLst>
+          </p:cNvPr>
+          <p:cNvSpPr/>
+          <p:nvPr/>
+        </p:nvSpPr>
+        <p:spPr>
+          <a:xfrm>
+            <a:off x="7748006" y="910099"/>
+            <a:ext cx="609560" cy="519332"/>
+          </a:xfrm>
+          <a:prstGeom prst="smileyFace">
+            <a:avLst/>
+          </a:prstGeom>
+          <a:solidFill>
+            <a:schemeClr val="accent5">
+              <a:lumMod val="60000"/>
+              <a:lumOff val="40000"/>
+            </a:schemeClr>
+          </a:solidFill>
+        </p:spPr>
+        <p:style>
+          <a:lnRef idx="2">
+            <a:schemeClr val="accent1">
+              <a:shade val="15000"/>
+            </a:schemeClr>
+          </a:lnRef>
+          <a:fillRef idx="1">
+            <a:schemeClr val="accent1"/>
+          </a:fillRef>
+          <a:effectRef idx="0">
+            <a:schemeClr val="accent1"/>
+          </a:effectRef>
+          <a:fontRef idx="minor">
+            <a:schemeClr val="lt1"/>
+          </a:fontRef>
+        </p:style>
+        <p:txBody>
+          <a:bodyPr rtlCol="0" anchor="ctr"/>
+          <a:lstStyle/>
+          <a:p>
+            <a:pPr algn="ctr"/>
+            <a:endParaRPr lang="en-US"/>
+          </a:p>
+        </p:txBody>
+      </p:sp>
+      <p:sp>
+        <p:nvSpPr>
+          <p:cNvPr id="22" name="Rectangle: Rounded Corners 21">
+            <a:extLst>
+              <a:ext uri="{FF2B5EF4-FFF2-40B4-BE49-F238E27FC236}">
+                <a16:creationId xmlns:a16="http://schemas.microsoft.com/office/drawing/2014/main" id="{29FC1365-70F5-5A47-A208-920511D1BAF0}"/>
+              </a:ext>
+            </a:extLst>
+          </p:cNvPr>
+          <p:cNvSpPr/>
+          <p:nvPr/>
+        </p:nvSpPr>
+        <p:spPr>
+          <a:xfrm>
+            <a:off x="8421075" y="959728"/>
+            <a:ext cx="2434494" cy="313006"/>
+          </a:xfrm>
+          <a:prstGeom prst="roundRect">
+            <a:avLst/>
+          </a:prstGeom>
+          <a:solidFill>
+            <a:schemeClr val="accent5">
+              <a:lumMod val="60000"/>
+              <a:lumOff val="40000"/>
+            </a:schemeClr>
+          </a:solidFill>
+        </p:spPr>
+        <p:style>
+          <a:lnRef idx="2">
+            <a:schemeClr val="accent1">
+              <a:shade val="15000"/>
+            </a:schemeClr>
+          </a:lnRef>
+          <a:fillRef idx="1">
+            <a:schemeClr val="accent1"/>
+          </a:fillRef>
+          <a:effectRef idx="0">
+            <a:schemeClr val="accent1"/>
+          </a:effectRef>
+          <a:fontRef idx="minor">
+            <a:schemeClr val="lt1"/>
+          </a:fontRef>
+        </p:style>
+        <p:txBody>
+          <a:bodyPr rtlCol="0" anchor="ctr"/>
+          <a:lstStyle/>
+          <a:p>
+            <a:pPr algn="ctr"/>
+            <a:endParaRPr lang="en-US"/>
+          </a:p>
+        </p:txBody>
+      </p:sp>
+      <p:sp>
+        <p:nvSpPr>
+          <p:cNvPr id="23" name="Moon 22">
+            <a:extLst>
+              <a:ext uri="{FF2B5EF4-FFF2-40B4-BE49-F238E27FC236}">
+                <a16:creationId xmlns:a16="http://schemas.microsoft.com/office/drawing/2014/main" id="{D79B22AF-C7C2-2BE9-1EF3-8E900C8A26F1}"/>
+              </a:ext>
+            </a:extLst>
+          </p:cNvPr>
+          <p:cNvSpPr/>
+          <p:nvPr/>
+        </p:nvSpPr>
+        <p:spPr>
+          <a:xfrm rot="16200000">
+            <a:off x="7943145" y="686425"/>
+            <a:ext cx="235712" cy="574431"/>
+          </a:xfrm>
+          <a:prstGeom prst="moon">
+            <a:avLst/>
+          </a:prstGeom>
+          <a:solidFill>
+            <a:schemeClr val="accent5">
+              <a:lumMod val="60000"/>
+              <a:lumOff val="40000"/>
+            </a:schemeClr>
+          </a:solidFill>
+        </p:spPr>
+        <p:style>
+          <a:lnRef idx="2">
+            <a:schemeClr val="accent1">
+              <a:shade val="15000"/>
+            </a:schemeClr>
+          </a:lnRef>
+          <a:fillRef idx="1">
+            <a:schemeClr val="accent1"/>
+          </a:fillRef>
+          <a:effectRef idx="0">
+            <a:schemeClr val="accent1"/>
+          </a:effectRef>
+          <a:fontRef idx="minor">
+            <a:schemeClr val="lt1"/>
+          </a:fontRef>
+        </p:style>
+        <p:txBody>
+          <a:bodyPr rtlCol="0" anchor="ctr"/>
+          <a:lstStyle/>
+          <a:p>
+            <a:pPr algn="ctr"/>
+            <a:endParaRPr lang="en-US"/>
+          </a:p>
+        </p:txBody>
+      </p:sp>
+    </p:spTree>
+    <p:extLst>
+      <p:ext uri="{BB962C8B-B14F-4D97-AF65-F5344CB8AC3E}">
+        <p14:creationId xmlns:p14="http://schemas.microsoft.com/office/powerpoint/2010/main" val="44864470"/>
       </p:ext>
     </p:extLst>
   </p:cSld>

--- a/Castle Defend.pptx
+++ b/Castle Defend.pptx
@@ -17,6 +17,8 @@
     <p:sldId id="266" r:id="rId11"/>
     <p:sldId id="267" r:id="rId12"/>
     <p:sldId id="265" r:id="rId13"/>
+    <p:sldId id="269" r:id="rId14"/>
+    <p:sldId id="268" r:id="rId15"/>
   </p:sldIdLst>
   <p:sldSz cx="12192000" cy="6858000"/>
   <p:notesSz cx="6858000" cy="9144000"/>
@@ -6505,10 +6507,1124 @@
           </a:p>
         </p:txBody>
       </p:sp>
+      <p:sp>
+        <p:nvSpPr>
+          <p:cNvPr id="2" name="Multiplication Sign 1">
+            <a:extLst>
+              <a:ext uri="{FF2B5EF4-FFF2-40B4-BE49-F238E27FC236}">
+                <a16:creationId xmlns:a16="http://schemas.microsoft.com/office/drawing/2014/main" id="{F444DA72-9B8B-57CB-56B7-F6A938CCEE06}"/>
+              </a:ext>
+            </a:extLst>
+          </p:cNvPr>
+          <p:cNvSpPr/>
+          <p:nvPr/>
+        </p:nvSpPr>
+        <p:spPr>
+          <a:xfrm>
+            <a:off x="7748006" y="4850700"/>
+            <a:ext cx="832338" cy="783100"/>
+          </a:xfrm>
+          <a:prstGeom prst="mathMultiply">
+            <a:avLst/>
+          </a:prstGeom>
+          <a:solidFill>
+            <a:srgbClr val="FF0000"/>
+          </a:solidFill>
+        </p:spPr>
+        <p:style>
+          <a:lnRef idx="2">
+            <a:schemeClr val="accent1">
+              <a:shade val="15000"/>
+            </a:schemeClr>
+          </a:lnRef>
+          <a:fillRef idx="1">
+            <a:schemeClr val="accent1"/>
+          </a:fillRef>
+          <a:effectRef idx="0">
+            <a:schemeClr val="accent1"/>
+          </a:effectRef>
+          <a:fontRef idx="minor">
+            <a:schemeClr val="lt1"/>
+          </a:fontRef>
+        </p:style>
+        <p:txBody>
+          <a:bodyPr rtlCol="0" anchor="ctr"/>
+          <a:lstStyle/>
+          <a:p>
+            <a:pPr algn="ctr"/>
+            <a:endParaRPr lang="en-US">
+              <a:solidFill>
+                <a:sysClr val="windowText" lastClr="000000"/>
+              </a:solidFill>
+            </a:endParaRPr>
+          </a:p>
+        </p:txBody>
+      </p:sp>
     </p:spTree>
     <p:extLst>
       <p:ext uri="{BB962C8B-B14F-4D97-AF65-F5344CB8AC3E}">
         <p14:creationId xmlns:p14="http://schemas.microsoft.com/office/powerpoint/2010/main" val="44864470"/>
+      </p:ext>
+    </p:extLst>
+  </p:cSld>
+  <p:clrMapOvr>
+    <a:masterClrMapping/>
+  </p:clrMapOvr>
+</p:sld>
+</file>
+
+<file path=ppt/slides/slide13.xml><?xml version="1.0" encoding="utf-8"?>
+<p:sld xmlns:a="http://schemas.openxmlformats.org/drawingml/2006/main" xmlns:r="http://schemas.openxmlformats.org/officeDocument/2006/relationships" xmlns:p="http://schemas.openxmlformats.org/presentationml/2006/main">
+  <p:cSld>
+    <p:spTree>
+      <p:nvGrpSpPr>
+        <p:cNvPr id="1" name=""/>
+        <p:cNvGrpSpPr/>
+        <p:nvPr/>
+      </p:nvGrpSpPr>
+      <p:grpSpPr>
+        <a:xfrm>
+          <a:off x="0" y="0"/>
+          <a:ext cx="0" cy="0"/>
+          <a:chOff x="0" y="0"/>
+          <a:chExt cx="0" cy="0"/>
+        </a:xfrm>
+      </p:grpSpPr>
+      <p:sp>
+        <p:nvSpPr>
+          <p:cNvPr id="3" name="TextBox 2">
+            <a:extLst>
+              <a:ext uri="{FF2B5EF4-FFF2-40B4-BE49-F238E27FC236}">
+                <a16:creationId xmlns:a16="http://schemas.microsoft.com/office/drawing/2014/main" id="{AC9B76EC-4385-9952-52FC-4CC9C4F2822B}"/>
+              </a:ext>
+            </a:extLst>
+          </p:cNvPr>
+          <p:cNvSpPr txBox="1"/>
+          <p:nvPr/>
+        </p:nvSpPr>
+        <p:spPr>
+          <a:xfrm>
+            <a:off x="4651699" y="0"/>
+            <a:ext cx="2876878" cy="646331"/>
+          </a:xfrm>
+          <a:prstGeom prst="rect">
+            <a:avLst/>
+          </a:prstGeom>
+          <a:noFill/>
+        </p:spPr>
+        <p:txBody>
+          <a:bodyPr wrap="none" rtlCol="0">
+            <a:spAutoFit/>
+          </a:bodyPr>
+          <a:lstStyle/>
+          <a:p>
+            <a:r>
+              <a:rPr lang="en-US" sz="3600" b="1"/>
+              <a:t>GUI - Ingame</a:t>
+            </a:r>
+            <a:endParaRPr lang="en-US" sz="3600" b="1" dirty="0"/>
+          </a:p>
+        </p:txBody>
+      </p:sp>
+      <p:sp>
+        <p:nvSpPr>
+          <p:cNvPr id="5" name="Rectangle 4">
+            <a:extLst>
+              <a:ext uri="{FF2B5EF4-FFF2-40B4-BE49-F238E27FC236}">
+                <a16:creationId xmlns:a16="http://schemas.microsoft.com/office/drawing/2014/main" id="{470A67A0-B837-3462-FA88-EBC38B71C0C1}"/>
+              </a:ext>
+            </a:extLst>
+          </p:cNvPr>
+          <p:cNvSpPr/>
+          <p:nvPr/>
+        </p:nvSpPr>
+        <p:spPr>
+          <a:xfrm>
+            <a:off x="433754" y="855785"/>
+            <a:ext cx="11312769" cy="5591907"/>
+          </a:xfrm>
+          <a:prstGeom prst="rect">
+            <a:avLst/>
+          </a:prstGeom>
+          <a:solidFill>
+            <a:schemeClr val="accent1">
+              <a:lumMod val="20000"/>
+              <a:lumOff val="80000"/>
+            </a:schemeClr>
+          </a:solidFill>
+        </p:spPr>
+        <p:style>
+          <a:lnRef idx="2">
+            <a:schemeClr val="accent1">
+              <a:shade val="15000"/>
+            </a:schemeClr>
+          </a:lnRef>
+          <a:fillRef idx="1">
+            <a:schemeClr val="accent1"/>
+          </a:fillRef>
+          <a:effectRef idx="0">
+            <a:schemeClr val="accent1"/>
+          </a:effectRef>
+          <a:fontRef idx="minor">
+            <a:schemeClr val="lt1"/>
+          </a:fontRef>
+        </p:style>
+        <p:txBody>
+          <a:bodyPr rtlCol="0" anchor="ctr"/>
+          <a:lstStyle/>
+          <a:p>
+            <a:pPr algn="ctr"/>
+            <a:endParaRPr lang="en-US"/>
+          </a:p>
+        </p:txBody>
+      </p:sp>
+      <p:sp>
+        <p:nvSpPr>
+          <p:cNvPr id="7" name="Rectangle: Rounded Corners 6">
+            <a:extLst>
+              <a:ext uri="{FF2B5EF4-FFF2-40B4-BE49-F238E27FC236}">
+                <a16:creationId xmlns:a16="http://schemas.microsoft.com/office/drawing/2014/main" id="{2E0BABAA-6358-C28E-2043-13C8E0E6C3B1}"/>
+              </a:ext>
+            </a:extLst>
+          </p:cNvPr>
+          <p:cNvSpPr/>
+          <p:nvPr/>
+        </p:nvSpPr>
+        <p:spPr>
+          <a:xfrm>
+            <a:off x="996462" y="959728"/>
+            <a:ext cx="2731476" cy="313006"/>
+          </a:xfrm>
+          <a:prstGeom prst="roundRect">
+            <a:avLst/>
+          </a:prstGeom>
+          <a:solidFill>
+            <a:srgbClr val="FF0000"/>
+          </a:solidFill>
+        </p:spPr>
+        <p:style>
+          <a:lnRef idx="2">
+            <a:schemeClr val="accent1">
+              <a:shade val="15000"/>
+            </a:schemeClr>
+          </a:lnRef>
+          <a:fillRef idx="1">
+            <a:schemeClr val="accent1"/>
+          </a:fillRef>
+          <a:effectRef idx="0">
+            <a:schemeClr val="accent1"/>
+          </a:effectRef>
+          <a:fontRef idx="minor">
+            <a:schemeClr val="lt1"/>
+          </a:fontRef>
+        </p:style>
+        <p:txBody>
+          <a:bodyPr rtlCol="0" anchor="ctr"/>
+          <a:lstStyle/>
+          <a:p>
+            <a:pPr algn="ctr"/>
+            <a:endParaRPr lang="en-US"/>
+          </a:p>
+        </p:txBody>
+      </p:sp>
+      <p:sp>
+        <p:nvSpPr>
+          <p:cNvPr id="8" name="Heart 7">
+            <a:extLst>
+              <a:ext uri="{FF2B5EF4-FFF2-40B4-BE49-F238E27FC236}">
+                <a16:creationId xmlns:a16="http://schemas.microsoft.com/office/drawing/2014/main" id="{DEEC6EB3-CA02-96BC-DC9B-6C4AA5ABE699}"/>
+              </a:ext>
+            </a:extLst>
+          </p:cNvPr>
+          <p:cNvSpPr/>
+          <p:nvPr/>
+        </p:nvSpPr>
+        <p:spPr>
+          <a:xfrm>
+            <a:off x="498231" y="960510"/>
+            <a:ext cx="433754" cy="388423"/>
+          </a:xfrm>
+          <a:prstGeom prst="heart">
+            <a:avLst/>
+          </a:prstGeom>
+          <a:solidFill>
+            <a:srgbClr val="FF0000"/>
+          </a:solidFill>
+        </p:spPr>
+        <p:style>
+          <a:lnRef idx="2">
+            <a:schemeClr val="accent1">
+              <a:shade val="15000"/>
+            </a:schemeClr>
+          </a:lnRef>
+          <a:fillRef idx="1">
+            <a:schemeClr val="accent1"/>
+          </a:fillRef>
+          <a:effectRef idx="0">
+            <a:schemeClr val="accent1"/>
+          </a:effectRef>
+          <a:fontRef idx="minor">
+            <a:schemeClr val="lt1"/>
+          </a:fontRef>
+        </p:style>
+        <p:txBody>
+          <a:bodyPr rtlCol="0" anchor="ctr"/>
+          <a:lstStyle/>
+          <a:p>
+            <a:pPr algn="ctr"/>
+            <a:endParaRPr lang="en-US"/>
+          </a:p>
+        </p:txBody>
+      </p:sp>
+      <p:sp>
+        <p:nvSpPr>
+          <p:cNvPr id="9" name="Rectangle: Rounded Corners 8">
+            <a:extLst>
+              <a:ext uri="{FF2B5EF4-FFF2-40B4-BE49-F238E27FC236}">
+                <a16:creationId xmlns:a16="http://schemas.microsoft.com/office/drawing/2014/main" id="{01C44EA4-67D8-E543-FD49-79EA7D6C6522}"/>
+              </a:ext>
+            </a:extLst>
+          </p:cNvPr>
+          <p:cNvSpPr/>
+          <p:nvPr/>
+        </p:nvSpPr>
+        <p:spPr>
+          <a:xfrm>
+            <a:off x="4633291" y="959728"/>
+            <a:ext cx="2846032" cy="313006"/>
+          </a:xfrm>
+          <a:prstGeom prst="roundRect">
+            <a:avLst/>
+          </a:prstGeom>
+          <a:solidFill>
+            <a:schemeClr val="accent1">
+              <a:lumMod val="60000"/>
+              <a:lumOff val="40000"/>
+            </a:schemeClr>
+          </a:solidFill>
+        </p:spPr>
+        <p:style>
+          <a:lnRef idx="2">
+            <a:schemeClr val="accent1">
+              <a:shade val="15000"/>
+            </a:schemeClr>
+          </a:lnRef>
+          <a:fillRef idx="1">
+            <a:schemeClr val="accent1"/>
+          </a:fillRef>
+          <a:effectRef idx="0">
+            <a:schemeClr val="accent1"/>
+          </a:effectRef>
+          <a:fontRef idx="minor">
+            <a:schemeClr val="lt1"/>
+          </a:fontRef>
+        </p:style>
+        <p:txBody>
+          <a:bodyPr rtlCol="0" anchor="ctr"/>
+          <a:lstStyle/>
+          <a:p>
+            <a:pPr algn="ctr"/>
+            <a:endParaRPr lang="en-US"/>
+          </a:p>
+        </p:txBody>
+      </p:sp>
+      <p:sp>
+        <p:nvSpPr>
+          <p:cNvPr id="10" name="Lightning Bolt 9">
+            <a:extLst>
+              <a:ext uri="{FF2B5EF4-FFF2-40B4-BE49-F238E27FC236}">
+                <a16:creationId xmlns:a16="http://schemas.microsoft.com/office/drawing/2014/main" id="{9B9B0593-30DB-B3DB-A6F0-062B60D4B688}"/>
+              </a:ext>
+            </a:extLst>
+          </p:cNvPr>
+          <p:cNvSpPr/>
+          <p:nvPr/>
+        </p:nvSpPr>
+        <p:spPr>
+          <a:xfrm>
+            <a:off x="4059828" y="890952"/>
+            <a:ext cx="609560" cy="527538"/>
+          </a:xfrm>
+          <a:prstGeom prst="lightningBolt">
+            <a:avLst/>
+          </a:prstGeom>
+        </p:spPr>
+        <p:style>
+          <a:lnRef idx="2">
+            <a:schemeClr val="accent1">
+              <a:shade val="15000"/>
+            </a:schemeClr>
+          </a:lnRef>
+          <a:fillRef idx="1">
+            <a:schemeClr val="accent1"/>
+          </a:fillRef>
+          <a:effectRef idx="0">
+            <a:schemeClr val="accent1"/>
+          </a:effectRef>
+          <a:fontRef idx="minor">
+            <a:schemeClr val="lt1"/>
+          </a:fontRef>
+        </p:style>
+        <p:txBody>
+          <a:bodyPr rtlCol="0" anchor="ctr"/>
+          <a:lstStyle/>
+          <a:p>
+            <a:pPr algn="ctr"/>
+            <a:endParaRPr lang="en-US"/>
+          </a:p>
+        </p:txBody>
+      </p:sp>
+      <p:sp>
+        <p:nvSpPr>
+          <p:cNvPr id="13" name="Octagon 12">
+            <a:extLst>
+              <a:ext uri="{FF2B5EF4-FFF2-40B4-BE49-F238E27FC236}">
+                <a16:creationId xmlns:a16="http://schemas.microsoft.com/office/drawing/2014/main" id="{BCC8328A-120D-3C37-8C2B-BAA04E991A8F}"/>
+              </a:ext>
+            </a:extLst>
+          </p:cNvPr>
+          <p:cNvSpPr/>
+          <p:nvPr/>
+        </p:nvSpPr>
+        <p:spPr>
+          <a:xfrm>
+            <a:off x="11120307" y="959728"/>
+            <a:ext cx="473817" cy="527538"/>
+          </a:xfrm>
+          <a:prstGeom prst="octagon">
+            <a:avLst/>
+          </a:prstGeom>
+          <a:solidFill>
+            <a:schemeClr val="bg2">
+              <a:lumMod val="75000"/>
+            </a:schemeClr>
+          </a:solidFill>
+          <a:ln w="57150"/>
+        </p:spPr>
+        <p:style>
+          <a:lnRef idx="2">
+            <a:schemeClr val="accent1">
+              <a:shade val="15000"/>
+            </a:schemeClr>
+          </a:lnRef>
+          <a:fillRef idx="1">
+            <a:schemeClr val="accent1"/>
+          </a:fillRef>
+          <a:effectRef idx="0">
+            <a:schemeClr val="accent1"/>
+          </a:effectRef>
+          <a:fontRef idx="minor">
+            <a:schemeClr val="lt1"/>
+          </a:fontRef>
+        </p:style>
+        <p:txBody>
+          <a:bodyPr rtlCol="0" anchor="ctr"/>
+          <a:lstStyle/>
+          <a:p>
+            <a:pPr algn="ctr"/>
+            <a:endParaRPr lang="en-US"/>
+          </a:p>
+        </p:txBody>
+      </p:sp>
+      <p:sp>
+        <p:nvSpPr>
+          <p:cNvPr id="14" name="Rectangle 13">
+            <a:extLst>
+              <a:ext uri="{FF2B5EF4-FFF2-40B4-BE49-F238E27FC236}">
+                <a16:creationId xmlns:a16="http://schemas.microsoft.com/office/drawing/2014/main" id="{B2B92C05-7ECE-C61D-E7BA-05D0243274BC}"/>
+              </a:ext>
+            </a:extLst>
+          </p:cNvPr>
+          <p:cNvSpPr/>
+          <p:nvPr/>
+        </p:nvSpPr>
+        <p:spPr>
+          <a:xfrm>
+            <a:off x="3411415" y="5580184"/>
+            <a:ext cx="4994028" cy="867507"/>
+          </a:xfrm>
+          <a:prstGeom prst="rect">
+            <a:avLst/>
+          </a:prstGeom>
+          <a:solidFill>
+            <a:schemeClr val="accent2">
+              <a:lumMod val="60000"/>
+              <a:lumOff val="40000"/>
+            </a:schemeClr>
+          </a:solidFill>
+        </p:spPr>
+        <p:style>
+          <a:lnRef idx="2">
+            <a:schemeClr val="accent1">
+              <a:shade val="15000"/>
+            </a:schemeClr>
+          </a:lnRef>
+          <a:fillRef idx="1">
+            <a:schemeClr val="accent1"/>
+          </a:fillRef>
+          <a:effectRef idx="0">
+            <a:schemeClr val="accent1"/>
+          </a:effectRef>
+          <a:fontRef idx="minor">
+            <a:schemeClr val="lt1"/>
+          </a:fontRef>
+        </p:style>
+        <p:txBody>
+          <a:bodyPr rtlCol="0" anchor="ctr"/>
+          <a:lstStyle/>
+          <a:p>
+            <a:pPr algn="ctr"/>
+            <a:endParaRPr lang="en-US"/>
+          </a:p>
+        </p:txBody>
+      </p:sp>
+      <p:sp>
+        <p:nvSpPr>
+          <p:cNvPr id="15" name="Rectangle: Rounded Corners 14">
+            <a:extLst>
+              <a:ext uri="{FF2B5EF4-FFF2-40B4-BE49-F238E27FC236}">
+                <a16:creationId xmlns:a16="http://schemas.microsoft.com/office/drawing/2014/main" id="{248D7BF5-65E5-7E58-6258-7D7203B84833}"/>
+              </a:ext>
+            </a:extLst>
+          </p:cNvPr>
+          <p:cNvSpPr/>
+          <p:nvPr/>
+        </p:nvSpPr>
+        <p:spPr>
+          <a:xfrm>
+            <a:off x="3428034" y="5650521"/>
+            <a:ext cx="832338" cy="797170"/>
+          </a:xfrm>
+          <a:prstGeom prst="roundRect">
+            <a:avLst/>
+          </a:prstGeom>
+          <a:solidFill>
+            <a:schemeClr val="accent2">
+              <a:lumMod val="75000"/>
+            </a:schemeClr>
+          </a:solidFill>
+        </p:spPr>
+        <p:style>
+          <a:lnRef idx="2">
+            <a:schemeClr val="accent1">
+              <a:shade val="15000"/>
+            </a:schemeClr>
+          </a:lnRef>
+          <a:fillRef idx="1">
+            <a:schemeClr val="accent1"/>
+          </a:fillRef>
+          <a:effectRef idx="0">
+            <a:schemeClr val="accent1"/>
+          </a:effectRef>
+          <a:fontRef idx="minor">
+            <a:schemeClr val="lt1"/>
+          </a:fontRef>
+        </p:style>
+        <p:txBody>
+          <a:bodyPr rtlCol="0" anchor="ctr"/>
+          <a:lstStyle/>
+          <a:p>
+            <a:pPr algn="ctr"/>
+            <a:endParaRPr lang="en-US"/>
+          </a:p>
+        </p:txBody>
+      </p:sp>
+      <p:sp>
+        <p:nvSpPr>
+          <p:cNvPr id="16" name="Rectangle: Rounded Corners 15">
+            <a:extLst>
+              <a:ext uri="{FF2B5EF4-FFF2-40B4-BE49-F238E27FC236}">
+                <a16:creationId xmlns:a16="http://schemas.microsoft.com/office/drawing/2014/main" id="{E8AD2C18-700C-0AA8-8F6C-D86E79A29D91}"/>
+              </a:ext>
+            </a:extLst>
+          </p:cNvPr>
+          <p:cNvSpPr/>
+          <p:nvPr/>
+        </p:nvSpPr>
+        <p:spPr>
+          <a:xfrm>
+            <a:off x="4260372" y="5650521"/>
+            <a:ext cx="832338" cy="797170"/>
+          </a:xfrm>
+          <a:prstGeom prst="roundRect">
+            <a:avLst/>
+          </a:prstGeom>
+          <a:solidFill>
+            <a:schemeClr val="accent2">
+              <a:lumMod val="75000"/>
+            </a:schemeClr>
+          </a:solidFill>
+        </p:spPr>
+        <p:style>
+          <a:lnRef idx="2">
+            <a:schemeClr val="accent1">
+              <a:shade val="15000"/>
+            </a:schemeClr>
+          </a:lnRef>
+          <a:fillRef idx="1">
+            <a:schemeClr val="accent1"/>
+          </a:fillRef>
+          <a:effectRef idx="0">
+            <a:schemeClr val="accent1"/>
+          </a:effectRef>
+          <a:fontRef idx="minor">
+            <a:schemeClr val="lt1"/>
+          </a:fontRef>
+        </p:style>
+        <p:txBody>
+          <a:bodyPr rtlCol="0" anchor="ctr"/>
+          <a:lstStyle/>
+          <a:p>
+            <a:pPr algn="ctr"/>
+            <a:endParaRPr lang="en-US"/>
+          </a:p>
+        </p:txBody>
+      </p:sp>
+      <p:sp>
+        <p:nvSpPr>
+          <p:cNvPr id="17" name="Rectangle: Rounded Corners 16">
+            <a:extLst>
+              <a:ext uri="{FF2B5EF4-FFF2-40B4-BE49-F238E27FC236}">
+                <a16:creationId xmlns:a16="http://schemas.microsoft.com/office/drawing/2014/main" id="{D09E61D5-364E-0B1B-586E-1D5DFC257C45}"/>
+              </a:ext>
+            </a:extLst>
+          </p:cNvPr>
+          <p:cNvSpPr/>
+          <p:nvPr/>
+        </p:nvSpPr>
+        <p:spPr>
+          <a:xfrm>
+            <a:off x="5092710" y="5650521"/>
+            <a:ext cx="832338" cy="797170"/>
+          </a:xfrm>
+          <a:prstGeom prst="roundRect">
+            <a:avLst/>
+          </a:prstGeom>
+          <a:solidFill>
+            <a:schemeClr val="accent2">
+              <a:lumMod val="75000"/>
+            </a:schemeClr>
+          </a:solidFill>
+        </p:spPr>
+        <p:style>
+          <a:lnRef idx="2">
+            <a:schemeClr val="accent1">
+              <a:shade val="15000"/>
+            </a:schemeClr>
+          </a:lnRef>
+          <a:fillRef idx="1">
+            <a:schemeClr val="accent1"/>
+          </a:fillRef>
+          <a:effectRef idx="0">
+            <a:schemeClr val="accent1"/>
+          </a:effectRef>
+          <a:fontRef idx="minor">
+            <a:schemeClr val="lt1"/>
+          </a:fontRef>
+        </p:style>
+        <p:txBody>
+          <a:bodyPr rtlCol="0" anchor="ctr"/>
+          <a:lstStyle/>
+          <a:p>
+            <a:pPr algn="ctr"/>
+            <a:endParaRPr lang="en-US"/>
+          </a:p>
+        </p:txBody>
+      </p:sp>
+      <p:sp>
+        <p:nvSpPr>
+          <p:cNvPr id="18" name="Rectangle: Rounded Corners 17">
+            <a:extLst>
+              <a:ext uri="{FF2B5EF4-FFF2-40B4-BE49-F238E27FC236}">
+                <a16:creationId xmlns:a16="http://schemas.microsoft.com/office/drawing/2014/main" id="{3F333420-58E2-246D-7782-507F4FCDADD4}"/>
+              </a:ext>
+            </a:extLst>
+          </p:cNvPr>
+          <p:cNvSpPr/>
+          <p:nvPr/>
+        </p:nvSpPr>
+        <p:spPr>
+          <a:xfrm>
+            <a:off x="5925048" y="5650521"/>
+            <a:ext cx="832338" cy="797170"/>
+          </a:xfrm>
+          <a:prstGeom prst="roundRect">
+            <a:avLst/>
+          </a:prstGeom>
+          <a:solidFill>
+            <a:schemeClr val="accent2">
+              <a:lumMod val="75000"/>
+            </a:schemeClr>
+          </a:solidFill>
+        </p:spPr>
+        <p:style>
+          <a:lnRef idx="2">
+            <a:schemeClr val="accent1">
+              <a:shade val="15000"/>
+            </a:schemeClr>
+          </a:lnRef>
+          <a:fillRef idx="1">
+            <a:schemeClr val="accent1"/>
+          </a:fillRef>
+          <a:effectRef idx="0">
+            <a:schemeClr val="accent1"/>
+          </a:effectRef>
+          <a:fontRef idx="minor">
+            <a:schemeClr val="lt1"/>
+          </a:fontRef>
+        </p:style>
+        <p:txBody>
+          <a:bodyPr rtlCol="0" anchor="ctr"/>
+          <a:lstStyle/>
+          <a:p>
+            <a:pPr algn="ctr"/>
+            <a:endParaRPr lang="en-US"/>
+          </a:p>
+        </p:txBody>
+      </p:sp>
+      <p:sp>
+        <p:nvSpPr>
+          <p:cNvPr id="19" name="Rectangle: Rounded Corners 18">
+            <a:extLst>
+              <a:ext uri="{FF2B5EF4-FFF2-40B4-BE49-F238E27FC236}">
+                <a16:creationId xmlns:a16="http://schemas.microsoft.com/office/drawing/2014/main" id="{03F5146C-BE7E-8E23-C267-A5F4883AA477}"/>
+              </a:ext>
+            </a:extLst>
+          </p:cNvPr>
+          <p:cNvSpPr/>
+          <p:nvPr/>
+        </p:nvSpPr>
+        <p:spPr>
+          <a:xfrm>
+            <a:off x="6757386" y="5650521"/>
+            <a:ext cx="832338" cy="797170"/>
+          </a:xfrm>
+          <a:prstGeom prst="roundRect">
+            <a:avLst/>
+          </a:prstGeom>
+          <a:solidFill>
+            <a:schemeClr val="accent2">
+              <a:lumMod val="75000"/>
+            </a:schemeClr>
+          </a:solidFill>
+        </p:spPr>
+        <p:style>
+          <a:lnRef idx="2">
+            <a:schemeClr val="accent1">
+              <a:shade val="15000"/>
+            </a:schemeClr>
+          </a:lnRef>
+          <a:fillRef idx="1">
+            <a:schemeClr val="accent1"/>
+          </a:fillRef>
+          <a:effectRef idx="0">
+            <a:schemeClr val="accent1"/>
+          </a:effectRef>
+          <a:fontRef idx="minor">
+            <a:schemeClr val="lt1"/>
+          </a:fontRef>
+        </p:style>
+        <p:txBody>
+          <a:bodyPr rtlCol="0" anchor="ctr"/>
+          <a:lstStyle/>
+          <a:p>
+            <a:pPr algn="ctr"/>
+            <a:endParaRPr lang="en-US"/>
+          </a:p>
+        </p:txBody>
+      </p:sp>
+      <p:sp>
+        <p:nvSpPr>
+          <p:cNvPr id="20" name="Rectangle: Rounded Corners 19">
+            <a:extLst>
+              <a:ext uri="{FF2B5EF4-FFF2-40B4-BE49-F238E27FC236}">
+                <a16:creationId xmlns:a16="http://schemas.microsoft.com/office/drawing/2014/main" id="{1C815DAF-F1D6-78CD-6543-4257175FDE5A}"/>
+              </a:ext>
+            </a:extLst>
+          </p:cNvPr>
+          <p:cNvSpPr/>
+          <p:nvPr/>
+        </p:nvSpPr>
+        <p:spPr>
+          <a:xfrm>
+            <a:off x="7589724" y="5650521"/>
+            <a:ext cx="832338" cy="797170"/>
+          </a:xfrm>
+          <a:prstGeom prst="roundRect">
+            <a:avLst/>
+          </a:prstGeom>
+          <a:solidFill>
+            <a:schemeClr val="accent2">
+              <a:lumMod val="75000"/>
+            </a:schemeClr>
+          </a:solidFill>
+        </p:spPr>
+        <p:style>
+          <a:lnRef idx="2">
+            <a:schemeClr val="accent1">
+              <a:shade val="15000"/>
+            </a:schemeClr>
+          </a:lnRef>
+          <a:fillRef idx="1">
+            <a:schemeClr val="accent1"/>
+          </a:fillRef>
+          <a:effectRef idx="0">
+            <a:schemeClr val="accent1"/>
+          </a:effectRef>
+          <a:fontRef idx="minor">
+            <a:schemeClr val="lt1"/>
+          </a:fontRef>
+        </p:style>
+        <p:txBody>
+          <a:bodyPr rtlCol="0" anchor="ctr"/>
+          <a:lstStyle/>
+          <a:p>
+            <a:pPr algn="ctr"/>
+            <a:endParaRPr lang="en-US"/>
+          </a:p>
+        </p:txBody>
+      </p:sp>
+      <p:sp>
+        <p:nvSpPr>
+          <p:cNvPr id="21" name="Smiley Face 20">
+            <a:extLst>
+              <a:ext uri="{FF2B5EF4-FFF2-40B4-BE49-F238E27FC236}">
+                <a16:creationId xmlns:a16="http://schemas.microsoft.com/office/drawing/2014/main" id="{573F533C-2A0E-2FE9-C40D-1C1553B2B2C3}"/>
+              </a:ext>
+            </a:extLst>
+          </p:cNvPr>
+          <p:cNvSpPr/>
+          <p:nvPr/>
+        </p:nvSpPr>
+        <p:spPr>
+          <a:xfrm>
+            <a:off x="7748006" y="910099"/>
+            <a:ext cx="609560" cy="519332"/>
+          </a:xfrm>
+          <a:prstGeom prst="smileyFace">
+            <a:avLst/>
+          </a:prstGeom>
+          <a:solidFill>
+            <a:schemeClr val="accent5">
+              <a:lumMod val="60000"/>
+              <a:lumOff val="40000"/>
+            </a:schemeClr>
+          </a:solidFill>
+        </p:spPr>
+        <p:style>
+          <a:lnRef idx="2">
+            <a:schemeClr val="accent1">
+              <a:shade val="15000"/>
+            </a:schemeClr>
+          </a:lnRef>
+          <a:fillRef idx="1">
+            <a:schemeClr val="accent1"/>
+          </a:fillRef>
+          <a:effectRef idx="0">
+            <a:schemeClr val="accent1"/>
+          </a:effectRef>
+          <a:fontRef idx="minor">
+            <a:schemeClr val="lt1"/>
+          </a:fontRef>
+        </p:style>
+        <p:txBody>
+          <a:bodyPr rtlCol="0" anchor="ctr"/>
+          <a:lstStyle/>
+          <a:p>
+            <a:pPr algn="ctr"/>
+            <a:endParaRPr lang="en-US"/>
+          </a:p>
+        </p:txBody>
+      </p:sp>
+      <p:sp>
+        <p:nvSpPr>
+          <p:cNvPr id="22" name="Rectangle: Rounded Corners 21">
+            <a:extLst>
+              <a:ext uri="{FF2B5EF4-FFF2-40B4-BE49-F238E27FC236}">
+                <a16:creationId xmlns:a16="http://schemas.microsoft.com/office/drawing/2014/main" id="{29FC1365-70F5-5A47-A208-920511D1BAF0}"/>
+              </a:ext>
+            </a:extLst>
+          </p:cNvPr>
+          <p:cNvSpPr/>
+          <p:nvPr/>
+        </p:nvSpPr>
+        <p:spPr>
+          <a:xfrm>
+            <a:off x="8421075" y="959728"/>
+            <a:ext cx="2434494" cy="313006"/>
+          </a:xfrm>
+          <a:prstGeom prst="roundRect">
+            <a:avLst/>
+          </a:prstGeom>
+          <a:solidFill>
+            <a:schemeClr val="accent5">
+              <a:lumMod val="60000"/>
+              <a:lumOff val="40000"/>
+            </a:schemeClr>
+          </a:solidFill>
+        </p:spPr>
+        <p:style>
+          <a:lnRef idx="2">
+            <a:schemeClr val="accent1">
+              <a:shade val="15000"/>
+            </a:schemeClr>
+          </a:lnRef>
+          <a:fillRef idx="1">
+            <a:schemeClr val="accent1"/>
+          </a:fillRef>
+          <a:effectRef idx="0">
+            <a:schemeClr val="accent1"/>
+          </a:effectRef>
+          <a:fontRef idx="minor">
+            <a:schemeClr val="lt1"/>
+          </a:fontRef>
+        </p:style>
+        <p:txBody>
+          <a:bodyPr rtlCol="0" anchor="ctr"/>
+          <a:lstStyle/>
+          <a:p>
+            <a:pPr algn="ctr"/>
+            <a:endParaRPr lang="en-US"/>
+          </a:p>
+        </p:txBody>
+      </p:sp>
+      <p:sp>
+        <p:nvSpPr>
+          <p:cNvPr id="23" name="Moon 22">
+            <a:extLst>
+              <a:ext uri="{FF2B5EF4-FFF2-40B4-BE49-F238E27FC236}">
+                <a16:creationId xmlns:a16="http://schemas.microsoft.com/office/drawing/2014/main" id="{D79B22AF-C7C2-2BE9-1EF3-8E900C8A26F1}"/>
+              </a:ext>
+            </a:extLst>
+          </p:cNvPr>
+          <p:cNvSpPr/>
+          <p:nvPr/>
+        </p:nvSpPr>
+        <p:spPr>
+          <a:xfrm rot="16200000">
+            <a:off x="7943145" y="686425"/>
+            <a:ext cx="235712" cy="574431"/>
+          </a:xfrm>
+          <a:prstGeom prst="moon">
+            <a:avLst/>
+          </a:prstGeom>
+          <a:solidFill>
+            <a:schemeClr val="accent5">
+              <a:lumMod val="60000"/>
+              <a:lumOff val="40000"/>
+            </a:schemeClr>
+          </a:solidFill>
+        </p:spPr>
+        <p:style>
+          <a:lnRef idx="2">
+            <a:schemeClr val="accent1">
+              <a:shade val="15000"/>
+            </a:schemeClr>
+          </a:lnRef>
+          <a:fillRef idx="1">
+            <a:schemeClr val="accent1"/>
+          </a:fillRef>
+          <a:effectRef idx="0">
+            <a:schemeClr val="accent1"/>
+          </a:effectRef>
+          <a:fontRef idx="minor">
+            <a:schemeClr val="lt1"/>
+          </a:fontRef>
+        </p:style>
+        <p:txBody>
+          <a:bodyPr rtlCol="0" anchor="ctr"/>
+          <a:lstStyle/>
+          <a:p>
+            <a:pPr algn="ctr"/>
+            <a:endParaRPr lang="en-US"/>
+          </a:p>
+        </p:txBody>
+      </p:sp>
+      <p:sp>
+        <p:nvSpPr>
+          <p:cNvPr id="2" name="Multiplication Sign 1">
+            <a:extLst>
+              <a:ext uri="{FF2B5EF4-FFF2-40B4-BE49-F238E27FC236}">
+                <a16:creationId xmlns:a16="http://schemas.microsoft.com/office/drawing/2014/main" id="{F444DA72-9B8B-57CB-56B7-F6A938CCEE06}"/>
+              </a:ext>
+            </a:extLst>
+          </p:cNvPr>
+          <p:cNvSpPr/>
+          <p:nvPr/>
+        </p:nvSpPr>
+        <p:spPr>
+          <a:xfrm>
+            <a:off x="7748006" y="4850700"/>
+            <a:ext cx="832338" cy="783100"/>
+          </a:xfrm>
+          <a:prstGeom prst="mathMultiply">
+            <a:avLst/>
+          </a:prstGeom>
+          <a:solidFill>
+            <a:srgbClr val="FF0000"/>
+          </a:solidFill>
+        </p:spPr>
+        <p:style>
+          <a:lnRef idx="2">
+            <a:schemeClr val="accent1">
+              <a:shade val="15000"/>
+            </a:schemeClr>
+          </a:lnRef>
+          <a:fillRef idx="1">
+            <a:schemeClr val="accent1"/>
+          </a:fillRef>
+          <a:effectRef idx="0">
+            <a:schemeClr val="accent1"/>
+          </a:effectRef>
+          <a:fontRef idx="minor">
+            <a:schemeClr val="lt1"/>
+          </a:fontRef>
+        </p:style>
+        <p:txBody>
+          <a:bodyPr rtlCol="0" anchor="ctr"/>
+          <a:lstStyle/>
+          <a:p>
+            <a:pPr algn="ctr"/>
+            <a:endParaRPr lang="en-US">
+              <a:solidFill>
+                <a:sysClr val="windowText" lastClr="000000"/>
+              </a:solidFill>
+            </a:endParaRPr>
+          </a:p>
+        </p:txBody>
+      </p:sp>
+    </p:spTree>
+    <p:extLst>
+      <p:ext uri="{BB962C8B-B14F-4D97-AF65-F5344CB8AC3E}">
+        <p14:creationId xmlns:p14="http://schemas.microsoft.com/office/powerpoint/2010/main" val="3686442832"/>
+      </p:ext>
+    </p:extLst>
+  </p:cSld>
+  <p:clrMapOvr>
+    <a:masterClrMapping/>
+  </p:clrMapOvr>
+</p:sld>
+</file>
+
+<file path=ppt/slides/slide14.xml><?xml version="1.0" encoding="utf-8"?>
+<p:sld xmlns:a="http://schemas.openxmlformats.org/drawingml/2006/main" xmlns:r="http://schemas.openxmlformats.org/officeDocument/2006/relationships" xmlns:p="http://schemas.openxmlformats.org/presentationml/2006/main">
+  <p:cSld>
+    <p:spTree>
+      <p:nvGrpSpPr>
+        <p:cNvPr id="1" name=""/>
+        <p:cNvGrpSpPr/>
+        <p:nvPr/>
+      </p:nvGrpSpPr>
+      <p:grpSpPr>
+        <a:xfrm>
+          <a:off x="0" y="0"/>
+          <a:ext cx="0" cy="0"/>
+          <a:chOff x="0" y="0"/>
+          <a:chExt cx="0" cy="0"/>
+        </a:xfrm>
+      </p:grpSpPr>
+      <p:sp>
+        <p:nvSpPr>
+          <p:cNvPr id="3" name="TextBox 2">
+            <a:extLst>
+              <a:ext uri="{FF2B5EF4-FFF2-40B4-BE49-F238E27FC236}">
+                <a16:creationId xmlns:a16="http://schemas.microsoft.com/office/drawing/2014/main" id="{AC9B76EC-4385-9952-52FC-4CC9C4F2822B}"/>
+              </a:ext>
+            </a:extLst>
+          </p:cNvPr>
+          <p:cNvSpPr txBox="1"/>
+          <p:nvPr/>
+        </p:nvSpPr>
+        <p:spPr>
+          <a:xfrm>
+            <a:off x="4177045" y="0"/>
+            <a:ext cx="3837910" cy="646331"/>
+          </a:xfrm>
+          <a:prstGeom prst="rect">
+            <a:avLst/>
+          </a:prstGeom>
+          <a:noFill/>
+        </p:spPr>
+        <p:txBody>
+          <a:bodyPr wrap="none" rtlCol="0">
+            <a:spAutoFit/>
+          </a:bodyPr>
+          <a:lstStyle/>
+          <a:p>
+            <a:r>
+              <a:rPr lang="en-US" sz="3600" b="1" dirty="0" err="1"/>
+              <a:t>Cơ</a:t>
+            </a:r>
+            <a:r>
+              <a:rPr lang="en-US" sz="3600" b="1" dirty="0"/>
+              <a:t> </a:t>
+            </a:r>
+            <a:r>
+              <a:rPr lang="en-US" sz="3600" b="1" dirty="0" err="1"/>
+              <a:t>chế</a:t>
+            </a:r>
+            <a:r>
+              <a:rPr lang="en-US" sz="3600" b="1" dirty="0"/>
+              <a:t> </a:t>
+            </a:r>
+            <a:r>
+              <a:rPr lang="en-US" sz="3600" b="1" dirty="0" err="1"/>
+              <a:t>hoạt</a:t>
+            </a:r>
+            <a:r>
+              <a:rPr lang="en-US" sz="3600" b="1" dirty="0"/>
+              <a:t> </a:t>
+            </a:r>
+            <a:r>
+              <a:rPr lang="en-US" sz="3600" b="1" dirty="0" err="1"/>
+              <a:t>động</a:t>
+            </a:r>
+            <a:endParaRPr lang="en-US" sz="3600" b="1" dirty="0"/>
+          </a:p>
+        </p:txBody>
+      </p:sp>
+      <p:sp>
+        <p:nvSpPr>
+          <p:cNvPr id="4" name="TextBox 3">
+            <a:extLst>
+              <a:ext uri="{FF2B5EF4-FFF2-40B4-BE49-F238E27FC236}">
+                <a16:creationId xmlns:a16="http://schemas.microsoft.com/office/drawing/2014/main" id="{F98DE96E-3A00-F9BF-6E57-E01DA2C1A951}"/>
+              </a:ext>
+            </a:extLst>
+          </p:cNvPr>
+          <p:cNvSpPr txBox="1"/>
+          <p:nvPr/>
+        </p:nvSpPr>
+        <p:spPr>
+          <a:xfrm>
+            <a:off x="133589" y="646331"/>
+            <a:ext cx="11924821" cy="1200329"/>
+          </a:xfrm>
+          <a:prstGeom prst="rect">
+            <a:avLst/>
+          </a:prstGeom>
+          <a:noFill/>
+        </p:spPr>
+        <p:txBody>
+          <a:bodyPr wrap="square" rtlCol="0">
+            <a:spAutoFit/>
+          </a:bodyPr>
+          <a:lstStyle/>
+          <a:p>
+            <a:r>
+              <a:rPr lang="en-US" sz="2400"/>
+              <a:t>Play: lấy ra game level tiếp theo -&gt; nạp màn chơi Monster Spawn Manager -&gt; active MonsterSpawn Manager</a:t>
+            </a:r>
+          </a:p>
+          <a:p>
+            <a:endParaRPr lang="en-US" sz="2400" dirty="0"/>
+          </a:p>
+        </p:txBody>
+      </p:sp>
+    </p:spTree>
+    <p:extLst>
+      <p:ext uri="{BB962C8B-B14F-4D97-AF65-F5344CB8AC3E}">
+        <p14:creationId xmlns:p14="http://schemas.microsoft.com/office/powerpoint/2010/main" val="3822503188"/>
       </p:ext>
     </p:extLst>
   </p:cSld>

--- a/Castle Defend.pptx
+++ b/Castle Defend.pptx
@@ -272,7 +272,7 @@
           <a:p>
             <a:fld id="{385A5F8F-D55E-4F7B-9A37-F8350C851305}" type="datetimeFigureOut">
               <a:rPr lang="en-US" smtClean="0"/>
-              <a:t>10/9/2024</a:t>
+              <a:t>10/12/2024</a:t>
             </a:fld>
             <a:endParaRPr lang="en-US"/>
           </a:p>
@@ -470,7 +470,7 @@
           <a:p>
             <a:fld id="{385A5F8F-D55E-4F7B-9A37-F8350C851305}" type="datetimeFigureOut">
               <a:rPr lang="en-US" smtClean="0"/>
-              <a:t>10/9/2024</a:t>
+              <a:t>10/12/2024</a:t>
             </a:fld>
             <a:endParaRPr lang="en-US"/>
           </a:p>
@@ -678,7 +678,7 @@
           <a:p>
             <a:fld id="{385A5F8F-D55E-4F7B-9A37-F8350C851305}" type="datetimeFigureOut">
               <a:rPr lang="en-US" smtClean="0"/>
-              <a:t>10/9/2024</a:t>
+              <a:t>10/12/2024</a:t>
             </a:fld>
             <a:endParaRPr lang="en-US"/>
           </a:p>
@@ -876,7 +876,7 @@
           <a:p>
             <a:fld id="{385A5F8F-D55E-4F7B-9A37-F8350C851305}" type="datetimeFigureOut">
               <a:rPr lang="en-US" smtClean="0"/>
-              <a:t>10/9/2024</a:t>
+              <a:t>10/12/2024</a:t>
             </a:fld>
             <a:endParaRPr lang="en-US"/>
           </a:p>
@@ -1151,7 +1151,7 @@
           <a:p>
             <a:fld id="{385A5F8F-D55E-4F7B-9A37-F8350C851305}" type="datetimeFigureOut">
               <a:rPr lang="en-US" smtClean="0"/>
-              <a:t>10/9/2024</a:t>
+              <a:t>10/12/2024</a:t>
             </a:fld>
             <a:endParaRPr lang="en-US"/>
           </a:p>
@@ -1416,7 +1416,7 @@
           <a:p>
             <a:fld id="{385A5F8F-D55E-4F7B-9A37-F8350C851305}" type="datetimeFigureOut">
               <a:rPr lang="en-US" smtClean="0"/>
-              <a:t>10/9/2024</a:t>
+              <a:t>10/12/2024</a:t>
             </a:fld>
             <a:endParaRPr lang="en-US"/>
           </a:p>
@@ -1828,7 +1828,7 @@
           <a:p>
             <a:fld id="{385A5F8F-D55E-4F7B-9A37-F8350C851305}" type="datetimeFigureOut">
               <a:rPr lang="en-US" smtClean="0"/>
-              <a:t>10/9/2024</a:t>
+              <a:t>10/12/2024</a:t>
             </a:fld>
             <a:endParaRPr lang="en-US"/>
           </a:p>
@@ -1969,7 +1969,7 @@
           <a:p>
             <a:fld id="{385A5F8F-D55E-4F7B-9A37-F8350C851305}" type="datetimeFigureOut">
               <a:rPr lang="en-US" smtClean="0"/>
-              <a:t>10/9/2024</a:t>
+              <a:t>10/12/2024</a:t>
             </a:fld>
             <a:endParaRPr lang="en-US"/>
           </a:p>
@@ -2082,7 +2082,7 @@
           <a:p>
             <a:fld id="{385A5F8F-D55E-4F7B-9A37-F8350C851305}" type="datetimeFigureOut">
               <a:rPr lang="en-US" smtClean="0"/>
-              <a:t>10/9/2024</a:t>
+              <a:t>10/12/2024</a:t>
             </a:fld>
             <a:endParaRPr lang="en-US"/>
           </a:p>
@@ -2393,7 +2393,7 @@
           <a:p>
             <a:fld id="{385A5F8F-D55E-4F7B-9A37-F8350C851305}" type="datetimeFigureOut">
               <a:rPr lang="en-US" smtClean="0"/>
-              <a:t>10/9/2024</a:t>
+              <a:t>10/12/2024</a:t>
             </a:fld>
             <a:endParaRPr lang="en-US"/>
           </a:p>
@@ -2681,7 +2681,7 @@
           <a:p>
             <a:fld id="{385A5F8F-D55E-4F7B-9A37-F8350C851305}" type="datetimeFigureOut">
               <a:rPr lang="en-US" smtClean="0"/>
-              <a:t>10/9/2024</a:t>
+              <a:t>10/12/2024</a:t>
             </a:fld>
             <a:endParaRPr lang="en-US"/>
           </a:p>
@@ -2922,7 +2922,7 @@
           <a:p>
             <a:fld id="{385A5F8F-D55E-4F7B-9A37-F8350C851305}" type="datetimeFigureOut">
               <a:rPr lang="en-US" smtClean="0"/>
-              <a:t>10/9/2024</a:t>
+              <a:t>10/12/2024</a:t>
             </a:fld>
             <a:endParaRPr lang="en-US"/>
           </a:p>
@@ -7585,10 +7585,10 @@
       </p:sp>
       <p:sp>
         <p:nvSpPr>
-          <p:cNvPr id="4" name="TextBox 3">
-            <a:extLst>
-              <a:ext uri="{FF2B5EF4-FFF2-40B4-BE49-F238E27FC236}">
-                <a16:creationId xmlns:a16="http://schemas.microsoft.com/office/drawing/2014/main" id="{F98DE96E-3A00-F9BF-6E57-E01DA2C1A951}"/>
+          <p:cNvPr id="2" name="TextBox 1">
+            <a:extLst>
+              <a:ext uri="{FF2B5EF4-FFF2-40B4-BE49-F238E27FC236}">
+                <a16:creationId xmlns:a16="http://schemas.microsoft.com/office/drawing/2014/main" id="{B3F8D7B8-5C52-B32B-36D1-6E39A746B38D}"/>
               </a:ext>
             </a:extLst>
           </p:cNvPr>
@@ -7597,8 +7597,8 @@
         </p:nvSpPr>
         <p:spPr>
           <a:xfrm>
-            <a:off x="133589" y="646331"/>
-            <a:ext cx="11924821" cy="1200329"/>
+            <a:off x="1" y="646331"/>
+            <a:ext cx="12192000" cy="461665"/>
           </a:xfrm>
           <a:prstGeom prst="rect">
             <a:avLst/>
@@ -7611,12 +7611,157 @@
           </a:bodyPr>
           <a:lstStyle/>
           <a:p>
+            <a:pPr algn="ctr"/>
             <a:r>
               <a:rPr lang="en-US" sz="2400"/>
-              <a:t>Play: lấy ra game level tiếp theo -&gt; nạp màn chơi Monster Spawn Manager -&gt; active MonsterSpawn Manager</a:t>
-            </a:r>
-          </a:p>
-          <a:p>
+              <a:t>Play Button -&gt; GameEventSystem -&gt; LevelSystem -&gt; MonsterSpawnManager</a:t>
+            </a:r>
+            <a:endParaRPr lang="en-US" sz="2400" dirty="0"/>
+          </a:p>
+        </p:txBody>
+      </p:sp>
+      <p:sp>
+        <p:nvSpPr>
+          <p:cNvPr id="6" name="TextBox 5">
+            <a:extLst>
+              <a:ext uri="{FF2B5EF4-FFF2-40B4-BE49-F238E27FC236}">
+                <a16:creationId xmlns:a16="http://schemas.microsoft.com/office/drawing/2014/main" id="{8887878F-2A2E-B58E-AA3B-8A3CC79C2143}"/>
+              </a:ext>
+            </a:extLst>
+          </p:cNvPr>
+          <p:cNvSpPr txBox="1"/>
+          <p:nvPr/>
+        </p:nvSpPr>
+        <p:spPr>
+          <a:xfrm>
+            <a:off x="1101968" y="1083538"/>
+            <a:ext cx="1418493" cy="2677656"/>
+          </a:xfrm>
+          <a:prstGeom prst="rect">
+            <a:avLst/>
+          </a:prstGeom>
+          <a:noFill/>
+        </p:spPr>
+        <p:txBody>
+          <a:bodyPr wrap="square" rtlCol="0">
+            <a:spAutoFit/>
+          </a:bodyPr>
+          <a:lstStyle/>
+          <a:p>
+            <a:pPr algn="ctr"/>
+            <a:r>
+              <a:rPr lang="en-US" sz="2400"/>
+              <a:t>Nhấn nút gọi hàm Start Current Level trong GES</a:t>
+            </a:r>
+          </a:p>
+        </p:txBody>
+      </p:sp>
+      <p:sp>
+        <p:nvSpPr>
+          <p:cNvPr id="7" name="TextBox 6">
+            <a:extLst>
+              <a:ext uri="{FF2B5EF4-FFF2-40B4-BE49-F238E27FC236}">
+                <a16:creationId xmlns:a16="http://schemas.microsoft.com/office/drawing/2014/main" id="{26530B8F-64B4-F437-4D77-3EEC1B462252}"/>
+              </a:ext>
+            </a:extLst>
+          </p:cNvPr>
+          <p:cNvSpPr txBox="1"/>
+          <p:nvPr/>
+        </p:nvSpPr>
+        <p:spPr>
+          <a:xfrm>
+            <a:off x="3024554" y="1083538"/>
+            <a:ext cx="2508738" cy="4524315"/>
+          </a:xfrm>
+          <a:prstGeom prst="rect">
+            <a:avLst/>
+          </a:prstGeom>
+          <a:noFill/>
+        </p:spPr>
+        <p:txBody>
+          <a:bodyPr wrap="square" rtlCol="0">
+            <a:spAutoFit/>
+          </a:bodyPr>
+          <a:lstStyle/>
+          <a:p>
+            <a:pPr algn="ctr"/>
+            <a:r>
+              <a:rPr lang="en-US" sz="2400"/>
+              <a:t>Chạy hàm Start Level với tham số bằng 0, gọi hàm Load Level trong Level System sau đó gán Level Script đc Load cho Level Script trong MSM, tiếp đến active MSM và Monster Manager</a:t>
+            </a:r>
+          </a:p>
+        </p:txBody>
+      </p:sp>
+      <p:sp>
+        <p:nvSpPr>
+          <p:cNvPr id="8" name="TextBox 7">
+            <a:extLst>
+              <a:ext uri="{FF2B5EF4-FFF2-40B4-BE49-F238E27FC236}">
+                <a16:creationId xmlns:a16="http://schemas.microsoft.com/office/drawing/2014/main" id="{EB473F42-7F7D-B151-B993-64D9A2888F97}"/>
+              </a:ext>
+            </a:extLst>
+          </p:cNvPr>
+          <p:cNvSpPr txBox="1"/>
+          <p:nvPr/>
+        </p:nvSpPr>
+        <p:spPr>
+          <a:xfrm>
+            <a:off x="5533292" y="1076830"/>
+            <a:ext cx="2332893" cy="2308324"/>
+          </a:xfrm>
+          <a:prstGeom prst="rect">
+            <a:avLst/>
+          </a:prstGeom>
+          <a:noFill/>
+        </p:spPr>
+        <p:txBody>
+          <a:bodyPr wrap="square" rtlCol="0">
+            <a:spAutoFit/>
+          </a:bodyPr>
+          <a:lstStyle/>
+          <a:p>
+            <a:pPr algn="ctr"/>
+            <a:r>
+              <a:rPr lang="en-US" sz="2400"/>
+              <a:t>Chạy hàm Load Level để chuẩn bị Level Script cho Level đc chỉ định và return Level Script đấy</a:t>
+            </a:r>
+            <a:endParaRPr lang="en-US" sz="2400" dirty="0"/>
+          </a:p>
+        </p:txBody>
+      </p:sp>
+      <p:sp>
+        <p:nvSpPr>
+          <p:cNvPr id="9" name="TextBox 8">
+            <a:extLst>
+              <a:ext uri="{FF2B5EF4-FFF2-40B4-BE49-F238E27FC236}">
+                <a16:creationId xmlns:a16="http://schemas.microsoft.com/office/drawing/2014/main" id="{AAAB26FA-B60C-5D41-8F2B-F112C9A9DB98}"/>
+              </a:ext>
+            </a:extLst>
+          </p:cNvPr>
+          <p:cNvSpPr txBox="1"/>
+          <p:nvPr/>
+        </p:nvSpPr>
+        <p:spPr>
+          <a:xfrm>
+            <a:off x="7866185" y="1076830"/>
+            <a:ext cx="3223847" cy="1200329"/>
+          </a:xfrm>
+          <a:prstGeom prst="rect">
+            <a:avLst/>
+          </a:prstGeom>
+          <a:noFill/>
+        </p:spPr>
+        <p:txBody>
+          <a:bodyPr wrap="square" rtlCol="0">
+            <a:spAutoFit/>
+          </a:bodyPr>
+          <a:lstStyle/>
+          <a:p>
+            <a:pPr algn="ctr"/>
+            <a:r>
+              <a:rPr lang="en-US" sz="2400"/>
+              <a:t>Sau khi được Active, chạy hàm SpawnMonster</a:t>
+            </a:r>
             <a:endParaRPr lang="en-US" sz="2400" dirty="0"/>
           </a:p>
         </p:txBody>
